--- a/CrossCall_IVR_System_Documentation.pptx
+++ b/CrossCall_IVR_System_Documentation.pptx
@@ -89,6 +89,59 @@
     <p:sldId id="337" r:id="rId88"/>
     <p:sldId id="338" r:id="rId89"/>
     <p:sldId id="339" r:id="rId90"/>
+    <p:sldId id="340" r:id="rId91"/>
+    <p:sldId id="341" r:id="rId92"/>
+    <p:sldId id="342" r:id="rId93"/>
+    <p:sldId id="343" r:id="rId94"/>
+    <p:sldId id="344" r:id="rId95"/>
+    <p:sldId id="345" r:id="rId96"/>
+    <p:sldId id="346" r:id="rId97"/>
+    <p:sldId id="347" r:id="rId98"/>
+    <p:sldId id="348" r:id="rId99"/>
+    <p:sldId id="349" r:id="rId100"/>
+    <p:sldId id="350" r:id="rId101"/>
+    <p:sldId id="351" r:id="rId102"/>
+    <p:sldId id="352" r:id="rId103"/>
+    <p:sldId id="353" r:id="rId104"/>
+    <p:sldId id="354" r:id="rId105"/>
+    <p:sldId id="355" r:id="rId106"/>
+    <p:sldId id="356" r:id="rId107"/>
+    <p:sldId id="357" r:id="rId108"/>
+    <p:sldId id="358" r:id="rId109"/>
+    <p:sldId id="359" r:id="rId110"/>
+    <p:sldId id="360" r:id="rId111"/>
+    <p:sldId id="361" r:id="rId112"/>
+    <p:sldId id="362" r:id="rId113"/>
+    <p:sldId id="363" r:id="rId114"/>
+    <p:sldId id="364" r:id="rId115"/>
+    <p:sldId id="365" r:id="rId116"/>
+    <p:sldId id="366" r:id="rId117"/>
+    <p:sldId id="367" r:id="rId118"/>
+    <p:sldId id="368" r:id="rId119"/>
+    <p:sldId id="369" r:id="rId120"/>
+    <p:sldId id="370" r:id="rId121"/>
+    <p:sldId id="371" r:id="rId122"/>
+    <p:sldId id="372" r:id="rId123"/>
+    <p:sldId id="373" r:id="rId124"/>
+    <p:sldId id="374" r:id="rId125"/>
+    <p:sldId id="375" r:id="rId126"/>
+    <p:sldId id="376" r:id="rId127"/>
+    <p:sldId id="377" r:id="rId128"/>
+    <p:sldId id="378" r:id="rId129"/>
+    <p:sldId id="379" r:id="rId130"/>
+    <p:sldId id="380" r:id="rId131"/>
+    <p:sldId id="381" r:id="rId132"/>
+    <p:sldId id="382" r:id="rId133"/>
+    <p:sldId id="383" r:id="rId134"/>
+    <p:sldId id="384" r:id="rId135"/>
+    <p:sldId id="385" r:id="rId136"/>
+    <p:sldId id="386" r:id="rId137"/>
+    <p:sldId id="387" r:id="rId138"/>
+    <p:sldId id="388" r:id="rId139"/>
+    <p:sldId id="389" r:id="rId140"/>
+    <p:sldId id="390" r:id="rId141"/>
+    <p:sldId id="391" r:id="rId142"/>
+    <p:sldId id="392" r:id="rId143"/>
   </p:sldIdLst>
   <p:sldSz cx="9144000" cy="6858000" type="screen4x3"/>
   <p:notesSz cx="6858000" cy="9144000"/>
@@ -3537,6 +3590,1466 @@
 </p:sld>
 </file>
 
+<file path=ppt/slides/slide100.xml><?xml version="1.0" encoding="utf-8"?>
+<p:sld xmlns:a="http://schemas.openxmlformats.org/drawingml/2006/main" xmlns:p="http://schemas.openxmlformats.org/presentationml/2006/main" xmlns:r="http://schemas.openxmlformats.org/officeDocument/2006/relationships">
+  <p:cSld>
+    <p:spTree>
+      <p:nvGrpSpPr>
+        <p:cNvPr id="1" name=""/>
+        <p:cNvGrpSpPr/>
+        <p:nvPr/>
+      </p:nvGrpSpPr>
+      <p:grpSpPr/>
+      <p:sp>
+        <p:nvSpPr>
+          <p:cNvPr id="2" name="TextBox 1"/>
+          <p:cNvSpPr txBox="1"/>
+          <p:nvPr/>
+        </p:nvSpPr>
+        <p:spPr>
+          <a:xfrm>
+            <a:off x="182880" y="91440"/>
+            <a:ext cx="8778240" cy="365760"/>
+          </a:xfrm>
+          <a:prstGeom prst="rect">
+            <a:avLst/>
+          </a:prstGeom>
+          <a:noFill/>
+        </p:spPr>
+        <p:txBody>
+          <a:bodyPr wrap="none">
+            <a:spAutoFit/>
+          </a:bodyPr>
+          <a:lstStyle/>
+          <a:p>
+            <a:pPr>
+              <a:defRPr sz="1800" b="1"/>
+            </a:pPr>
+            <a:r>
+              <a:t>Table: T_SEQUENCE_TRANSFER_CALL</a:t>
+            </a:r>
+          </a:p>
+        </p:txBody>
+      </p:sp>
+      <p:sp>
+        <p:nvSpPr>
+          <p:cNvPr id="3" name="TextBox 2"/>
+          <p:cNvSpPr txBox="1"/>
+          <p:nvPr/>
+        </p:nvSpPr>
+        <p:spPr>
+          <a:xfrm>
+            <a:off x="182880" y="502920"/>
+            <a:ext cx="8778240" cy="6400800"/>
+          </a:xfrm>
+          <a:prstGeom prst="rect">
+            <a:avLst/>
+          </a:prstGeom>
+          <a:noFill/>
+        </p:spPr>
+        <p:txBody>
+          <a:bodyPr wrap="square">
+            <a:spAutoFit/>
+          </a:bodyPr>
+          <a:lstStyle/>
+          <a:p>
+            <a:pPr>
+              <a:defRPr sz="800">
+                <a:latin typeface="Courier New"/>
+              </a:defRPr>
+            </a:pPr>
+            <a:r>
+              <a:t>CREATE TABLE `T_SEQUENCE_TRANSFER_CALL` (</a:t>
+            </a:r>
+            <a:br/>
+            <a:r>
+              <a:t>  `transfer_id` bigint(20) NOT NULL AUTO_INCREMENT,</a:t>
+            </a:r>
+            <a:br/>
+            <a:r>
+              <a:t>  `company_id` bigint(20) NOT NULL COMMENT '업체id',</a:t>
+            </a:r>
+            <a:br/>
+            <a:r>
+              <a:t>  `transfer_company_id` bigint(20) NOT NULL COMMENT 'transfer 업체 ID',</a:t>
+            </a:r>
+            <a:br/>
+            <a:r>
+              <a:t>  `transfer_did_number` varchar(20) NOT NULL COMMENT '업체 DID 번호',</a:t>
+            </a:r>
+            <a:br/>
+            <a:r>
+              <a:t>  `transfer_q_number` varchar(20) NOT NULL COMMENT 'transfer 업체 Q',</a:t>
+            </a:r>
+            <a:br/>
+            <a:r>
+              <a:t>  `transfer_company_name` varchar(20) NOT NULL COMMENT '업체 이름',</a:t>
+            </a:r>
+            <a:br/>
+            <a:r>
+              <a:t>  `transfer_order_num` int(1) NOT NULL DEFAULT '1' COMMENT '착신 순서',</a:t>
+            </a:r>
+            <a:br/>
+            <a:r>
+              <a:t>  `memo` text COMMENT '설명',</a:t>
+            </a:r>
+            <a:br/>
+            <a:r>
+              <a:t>  `mod_datetime` datetime DEFAULT NULL,</a:t>
+            </a:r>
+            <a:br/>
+            <a:r>
+              <a:t>  `login_id` varchar(64) DEFAULT NULL COMMENT '수정자로그인id',</a:t>
+            </a:r>
+            <a:br/>
+            <a:r>
+              <a:t>  PRIMARY KEY (`transfer_id`)</a:t>
+            </a:r>
+            <a:br/>
+            <a:r>
+              <a:t>) ENGINE=InnoDB AUTO_INCREMENT=10 DEFAULT CHARSET=utf8;</a:t>
+            </a:r>
+          </a:p>
+        </p:txBody>
+      </p:sp>
+    </p:spTree>
+  </p:cSld>
+  <p:clrMapOvr>
+    <a:masterClrMapping/>
+  </p:clrMapOvr>
+</p:sld>
+</file>
+
+<file path=ppt/slides/slide101.xml><?xml version="1.0" encoding="utf-8"?>
+<p:sld xmlns:a="http://schemas.openxmlformats.org/drawingml/2006/main" xmlns:p="http://schemas.openxmlformats.org/presentationml/2006/main" xmlns:r="http://schemas.openxmlformats.org/officeDocument/2006/relationships">
+  <p:cSld>
+    <p:spTree>
+      <p:nvGrpSpPr>
+        <p:cNvPr id="1" name=""/>
+        <p:cNvGrpSpPr/>
+        <p:nvPr/>
+      </p:nvGrpSpPr>
+      <p:grpSpPr/>
+      <p:sp>
+        <p:nvSpPr>
+          <p:cNvPr id="2" name="TextBox 1"/>
+          <p:cNvSpPr txBox="1"/>
+          <p:nvPr/>
+        </p:nvSpPr>
+        <p:spPr>
+          <a:xfrm>
+            <a:off x="182880" y="91440"/>
+            <a:ext cx="8778240" cy="365760"/>
+          </a:xfrm>
+          <a:prstGeom prst="rect">
+            <a:avLst/>
+          </a:prstGeom>
+          <a:noFill/>
+        </p:spPr>
+        <p:txBody>
+          <a:bodyPr wrap="none">
+            <a:spAutoFit/>
+          </a:bodyPr>
+          <a:lstStyle/>
+          <a:p>
+            <a:pPr>
+              <a:defRPr sz="1800" b="1"/>
+            </a:pPr>
+            <a:r>
+              <a:t>Table: T_DIRECT_TRANSFER_CALL</a:t>
+            </a:r>
+          </a:p>
+        </p:txBody>
+      </p:sp>
+      <p:sp>
+        <p:nvSpPr>
+          <p:cNvPr id="3" name="TextBox 2"/>
+          <p:cNvSpPr txBox="1"/>
+          <p:nvPr/>
+        </p:nvSpPr>
+        <p:spPr>
+          <a:xfrm>
+            <a:off x="182880" y="502920"/>
+            <a:ext cx="8778240" cy="6400800"/>
+          </a:xfrm>
+          <a:prstGeom prst="rect">
+            <a:avLst/>
+          </a:prstGeom>
+          <a:noFill/>
+        </p:spPr>
+        <p:txBody>
+          <a:bodyPr wrap="square">
+            <a:spAutoFit/>
+          </a:bodyPr>
+          <a:lstStyle/>
+          <a:p>
+            <a:pPr>
+              <a:defRPr sz="800">
+                <a:latin typeface="Courier New"/>
+              </a:defRPr>
+            </a:pPr>
+            <a:r>
+              <a:t>CREATE TABLE `T_DIRECT_TRANSFER_CALL` (</a:t>
+            </a:r>
+            <a:br/>
+            <a:r>
+              <a:t>  `transfer_id` bigint(20) NOT NULL AUTO_INCREMENT,</a:t>
+            </a:r>
+            <a:br/>
+            <a:r>
+              <a:t>  `company_id` bigint(20) NOT NULL COMMENT '업체id',</a:t>
+            </a:r>
+            <a:br/>
+            <a:r>
+              <a:t>  `transfer_company_id` bigint(20) NOT NULL COMMENT 'transfer 업체 ID',</a:t>
+            </a:r>
+            <a:br/>
+            <a:r>
+              <a:t>  `transfer_did_number` varchar(20) NOT NULL COMMENT '업체 DID 번호',</a:t>
+            </a:r>
+            <a:br/>
+            <a:r>
+              <a:t>  `transfer_q_number` varchar(20) NOT NULL COMMENT 'transfer 업체 Q',</a:t>
+            </a:r>
+            <a:br/>
+            <a:r>
+              <a:t>  `transfer_company_name` varchar(20) NOT NULL COMMENT '업체 이름',</a:t>
+            </a:r>
+            <a:br/>
+            <a:r>
+              <a:t>  `transfer_order_num` int(1) NOT NULL DEFAULT '1' COMMENT '착신 순서',</a:t>
+            </a:r>
+            <a:br/>
+            <a:r>
+              <a:t>  `memo` text COMMENT '설명',</a:t>
+            </a:r>
+            <a:br/>
+            <a:r>
+              <a:t>  `mod_datetime` datetime DEFAULT NULL,</a:t>
+            </a:r>
+            <a:br/>
+            <a:r>
+              <a:t>  `login_id` varchar(64) DEFAULT NULL COMMENT '수정자로그인id',</a:t>
+            </a:r>
+            <a:br/>
+            <a:r>
+              <a:t>  PRIMARY KEY (`transfer_id`)</a:t>
+            </a:r>
+            <a:br/>
+            <a:r>
+              <a:t>) ENGINE=InnoDB AUTO_INCREMENT=790 DEFAULT CHARSET=utf8;</a:t>
+            </a:r>
+          </a:p>
+        </p:txBody>
+      </p:sp>
+    </p:spTree>
+  </p:cSld>
+  <p:clrMapOvr>
+    <a:masterClrMapping/>
+  </p:clrMapOvr>
+</p:sld>
+</file>
+
+<file path=ppt/slides/slide102.xml><?xml version="1.0" encoding="utf-8"?>
+<p:sld xmlns:a="http://schemas.openxmlformats.org/drawingml/2006/main" xmlns:p="http://schemas.openxmlformats.org/presentationml/2006/main" xmlns:r="http://schemas.openxmlformats.org/officeDocument/2006/relationships">
+  <p:cSld>
+    <p:spTree>
+      <p:nvGrpSpPr>
+        <p:cNvPr id="1" name=""/>
+        <p:cNvGrpSpPr/>
+        <p:nvPr/>
+      </p:nvGrpSpPr>
+      <p:grpSpPr/>
+      <p:sp>
+        <p:nvSpPr>
+          <p:cNvPr id="2" name="TextBox 1"/>
+          <p:cNvSpPr txBox="1"/>
+          <p:nvPr/>
+        </p:nvSpPr>
+        <p:spPr>
+          <a:xfrm>
+            <a:off x="182880" y="91440"/>
+            <a:ext cx="8778240" cy="365760"/>
+          </a:xfrm>
+          <a:prstGeom prst="rect">
+            <a:avLst/>
+          </a:prstGeom>
+          <a:noFill/>
+        </p:spPr>
+        <p:txBody>
+          <a:bodyPr wrap="none">
+            <a:spAutoFit/>
+          </a:bodyPr>
+          <a:lstStyle/>
+          <a:p>
+            <a:pPr>
+              <a:defRPr sz="1800" b="1"/>
+            </a:pPr>
+            <a:r>
+              <a:t>Table: T_SET_MY</a:t>
+            </a:r>
+          </a:p>
+        </p:txBody>
+      </p:sp>
+      <p:sp>
+        <p:nvSpPr>
+          <p:cNvPr id="3" name="TextBox 2"/>
+          <p:cNvSpPr txBox="1"/>
+          <p:nvPr/>
+        </p:nvSpPr>
+        <p:spPr>
+          <a:xfrm>
+            <a:off x="182880" y="502920"/>
+            <a:ext cx="8778240" cy="6400800"/>
+          </a:xfrm>
+          <a:prstGeom prst="rect">
+            <a:avLst/>
+          </a:prstGeom>
+          <a:noFill/>
+        </p:spPr>
+        <p:txBody>
+          <a:bodyPr wrap="square">
+            <a:spAutoFit/>
+          </a:bodyPr>
+          <a:lstStyle/>
+          <a:p>
+            <a:pPr>
+              <a:defRPr sz="800">
+                <a:latin typeface="Courier New"/>
+              </a:defRPr>
+            </a:pPr>
+            <a:r>
+              <a:t>CREATE TABLE `T_SET_MY` (</a:t>
+            </a:r>
+            <a:br/>
+            <a:r>
+              <a:t>  `id` bigint(20) NOT NULL AUTO_INCREMENT,</a:t>
+            </a:r>
+            <a:br/>
+            <a:r>
+              <a:t>  `company_id` int(10) NOT NULL DEFAULT '0' COMMENT 'company id',</a:t>
+            </a:r>
+            <a:br/>
+            <a:r>
+              <a:t>  `receive_option` char(1) NOT NULL DEFAULT 'T' COMMENT '착신옵션-&gt;T(Time):시간차착신,  D(Direct):직접착신,  N(No):착신안함',</a:t>
+            </a:r>
+            <a:br/>
+            <a:r>
+              <a:t>  `ring_wait_time_my` int(3) NOT NULL DEFAULT '10' COMMENT '링대기시간-내콜센타',</a:t>
+            </a:r>
+            <a:br/>
+            <a:r>
+              <a:t>  `ring_wait_time_transfer` int(3) NOT NULL DEFAULT '10' COMMENT '링대기시간-다음콜센타로 착신',</a:t>
+            </a:r>
+            <a:br/>
+            <a:r>
+              <a:t>  `memo` text COMMENT '설명',</a:t>
+            </a:r>
+            <a:br/>
+            <a:r>
+              <a:t>  `mod_datetime` datetime DEFAULT NULL,</a:t>
+            </a:r>
+            <a:br/>
+            <a:r>
+              <a:t>  `login_id` varchar(64) DEFAULT NULL COMMENT '수정자로그인id',</a:t>
+            </a:r>
+            <a:br/>
+            <a:r>
+              <a:t>  PRIMARY KEY (`id`)</a:t>
+            </a:r>
+            <a:br/>
+            <a:r>
+              <a:t>) ENGINE=InnoDB AUTO_INCREMENT=36591 DEFAULT CHARSET=utf8;</a:t>
+            </a:r>
+          </a:p>
+        </p:txBody>
+      </p:sp>
+    </p:spTree>
+  </p:cSld>
+  <p:clrMapOvr>
+    <a:masterClrMapping/>
+  </p:clrMapOvr>
+</p:sld>
+</file>
+
+<file path=ppt/slides/slide103.xml><?xml version="1.0" encoding="utf-8"?>
+<p:sld xmlns:a="http://schemas.openxmlformats.org/drawingml/2006/main" xmlns:p="http://schemas.openxmlformats.org/presentationml/2006/main" xmlns:r="http://schemas.openxmlformats.org/officeDocument/2006/relationships">
+  <p:cSld>
+    <p:spTree>
+      <p:nvGrpSpPr>
+        <p:cNvPr id="1" name=""/>
+        <p:cNvGrpSpPr/>
+        <p:nvPr/>
+      </p:nvGrpSpPr>
+      <p:grpSpPr/>
+      <p:sp>
+        <p:nvSpPr>
+          <p:cNvPr id="2" name="TextBox 1"/>
+          <p:cNvSpPr txBox="1"/>
+          <p:nvPr/>
+        </p:nvSpPr>
+        <p:spPr>
+          <a:xfrm>
+            <a:off x="182880" y="91440"/>
+            <a:ext cx="8778240" cy="365760"/>
+          </a:xfrm>
+          <a:prstGeom prst="rect">
+            <a:avLst/>
+          </a:prstGeom>
+          <a:noFill/>
+        </p:spPr>
+        <p:txBody>
+          <a:bodyPr wrap="none">
+            <a:spAutoFit/>
+          </a:bodyPr>
+          <a:lstStyle/>
+          <a:p>
+            <a:pPr>
+              <a:defRPr sz="1800" b="1"/>
+            </a:pPr>
+            <a:r>
+              <a:t>Table: T_SET_SEQUENCE</a:t>
+            </a:r>
+          </a:p>
+        </p:txBody>
+      </p:sp>
+      <p:sp>
+        <p:nvSpPr>
+          <p:cNvPr id="3" name="TextBox 2"/>
+          <p:cNvSpPr txBox="1"/>
+          <p:nvPr/>
+        </p:nvSpPr>
+        <p:spPr>
+          <a:xfrm>
+            <a:off x="182880" y="502920"/>
+            <a:ext cx="8778240" cy="6400800"/>
+          </a:xfrm>
+          <a:prstGeom prst="rect">
+            <a:avLst/>
+          </a:prstGeom>
+          <a:noFill/>
+        </p:spPr>
+        <p:txBody>
+          <a:bodyPr wrap="square">
+            <a:spAutoFit/>
+          </a:bodyPr>
+          <a:lstStyle/>
+          <a:p>
+            <a:pPr>
+              <a:defRPr sz="800">
+                <a:latin typeface="Courier New"/>
+              </a:defRPr>
+            </a:pPr>
+            <a:r>
+              <a:t>CREATE TABLE `T_SET_SEQUENCE` (</a:t>
+            </a:r>
+            <a:br/>
+            <a:r>
+              <a:t>  `id` bigint(20) NOT NULL AUTO_INCREMENT,</a:t>
+            </a:r>
+            <a:br/>
+            <a:r>
+              <a:t>  `company_id` int(10) NOT NULL DEFAULT '0' COMMENT 'company id',</a:t>
+            </a:r>
+            <a:br/>
+            <a:r>
+              <a:t>  `receive_option1` char(1) NOT NULL DEFAULT 'T' COMMENT '재수신옵션1:H(알바/재택상담원), A(최초상담원), M(My Callcent)',</a:t>
+            </a:r>
+            <a:br/>
+            <a:r>
+              <a:t>  `receive_option2` char(1) NOT NULL DEFAULT 'T' COMMENT '재수신옵션2:재수신옵션1:H(알바/재택상담원), A(최초상담원), M(My Callcent)',</a:t>
+            </a:r>
+            <a:br/>
+            <a:r>
+              <a:t>  `recall_transfer_time` int(3) NOT NULL DEFAULT '10' COMMENT '재수신시 강제 착신 시간(분)',</a:t>
+            </a:r>
+            <a:br/>
+            <a:r>
+              <a:t>  `ring_wait_time_transfer` int(3) NOT NULL DEFAULT '10' COMMENT '링대기시간-다음콜센타로 착신',</a:t>
+            </a:r>
+            <a:br/>
+            <a:r>
+              <a:t>  `memo` text COMMENT '설명',</a:t>
+            </a:r>
+            <a:br/>
+            <a:r>
+              <a:t>  `mod_datetime` datetime DEFAULT NULL,</a:t>
+            </a:r>
+            <a:br/>
+            <a:r>
+              <a:t>  `login_id` varchar(64) DEFAULT NULL COMMENT '수정자로그인id',</a:t>
+            </a:r>
+            <a:br/>
+            <a:r>
+              <a:t>  PRIMARY KEY (`id`)</a:t>
+            </a:r>
+            <a:br/>
+            <a:r>
+              <a:t>) ENGINE=InnoDB AUTO_INCREMENT=2 DEFAULT CHARSET=utf8;</a:t>
+            </a:r>
+          </a:p>
+        </p:txBody>
+      </p:sp>
+    </p:spTree>
+  </p:cSld>
+  <p:clrMapOvr>
+    <a:masterClrMapping/>
+  </p:clrMapOvr>
+</p:sld>
+</file>
+
+<file path=ppt/slides/slide104.xml><?xml version="1.0" encoding="utf-8"?>
+<p:sld xmlns:a="http://schemas.openxmlformats.org/drawingml/2006/main" xmlns:p="http://schemas.openxmlformats.org/presentationml/2006/main" xmlns:r="http://schemas.openxmlformats.org/officeDocument/2006/relationships">
+  <p:cSld>
+    <p:spTree>
+      <p:nvGrpSpPr>
+        <p:cNvPr id="1" name=""/>
+        <p:cNvGrpSpPr/>
+        <p:nvPr/>
+      </p:nvGrpSpPr>
+      <p:grpSpPr/>
+      <p:sp>
+        <p:nvSpPr>
+          <p:cNvPr id="2" name="TextBox 1"/>
+          <p:cNvSpPr txBox="1"/>
+          <p:nvPr/>
+        </p:nvSpPr>
+        <p:spPr>
+          <a:xfrm>
+            <a:off x="182880" y="91440"/>
+            <a:ext cx="8778240" cy="365760"/>
+          </a:xfrm>
+          <a:prstGeom prst="rect">
+            <a:avLst/>
+          </a:prstGeom>
+          <a:noFill/>
+        </p:spPr>
+        <p:txBody>
+          <a:bodyPr wrap="none">
+            <a:spAutoFit/>
+          </a:bodyPr>
+          <a:lstStyle/>
+          <a:p>
+            <a:pPr>
+              <a:defRPr sz="1800" b="1"/>
+            </a:pPr>
+            <a:r>
+              <a:t>Table: T_SET_DIRECT</a:t>
+            </a:r>
+          </a:p>
+        </p:txBody>
+      </p:sp>
+      <p:sp>
+        <p:nvSpPr>
+          <p:cNvPr id="3" name="TextBox 2"/>
+          <p:cNvSpPr txBox="1"/>
+          <p:nvPr/>
+        </p:nvSpPr>
+        <p:spPr>
+          <a:xfrm>
+            <a:off x="182880" y="502920"/>
+            <a:ext cx="8778240" cy="6400800"/>
+          </a:xfrm>
+          <a:prstGeom prst="rect">
+            <a:avLst/>
+          </a:prstGeom>
+          <a:noFill/>
+        </p:spPr>
+        <p:txBody>
+          <a:bodyPr wrap="square">
+            <a:spAutoFit/>
+          </a:bodyPr>
+          <a:lstStyle/>
+          <a:p>
+            <a:pPr>
+              <a:defRPr sz="800">
+                <a:latin typeface="Courier New"/>
+              </a:defRPr>
+            </a:pPr>
+            <a:r>
+              <a:t>CREATE TABLE `T_SET_DIRECT` (</a:t>
+            </a:r>
+            <a:br/>
+            <a:r>
+              <a:t>  `id` bigint(20) NOT NULL AUTO_INCREMENT,</a:t>
+            </a:r>
+            <a:br/>
+            <a:r>
+              <a:t>  `company_id` int(10) NOT NULL DEFAULT '0' COMMENT 'company id',</a:t>
+            </a:r>
+            <a:br/>
+            <a:r>
+              <a:t>  `receive_option` char(1) NOT NULL DEFAULT 'T' COMMENT '착신옵션:T(Time).시간차착신,D(Direct).직접착신,N(No).착신안함',</a:t>
+            </a:r>
+            <a:br/>
+            <a:r>
+              <a:t>  `ring_wait_time_my` int(3) NOT NULL DEFAULT '10' COMMENT '링대기시간-내콜센타',</a:t>
+            </a:r>
+            <a:br/>
+            <a:r>
+              <a:t>  `ring_wait_time_transfer` int(3) NOT NULL DEFAULT '10' COMMENT '링대기시간-다음콜센타로 착신',</a:t>
+            </a:r>
+            <a:br/>
+            <a:r>
+              <a:t>  `memo` text COMMENT '설명',</a:t>
+            </a:r>
+            <a:br/>
+            <a:r>
+              <a:t>  `mod_datetime` datetime DEFAULT NULL,</a:t>
+            </a:r>
+            <a:br/>
+            <a:r>
+              <a:t>  `login_id` varchar(64) DEFAULT NULL COMMENT '수정자로그인id',</a:t>
+            </a:r>
+            <a:br/>
+            <a:r>
+              <a:t>  PRIMARY KEY (`id`)</a:t>
+            </a:r>
+            <a:br/>
+            <a:r>
+              <a:t>) ENGINE=InnoDB AUTO_INCREMENT=759 DEFAULT CHARSET=utf8;</a:t>
+            </a:r>
+          </a:p>
+        </p:txBody>
+      </p:sp>
+    </p:spTree>
+  </p:cSld>
+  <p:clrMapOvr>
+    <a:masterClrMapping/>
+  </p:clrMapOvr>
+</p:sld>
+</file>
+
+<file path=ppt/slides/slide105.xml><?xml version="1.0" encoding="utf-8"?>
+<p:sld xmlns:a="http://schemas.openxmlformats.org/drawingml/2006/main" xmlns:p="http://schemas.openxmlformats.org/presentationml/2006/main" xmlns:r="http://schemas.openxmlformats.org/officeDocument/2006/relationships">
+  <p:cSld>
+    <p:spTree>
+      <p:nvGrpSpPr>
+        <p:cNvPr id="1" name=""/>
+        <p:cNvGrpSpPr/>
+        <p:nvPr/>
+      </p:nvGrpSpPr>
+      <p:grpSpPr/>
+      <p:sp>
+        <p:nvSpPr>
+          <p:cNvPr id="2" name="TextBox 1"/>
+          <p:cNvSpPr txBox="1"/>
+          <p:nvPr/>
+        </p:nvSpPr>
+        <p:spPr>
+          <a:xfrm>
+            <a:off x="182880" y="91440"/>
+            <a:ext cx="8778240" cy="365760"/>
+          </a:xfrm>
+          <a:prstGeom prst="rect">
+            <a:avLst/>
+          </a:prstGeom>
+          <a:noFill/>
+        </p:spPr>
+        <p:txBody>
+          <a:bodyPr wrap="none">
+            <a:spAutoFit/>
+          </a:bodyPr>
+          <a:lstStyle/>
+          <a:p>
+            <a:pPr>
+              <a:defRPr sz="1800" b="1"/>
+            </a:pPr>
+            <a:r>
+              <a:t>Table: T_CC_WORKDAY_INFO</a:t>
+            </a:r>
+          </a:p>
+        </p:txBody>
+      </p:sp>
+      <p:sp>
+        <p:nvSpPr>
+          <p:cNvPr id="3" name="TextBox 2"/>
+          <p:cNvSpPr txBox="1"/>
+          <p:nvPr/>
+        </p:nvSpPr>
+        <p:spPr>
+          <a:xfrm>
+            <a:off x="182880" y="502920"/>
+            <a:ext cx="8778240" cy="6400800"/>
+          </a:xfrm>
+          <a:prstGeom prst="rect">
+            <a:avLst/>
+          </a:prstGeom>
+          <a:noFill/>
+        </p:spPr>
+        <p:txBody>
+          <a:bodyPr wrap="square">
+            <a:spAutoFit/>
+          </a:bodyPr>
+          <a:lstStyle/>
+          <a:p>
+            <a:pPr>
+              <a:defRPr sz="800">
+                <a:latin typeface="Courier New"/>
+              </a:defRPr>
+            </a:pPr>
+            <a:r>
+              <a:t>CREATE TABLE `T_CC_WORKDAY_INFO` (</a:t>
+            </a:r>
+            <a:br/>
+            <a:r>
+              <a:t>  `cw_id` bigint(20) NOT NULL AUTO_INCREMENT,</a:t>
+            </a:r>
+            <a:br/>
+            <a:r>
+              <a:t>  `cw_company_id` bigint(20) NOT NULL COMMENT '업체 ID',</a:t>
+            </a:r>
+            <a:br/>
+            <a:r>
+              <a:t>  `cw_kind` char(1) DEFAULT '0' COMMENT '요일, 1:일요일, 2:월요일, 3:화요일....',</a:t>
+            </a:r>
+            <a:br/>
+            <a:r>
+              <a:t>  `cw_is_use` char(1) DEFAULT 'N' COMMENT '사용 유무 : ''Y'', ''N''',</a:t>
+            </a:r>
+            <a:br/>
+            <a:r>
+              <a:t>  `cw_starttime1` char(4) DEFAULT '0000' COMMENT '시작시간',</a:t>
+            </a:r>
+            <a:br/>
+            <a:r>
+              <a:t>  `cw_endtime1` char(4) DEFAULT '0000' COMMENT '종료시간',</a:t>
+            </a:r>
+            <a:br/>
+            <a:r>
+              <a:t>  `cw_starttime2` char(4) DEFAULT '0000' COMMENT '시작시간(다음날)',</a:t>
+            </a:r>
+            <a:br/>
+            <a:r>
+              <a:t>  `cw_endtime2` char(4) DEFAULT '0000' COMMENT '종료시간(다음날)',</a:t>
+            </a:r>
+            <a:br/>
+            <a:r>
+              <a:t>  `cw_peak_is_use` char(1) DEFAULT 'N' COMMENT '피크타임 사용 유무 : ''Y'', ''N''',</a:t>
+            </a:r>
+            <a:br/>
+            <a:r>
+              <a:t>  `cw_peak_starttime1` char(4) DEFAULT '0000' COMMENT '피크 타임 시작시간',</a:t>
+            </a:r>
+            <a:br/>
+            <a:r>
+              <a:t>  `cw_peak_endtime1` char(4) DEFAULT '0000' COMMENT '피크 타임 종료시간',</a:t>
+            </a:r>
+            <a:br/>
+            <a:r>
+              <a:t>  `cw_peak_starttime2` char(4) DEFAULT '0000' COMMENT '피크 타임 시작시간(다음날)',</a:t>
+            </a:r>
+            <a:br/>
+            <a:r>
+              <a:t>  `cw_peak_endtime2` char(4) DEFAULT '0000' COMMENT '피크 타임 종료시간(다음날)',</a:t>
+            </a:r>
+            <a:br/>
+            <a:r>
+              <a:t>  `cw_memo` text COMMENT '설명',</a:t>
+            </a:r>
+            <a:br/>
+            <a:r>
+              <a:t>  `CREATE_DATETIME` datetime DEFAULT NULL,</a:t>
+            </a:r>
+            <a:br/>
+            <a:r>
+              <a:t>  `MOD_DATETIME` datetime DEFAULT NULL,</a:t>
+            </a:r>
+            <a:br/>
+            <a:r>
+              <a:t>  PRIMARY KEY (`cw_id`)</a:t>
+            </a:r>
+            <a:br/>
+            <a:r>
+              <a:t>) ENGINE=InnoDB AUTO_INCREMENT=3739 DEFAULT CHARSET=utf8;</a:t>
+            </a:r>
+          </a:p>
+        </p:txBody>
+      </p:sp>
+    </p:spTree>
+  </p:cSld>
+  <p:clrMapOvr>
+    <a:masterClrMapping/>
+  </p:clrMapOvr>
+</p:sld>
+</file>
+
+<file path=ppt/slides/slide106.xml><?xml version="1.0" encoding="utf-8"?>
+<p:sld xmlns:a="http://schemas.openxmlformats.org/drawingml/2006/main" xmlns:p="http://schemas.openxmlformats.org/presentationml/2006/main" xmlns:r="http://schemas.openxmlformats.org/officeDocument/2006/relationships">
+  <p:cSld>
+    <p:spTree>
+      <p:nvGrpSpPr>
+        <p:cNvPr id="1" name=""/>
+        <p:cNvGrpSpPr/>
+        <p:nvPr/>
+      </p:nvGrpSpPr>
+      <p:grpSpPr/>
+      <p:sp>
+        <p:nvSpPr>
+          <p:cNvPr id="2" name="TextBox 1"/>
+          <p:cNvSpPr txBox="1"/>
+          <p:nvPr/>
+        </p:nvSpPr>
+        <p:spPr>
+          <a:xfrm>
+            <a:off x="182880" y="91440"/>
+            <a:ext cx="8778240" cy="365760"/>
+          </a:xfrm>
+          <a:prstGeom prst="rect">
+            <a:avLst/>
+          </a:prstGeom>
+          <a:noFill/>
+        </p:spPr>
+        <p:txBody>
+          <a:bodyPr wrap="none">
+            <a:spAutoFit/>
+          </a:bodyPr>
+          <a:lstStyle/>
+          <a:p>
+            <a:pPr>
+              <a:defRPr sz="1800" b="1"/>
+            </a:pPr>
+            <a:r>
+              <a:t>Table: T_WORKDAY_INFO</a:t>
+            </a:r>
+          </a:p>
+        </p:txBody>
+      </p:sp>
+      <p:sp>
+        <p:nvSpPr>
+          <p:cNvPr id="3" name="TextBox 2"/>
+          <p:cNvSpPr txBox="1"/>
+          <p:nvPr/>
+        </p:nvSpPr>
+        <p:spPr>
+          <a:xfrm>
+            <a:off x="182880" y="502920"/>
+            <a:ext cx="8778240" cy="6400800"/>
+          </a:xfrm>
+          <a:prstGeom prst="rect">
+            <a:avLst/>
+          </a:prstGeom>
+          <a:noFill/>
+        </p:spPr>
+        <p:txBody>
+          <a:bodyPr wrap="square">
+            <a:spAutoFit/>
+          </a:bodyPr>
+          <a:lstStyle/>
+          <a:p>
+            <a:pPr>
+              <a:defRPr sz="800">
+                <a:latin typeface="Courier New"/>
+              </a:defRPr>
+            </a:pPr>
+            <a:r>
+              <a:t>CREATE TABLE `T_WORKDAY_INFO` (</a:t>
+            </a:r>
+            <a:br/>
+            <a:r>
+              <a:t>  `w_id` bigint(20) NOT NULL AUTO_INCREMENT,</a:t>
+            </a:r>
+            <a:br/>
+            <a:r>
+              <a:t>  `w_company_id` bigint(20) NOT NULL COMMENT '업체 ID',</a:t>
+            </a:r>
+            <a:br/>
+            <a:r>
+              <a:t>  `w_end_ment` text COMMENT '업무 종료 멘트',</a:t>
+            </a:r>
+            <a:br/>
+            <a:r>
+              <a:t>  `w_end_ment_cv` char(1) DEFAULT NULL,</a:t>
+            </a:r>
+            <a:br/>
+            <a:r>
+              <a:t>  `w_end_ment_dir` varchar(64) DEFAULT NULL COMMENT '업무 종료 멘트 저장 위치',</a:t>
+            </a:r>
+            <a:br/>
+            <a:r>
+              <a:t>  `w_end_ment_type` char(1) DEFAULT NULL,</a:t>
+            </a:r>
+            <a:br/>
+            <a:r>
+              <a:t>  `w_endtime1` char(4) DEFAULT NULL COMMENT '업무 종료 시간',</a:t>
+            </a:r>
+            <a:br/>
+            <a:r>
+              <a:t>  `w_endtime2` char(4) DEFAULT NULL COMMENT '업부 종료 시간 (다음날)',</a:t>
+            </a:r>
+            <a:br/>
+            <a:r>
+              <a:t>  `w_is_use` char(1) DEFAULT NULL,</a:t>
+            </a:r>
+            <a:br/>
+            <a:r>
+              <a:t>  `w_kind` char(1) DEFAULT NULL COMMENT '요일, 1:일요일, 2:월요일, 3:화요일....',</a:t>
+            </a:r>
+            <a:br/>
+            <a:r>
+              <a:t>  `w_meal1_endtime` char(4) DEFAULT NULL,</a:t>
+            </a:r>
+            <a:br/>
+            <a:r>
+              <a:t>  `w_meal1_is_use` char(1) DEFAULT NULL,</a:t>
+            </a:r>
+            <a:br/>
+            <a:r>
+              <a:t>  `w_meal1_ment` text,</a:t>
+            </a:r>
+            <a:br/>
+            <a:r>
+              <a:t>  `w_meal1_ment_cv` char(1) DEFAULT NULL,</a:t>
+            </a:r>
+            <a:br/>
+            <a:r>
+              <a:t>  `w_meal1_ment_dir` varchar(64) DEFAULT NULL,</a:t>
+            </a:r>
+            <a:br/>
+            <a:r>
+              <a:t>  `w_meal1_ment_type` char(1) DEFAULT NULL,</a:t>
+            </a:r>
+            <a:br/>
+            <a:r>
+              <a:t>  `w_meal1_starttime` char(4) DEFAULT NULL,</a:t>
+            </a:r>
+            <a:br/>
+            <a:r>
+              <a:t>  `w_meal2_endtime` char(4) DEFAULT NULL,</a:t>
+            </a:r>
+            <a:br/>
+            <a:r>
+              <a:t>  `w_meal2_is_use` char(1) DEFAULT NULL,</a:t>
+            </a:r>
+            <a:br/>
+            <a:r>
+              <a:t>  `w_meal2_ment` text,</a:t>
+            </a:r>
+            <a:br/>
+            <a:r>
+              <a:t>  `w_meal2_ment_cv` char(1) DEFAULT NULL,</a:t>
+            </a:r>
+            <a:br/>
+            <a:r>
+              <a:t>  `w_meal2_ment_dir` varchar(64) DEFAULT NULL,</a:t>
+            </a:r>
+            <a:br/>
+            <a:r>
+              <a:t>  `w_meal2_ment_type` char(1) DEFAULT NULL,</a:t>
+            </a:r>
+            <a:br/>
+            <a:r>
+              <a:t>  `w_meal2_starttime` char(4) DEFAULT NULL,</a:t>
+            </a:r>
+            <a:br/>
+            <a:r>
+              <a:t>  `w_ment` text,</a:t>
+            </a:r>
+            <a:br/>
+            <a:r>
+              <a:t>  `w_ment_cv` char(1) DEFAULT NULL,</a:t>
+            </a:r>
+            <a:br/>
+            <a:r>
+              <a:t>  `w_ment_dir` varchar(64) DEFAULT NULL,</a:t>
+            </a:r>
+            <a:br/>
+            <a:r>
+              <a:t>  `w_ment_type` char(1) DEFAULT NULL,</a:t>
+            </a:r>
+            <a:br/>
+            <a:r>
+              <a:t>  `w_starttime1` char(4) DEFAULT NULL,</a:t>
+            </a:r>
+            <a:br/>
+            <a:r>
+              <a:t>  `w_starttime2` char(4) DEFAULT NULL,</a:t>
+            </a:r>
+            <a:br/>
+            <a:r>
+              <a:t>  `w_use_callback` char(1) DEFAULT NULL,</a:t>
+            </a:r>
+            <a:br/>
+            <a:r>
+              <a:t>  `mod_datetime` datetime DEFAULT NULL,</a:t>
+            </a:r>
+            <a:br/>
+            <a:r>
+              <a:t>  `create_datetime` datetime DEFAULT NULL,</a:t>
+            </a:r>
+            <a:br/>
+            <a:r>
+              <a:t>  PRIMARY KEY (`w_id`)</a:t>
+            </a:r>
+            <a:br/>
+            <a:r>
+              <a:t>) ENGINE=InnoDB AUTO_INCREMENT=29 DEFAULT CHARSET=utf8;</a:t>
+            </a:r>
+          </a:p>
+        </p:txBody>
+      </p:sp>
+    </p:spTree>
+  </p:cSld>
+  <p:clrMapOvr>
+    <a:masterClrMapping/>
+  </p:clrMapOvr>
+</p:sld>
+</file>
+
+<file path=ppt/slides/slide107.xml><?xml version="1.0" encoding="utf-8"?>
+<p:sld xmlns:a="http://schemas.openxmlformats.org/drawingml/2006/main" xmlns:p="http://schemas.openxmlformats.org/presentationml/2006/main" xmlns:r="http://schemas.openxmlformats.org/officeDocument/2006/relationships">
+  <p:cSld>
+    <p:spTree>
+      <p:nvGrpSpPr>
+        <p:cNvPr id="1" name=""/>
+        <p:cNvGrpSpPr/>
+        <p:nvPr/>
+      </p:nvGrpSpPr>
+      <p:grpSpPr/>
+      <p:sp>
+        <p:nvSpPr>
+          <p:cNvPr id="2" name="TextBox 1"/>
+          <p:cNvSpPr txBox="1"/>
+          <p:nvPr/>
+        </p:nvSpPr>
+        <p:spPr>
+          <a:xfrm>
+            <a:off x="182880" y="91440"/>
+            <a:ext cx="8778240" cy="365760"/>
+          </a:xfrm>
+          <a:prstGeom prst="rect">
+            <a:avLst/>
+          </a:prstGeom>
+          <a:noFill/>
+        </p:spPr>
+        <p:txBody>
+          <a:bodyPr wrap="none">
+            <a:spAutoFit/>
+          </a:bodyPr>
+          <a:lstStyle/>
+          <a:p>
+            <a:pPr>
+              <a:defRPr sz="1800" b="1"/>
+            </a:pPr>
+            <a:r>
+              <a:t>Table: T_HOLIDAY</a:t>
+            </a:r>
+          </a:p>
+        </p:txBody>
+      </p:sp>
+      <p:sp>
+        <p:nvSpPr>
+          <p:cNvPr id="3" name="TextBox 2"/>
+          <p:cNvSpPr txBox="1"/>
+          <p:nvPr/>
+        </p:nvSpPr>
+        <p:spPr>
+          <a:xfrm>
+            <a:off x="182880" y="502920"/>
+            <a:ext cx="8778240" cy="6400800"/>
+          </a:xfrm>
+          <a:prstGeom prst="rect">
+            <a:avLst/>
+          </a:prstGeom>
+          <a:noFill/>
+        </p:spPr>
+        <p:txBody>
+          <a:bodyPr wrap="square">
+            <a:spAutoFit/>
+          </a:bodyPr>
+          <a:lstStyle/>
+          <a:p>
+            <a:pPr>
+              <a:defRPr sz="800">
+                <a:latin typeface="Courier New"/>
+              </a:defRPr>
+            </a:pPr>
+            <a:r>
+              <a:t>CREATE TABLE `T_HOLIDAY` (</a:t>
+            </a:r>
+            <a:br/>
+            <a:r>
+              <a:t>  `h_id` bigint(20) NOT NULL AUTO_INCREMENT,</a:t>
+            </a:r>
+            <a:br/>
+            <a:r>
+              <a:t>  `CREATE_DATETIME` datetime DEFAULT NULL,</a:t>
+            </a:r>
+            <a:br/>
+            <a:r>
+              <a:t>  `h_company_id` bigint(20) NOT NULL,</a:t>
+            </a:r>
+            <a:br/>
+            <a:r>
+              <a:t>  `h_enddate` char(4) COLLATE utf8_unicode_ci DEFAULT NULL,</a:t>
+            </a:r>
+            <a:br/>
+            <a:r>
+              <a:t>  `h_kind` varchar(1) COLLATE utf8_unicode_ci NOT NULL,</a:t>
+            </a:r>
+            <a:br/>
+            <a:r>
+              <a:t>  `h_memo` varchar(255) COLLATE utf8_unicode_ci DEFAULT NULL,</a:t>
+            </a:r>
+            <a:br/>
+            <a:r>
+              <a:t>  `h_memt` mediumtext COLLATE utf8_unicode_ci,</a:t>
+            </a:r>
+            <a:br/>
+            <a:r>
+              <a:t>  `h_memt_dir` varchar(64) COLLATE utf8_unicode_ci DEFAULT NULL,</a:t>
+            </a:r>
+            <a:br/>
+            <a:r>
+              <a:t>  `h_name` varchar(100) COLLATE utf8_unicode_ci DEFAULT NULL,</a:t>
+            </a:r>
+            <a:br/>
+            <a:r>
+              <a:t>  `h_startdate` char(4) COLLATE utf8_unicode_ci DEFAULT NULL,</a:t>
+            </a:r>
+            <a:br/>
+            <a:r>
+              <a:t>  `MOD_DATETIME` datetime DEFAULT NULL,</a:t>
+            </a:r>
+            <a:br/>
+            <a:r>
+              <a:t>  PRIMARY KEY (`h_id`)</a:t>
+            </a:r>
+            <a:br/>
+            <a:r>
+              <a:t>) ENGINE=InnoDB DEFAULT CHARSET=utf8 COLLATE=utf8_unicode_ci;</a:t>
+            </a:r>
+          </a:p>
+        </p:txBody>
+      </p:sp>
+    </p:spTree>
+  </p:cSld>
+  <p:clrMapOvr>
+    <a:masterClrMapping/>
+  </p:clrMapOvr>
+</p:sld>
+</file>
+
+<file path=ppt/slides/slide108.xml><?xml version="1.0" encoding="utf-8"?>
+<p:sld xmlns:a="http://schemas.openxmlformats.org/drawingml/2006/main" xmlns:p="http://schemas.openxmlformats.org/presentationml/2006/main" xmlns:r="http://schemas.openxmlformats.org/officeDocument/2006/relationships">
+  <p:cSld>
+    <p:spTree>
+      <p:nvGrpSpPr>
+        <p:cNvPr id="1" name=""/>
+        <p:cNvGrpSpPr/>
+        <p:nvPr/>
+      </p:nvGrpSpPr>
+      <p:grpSpPr/>
+      <p:sp>
+        <p:nvSpPr>
+          <p:cNvPr id="2" name="TextBox 1"/>
+          <p:cNvSpPr txBox="1"/>
+          <p:nvPr/>
+        </p:nvSpPr>
+        <p:spPr>
+          <a:xfrm>
+            <a:off x="182880" y="91440"/>
+            <a:ext cx="8778240" cy="365760"/>
+          </a:xfrm>
+          <a:prstGeom prst="rect">
+            <a:avLst/>
+          </a:prstGeom>
+          <a:noFill/>
+        </p:spPr>
+        <p:txBody>
+          <a:bodyPr wrap="none">
+            <a:spAutoFit/>
+          </a:bodyPr>
+          <a:lstStyle/>
+          <a:p>
+            <a:pPr>
+              <a:defRPr sz="1800" b="1"/>
+            </a:pPr>
+            <a:r>
+              <a:t>Table: T_DID_PREFIX</a:t>
+            </a:r>
+          </a:p>
+        </p:txBody>
+      </p:sp>
+      <p:sp>
+        <p:nvSpPr>
+          <p:cNvPr id="3" name="TextBox 2"/>
+          <p:cNvSpPr txBox="1"/>
+          <p:nvPr/>
+        </p:nvSpPr>
+        <p:spPr>
+          <a:xfrm>
+            <a:off x="182880" y="502920"/>
+            <a:ext cx="8778240" cy="6400800"/>
+          </a:xfrm>
+          <a:prstGeom prst="rect">
+            <a:avLst/>
+          </a:prstGeom>
+          <a:noFill/>
+        </p:spPr>
+        <p:txBody>
+          <a:bodyPr wrap="square">
+            <a:spAutoFit/>
+          </a:bodyPr>
+          <a:lstStyle/>
+          <a:p>
+            <a:pPr>
+              <a:defRPr sz="800">
+                <a:latin typeface="Courier New"/>
+              </a:defRPr>
+            </a:pPr>
+            <a:r>
+              <a:t>CREATE TABLE `T_DID_PREFIX` (</a:t>
+            </a:r>
+            <a:br/>
+            <a:r>
+              <a:t>  `prefix_id` int(11) NOT NULL AUTO_INCREMENT COMMENT 'PK',</a:t>
+            </a:r>
+            <a:br/>
+            <a:r>
+              <a:t>  `did_prefix` varchar(10) NOT NULL COMMENT 'DID 앞 자리',</a:t>
+            </a:r>
+            <a:br/>
+            <a:r>
+              <a:t>  `prefix_length` int(2) DEFAULT '4' COMMENT 'prefix 길이',</a:t>
+            </a:r>
+            <a:br/>
+            <a:r>
+              <a:t>  `target_type` varchar(10) NOT NULL DEFAULT 'Q' COMMENT '라우팅 타입',</a:t>
+            </a:r>
+            <a:br/>
+            <a:r>
+              <a:t>  `target_number` varchar(20) NOT NULL COMMENT '연결할 번호',</a:t>
+            </a:r>
+            <a:br/>
+            <a:r>
+              <a:t>  `target_scenario` varchar(50) DEFAULT NULL COMMENT '연결할 시나리오명',</a:t>
+            </a:r>
+            <a:br/>
+            <a:r>
+              <a:t>  `master_id` int(11) DEFAULT '0' COMMENT '마스터 회사 ID',</a:t>
+            </a:r>
+            <a:br/>
+            <a:r>
+              <a:t>  `company_id` int(10) DEFAULT NULL COMMENT '회사 ID',</a:t>
+            </a:r>
+            <a:br/>
+            <a:r>
+              <a:t>  `priority` int(3) DEFAULT '100' COMMENT '우선순위',</a:t>
+            </a:r>
+            <a:br/>
+            <a:r>
+              <a:t>  `description` varchar(100) DEFAULT NULL COMMENT '설명',</a:t>
+            </a:r>
+            <a:br/>
+            <a:r>
+              <a:t>  `is_active` char(1) DEFAULT 'Y' COMMENT '활성화 여부',</a:t>
+            </a:r>
+            <a:br/>
+            <a:r>
+              <a:t>  `create_datetime` char(19) DEFAULT NULL COMMENT '생성일시',</a:t>
+            </a:r>
+            <a:br/>
+            <a:r>
+              <a:t>  `mod_datetime` char(19) DEFAULT NULL COMMENT '수정일시',</a:t>
+            </a:r>
+            <a:br/>
+            <a:r>
+              <a:t>  `create_user` varchar(64) DEFAULT NULL COMMENT '생성자',</a:t>
+            </a:r>
+            <a:br/>
+            <a:r>
+              <a:t>  `mod_user` varchar(64) DEFAULT NULL COMMENT '수정자',</a:t>
+            </a:r>
+            <a:br/>
+            <a:r>
+              <a:t>  PRIMARY KEY (`prefix_id`),</a:t>
+            </a:r>
+            <a:br/>
+            <a:r>
+              <a:t>  KEY `idx_prefix` (`did_prefix`),</a:t>
+            </a:r>
+            <a:br/>
+            <a:r>
+              <a:t>  KEY `idx_active` (`is_active`),</a:t>
+            </a:r>
+            <a:br/>
+            <a:r>
+              <a:t>  KEY `idx_company` (`company_id`)</a:t>
+            </a:r>
+            <a:br/>
+            <a:r>
+              <a:t>) ENGINE=InnoDB AUTO_INCREMENT=3 DEFAULT CHARSET=utf8mb4 COMMENT='DID Prefix 기반 라우팅 설정';</a:t>
+            </a:r>
+          </a:p>
+        </p:txBody>
+      </p:sp>
+    </p:spTree>
+  </p:cSld>
+  <p:clrMapOvr>
+    <a:masterClrMapping/>
+  </p:clrMapOvr>
+</p:sld>
+</file>
+
+<file path=ppt/slides/slide109.xml><?xml version="1.0" encoding="utf-8"?>
+<p:sld xmlns:a="http://schemas.openxmlformats.org/drawingml/2006/main" xmlns:p="http://schemas.openxmlformats.org/presentationml/2006/main" xmlns:r="http://schemas.openxmlformats.org/officeDocument/2006/relationships">
+  <p:cSld>
+    <p:spTree>
+      <p:nvGrpSpPr>
+        <p:cNvPr id="1" name=""/>
+        <p:cNvGrpSpPr/>
+        <p:nvPr/>
+      </p:nvGrpSpPr>
+      <p:grpSpPr/>
+      <p:sp>
+        <p:nvSpPr>
+          <p:cNvPr id="2" name="TextBox 1"/>
+          <p:cNvSpPr txBox="1"/>
+          <p:nvPr/>
+        </p:nvSpPr>
+        <p:spPr>
+          <a:xfrm>
+            <a:off x="182880" y="91440"/>
+            <a:ext cx="8778240" cy="365760"/>
+          </a:xfrm>
+          <a:prstGeom prst="rect">
+            <a:avLst/>
+          </a:prstGeom>
+          <a:noFill/>
+        </p:spPr>
+        <p:txBody>
+          <a:bodyPr wrap="none">
+            <a:spAutoFit/>
+          </a:bodyPr>
+          <a:lstStyle/>
+          <a:p>
+            <a:pPr>
+              <a:defRPr sz="1800" b="1"/>
+            </a:pPr>
+            <a:r>
+              <a:t>Table: T_DID_RANGE</a:t>
+            </a:r>
+          </a:p>
+        </p:txBody>
+      </p:sp>
+      <p:sp>
+        <p:nvSpPr>
+          <p:cNvPr id="3" name="TextBox 2"/>
+          <p:cNvSpPr txBox="1"/>
+          <p:nvPr/>
+        </p:nvSpPr>
+        <p:spPr>
+          <a:xfrm>
+            <a:off x="182880" y="502920"/>
+            <a:ext cx="8778240" cy="6400800"/>
+          </a:xfrm>
+          <a:prstGeom prst="rect">
+            <a:avLst/>
+          </a:prstGeom>
+          <a:noFill/>
+        </p:spPr>
+        <p:txBody>
+          <a:bodyPr wrap="square">
+            <a:spAutoFit/>
+          </a:bodyPr>
+          <a:lstStyle/>
+          <a:p>
+            <a:pPr>
+              <a:defRPr sz="800">
+                <a:latin typeface="Courier New"/>
+              </a:defRPr>
+            </a:pPr>
+            <a:r>
+              <a:t>CREATE TABLE `T_DID_RANGE` (</a:t>
+            </a:r>
+            <a:br/>
+            <a:r>
+              <a:t>  `did_id` int(11) NOT NULL AUTO_INCREMENT,</a:t>
+            </a:r>
+            <a:br/>
+            <a:r>
+              <a:t>  `master_id` int(11) NOT NULL DEFAULT '0' COMMENT '업체master_id',</a:t>
+            </a:r>
+            <a:br/>
+            <a:r>
+              <a:t>  `company_id` int(10) NOT NULL COMMENT '업체id',</a:t>
+            </a:r>
+            <a:br/>
+            <a:r>
+              <a:t>  `did_number` varchar(20) NOT NULL COMMENT 'did 번호, XX-&gt;00~99, X-&gt; 0~9',</a:t>
+            </a:r>
+            <a:br/>
+            <a:r>
+              <a:t>  `did_company_id` int(10) DEFAULT '0' COMMENT '삭제 - did 번호 사용업체id(연동지사)',</a:t>
+            </a:r>
+            <a:br/>
+            <a:r>
+              <a:t>  `is_use` char(1) DEFAULT 'N' COMMENT '업체에서 사용 유무(N:미사용,Y:사용)',</a:t>
+            </a:r>
+            <a:br/>
+            <a:r>
+              <a:t>  `use_transfer` char(1) DEFAULT 'N' COMMENT 'DID착신 사용유무(Y:사용, N:미사용)',</a:t>
+            </a:r>
+            <a:br/>
+            <a:r>
+              <a:t>  `use_dnd` char(1) DEFAULT 'N' COMMENT '수신거부(DND) 사용유무(Y:사용, N:미사용)',</a:t>
+            </a:r>
+            <a:br/>
+            <a:r>
+              <a:t>  `dnd_datetime` char(19) DEFAULT NULL COMMENT 'YYYY-MM-DD HH:NN:SS',</a:t>
+            </a:r>
+            <a:br/>
+            <a:r>
+              <a:t>  `use_cid_route` char(1) DEFAULT 'N' COMMENT '수신전환(cid값이 지역번호인 것,002,031) 사용 유무(Y:사용,N:미사용)',</a:t>
+            </a:r>
+            <a:br/>
+            <a:r>
+              <a:t>  `use_db_route` char(1) DEFAULT 'N' COMMENT '지역라우팅(DB routing-010) 사용 유무(Y:사용,N:미사용)',</a:t>
+            </a:r>
+            <a:br/>
+            <a:r>
+              <a:t>  `to_number` varchar(20) DEFAULT '' COMMENT '전환번호',</a:t>
+            </a:r>
+            <a:br/>
+            <a:r>
+              <a:t>  `did_memo` text COMMENT 'did 착신 설명',</a:t>
+            </a:r>
+            <a:br/>
+            <a:r>
+              <a:t>  `dnd_memo` text COMMENT '수신거부 설명',</a:t>
+            </a:r>
+            <a:br/>
+            <a:r>
+              <a:t>  `create_datetime` char(19) DEFAULT NULL COMMENT 'YYYY-MM-DD HH:NN:SS',</a:t>
+            </a:r>
+            <a:br/>
+            <a:r>
+              <a:t>  `mod_datetime` char(19) DEFAULT NULL COMMENT 'YYYY-MM-DD HH:NN:SS',</a:t>
+            </a:r>
+            <a:br/>
+            <a:r>
+              <a:t>  `login_id` varchar(64) DEFAULT NULL COMMENT '수정자로그인id',</a:t>
+            </a:r>
+            <a:br/>
+            <a:r>
+              <a:t>  PRIMARY KEY (`did_id`)</a:t>
+            </a:r>
+            <a:br/>
+            <a:r>
+              <a:t>) ENGINE=InnoDB AUTO_INCREMENT=10442 DEFAULT CHARSET=utf8;</a:t>
+            </a:r>
+          </a:p>
+        </p:txBody>
+      </p:sp>
+    </p:spTree>
+  </p:cSld>
+  <p:clrMapOvr>
+    <a:masterClrMapping/>
+  </p:clrMapOvr>
+</p:sld>
+</file>
+
 <file path=ppt/slides/slide11.xml><?xml version="1.0" encoding="utf-8"?>
 <p:sld xmlns:a="http://schemas.openxmlformats.org/drawingml/2006/main" xmlns:p="http://schemas.openxmlformats.org/presentationml/2006/main" xmlns:r="http://schemas.openxmlformats.org/officeDocument/2006/relationships">
   <p:cSld>
@@ -4281,6 +5794,1254 @@
           </a:graphicData>
         </a:graphic>
       </p:graphicFrame>
+    </p:spTree>
+  </p:cSld>
+  <p:clrMapOvr>
+    <a:masterClrMapping/>
+  </p:clrMapOvr>
+</p:sld>
+</file>
+
+<file path=ppt/slides/slide110.xml><?xml version="1.0" encoding="utf-8"?>
+<p:sld xmlns:a="http://schemas.openxmlformats.org/drawingml/2006/main" xmlns:p="http://schemas.openxmlformats.org/presentationml/2006/main" xmlns:r="http://schemas.openxmlformats.org/officeDocument/2006/relationships">
+  <p:cSld>
+    <p:spTree>
+      <p:nvGrpSpPr>
+        <p:cNvPr id="1" name=""/>
+        <p:cNvGrpSpPr/>
+        <p:nvPr/>
+      </p:nvGrpSpPr>
+      <p:grpSpPr/>
+      <p:sp>
+        <p:nvSpPr>
+          <p:cNvPr id="2" name="TextBox 1"/>
+          <p:cNvSpPr txBox="1"/>
+          <p:nvPr/>
+        </p:nvSpPr>
+        <p:spPr>
+          <a:xfrm>
+            <a:off x="182880" y="91440"/>
+            <a:ext cx="8778240" cy="365760"/>
+          </a:xfrm>
+          <a:prstGeom prst="rect">
+            <a:avLst/>
+          </a:prstGeom>
+          <a:noFill/>
+        </p:spPr>
+        <p:txBody>
+          <a:bodyPr wrap="none">
+            <a:spAutoFit/>
+          </a:bodyPr>
+          <a:lstStyle/>
+          <a:p>
+            <a:pPr>
+              <a:defRPr sz="1800" b="1"/>
+            </a:pPr>
+            <a:r>
+              <a:t>Table: T_DB_ROUTING</a:t>
+            </a:r>
+          </a:p>
+        </p:txBody>
+      </p:sp>
+      <p:sp>
+        <p:nvSpPr>
+          <p:cNvPr id="3" name="TextBox 2"/>
+          <p:cNvSpPr txBox="1"/>
+          <p:nvPr/>
+        </p:nvSpPr>
+        <p:spPr>
+          <a:xfrm>
+            <a:off x="182880" y="502920"/>
+            <a:ext cx="8778240" cy="6400800"/>
+          </a:xfrm>
+          <a:prstGeom prst="rect">
+            <a:avLst/>
+          </a:prstGeom>
+          <a:noFill/>
+        </p:spPr>
+        <p:txBody>
+          <a:bodyPr wrap="square">
+            <a:spAutoFit/>
+          </a:bodyPr>
+          <a:lstStyle/>
+          <a:p>
+            <a:pPr>
+              <a:defRPr sz="800">
+                <a:latin typeface="Courier New"/>
+              </a:defRPr>
+            </a:pPr>
+            <a:r>
+              <a:t>CREATE TABLE `T_DB_ROUTING` (</a:t>
+            </a:r>
+            <a:br/>
+            <a:r>
+              <a:t>  `id` bigint(20) NOT NULL AUTO_INCREMENT,</a:t>
+            </a:r>
+            <a:br/>
+            <a:r>
+              <a:t>  `company_id` bigint(20) DEFAULT NULL,</a:t>
+            </a:r>
+            <a:br/>
+            <a:r>
+              <a:t>  `kind` char(1) COLLATE utf8_unicode_ci DEFAULT 'D' COMMENT 'C:cid(수신전환-지역번호002,031...), D:지역라우팅(DB라우팅,010...)',</a:t>
+            </a:r>
+            <a:br/>
+            <a:r>
+              <a:t>  `from_did` varchar(32) COLLATE utf8_unicode_ci DEFAULT NULL COMMENT '최초did 번호(업체대표번호)',</a:t>
+            </a:r>
+            <a:br/>
+            <a:r>
+              <a:t>  `si_do` varchar(3) COLLATE utf8_unicode_ci DEFAULT NULL COMMENT 'T_LOCATION 고객의 지역번호(시도, 예:031)',</a:t>
+            </a:r>
+            <a:br/>
+            <a:r>
+              <a:t>  `si_gun_gu` int(11) DEFAULT '0' COMMENT 'T_LOCATION 지역코드(시군구)',</a:t>
+            </a:r>
+            <a:br/>
+            <a:r>
+              <a:t>  `to_extension` varchar(32) COLLATE utf8_unicode_ci DEFAULT NULL COMMENT '전환(넘길) 전화번호',</a:t>
+            </a:r>
+            <a:br/>
+            <a:r>
+              <a:t>  `description` text COLLATE utf8_unicode_ci,</a:t>
+            </a:r>
+            <a:br/>
+            <a:r>
+              <a:t>  `create_datetime` datetime DEFAULT NULL,</a:t>
+            </a:r>
+            <a:br/>
+            <a:r>
+              <a:t>  `mod_datetime` datetime DEFAULT NULL,</a:t>
+            </a:r>
+            <a:br/>
+            <a:r>
+              <a:t>  PRIMARY KEY (`id`)</a:t>
+            </a:r>
+            <a:br/>
+            <a:r>
+              <a:t>) ENGINE=InnoDB AUTO_INCREMENT=99 DEFAULT CHARSET=utf8 COLLATE=utf8_unicode_ci;</a:t>
+            </a:r>
+          </a:p>
+        </p:txBody>
+      </p:sp>
+    </p:spTree>
+  </p:cSld>
+  <p:clrMapOvr>
+    <a:masterClrMapping/>
+  </p:clrMapOvr>
+</p:sld>
+</file>
+
+<file path=ppt/slides/slide111.xml><?xml version="1.0" encoding="utf-8"?>
+<p:sld xmlns:a="http://schemas.openxmlformats.org/drawingml/2006/main" xmlns:p="http://schemas.openxmlformats.org/presentationml/2006/main" xmlns:r="http://schemas.openxmlformats.org/officeDocument/2006/relationships">
+  <p:cSld>
+    <p:spTree>
+      <p:nvGrpSpPr>
+        <p:cNvPr id="1" name=""/>
+        <p:cNvGrpSpPr/>
+        <p:nvPr/>
+      </p:nvGrpSpPr>
+      <p:grpSpPr/>
+      <p:sp>
+        <p:nvSpPr>
+          <p:cNvPr id="2" name="TextBox 1"/>
+          <p:cNvSpPr txBox="1"/>
+          <p:nvPr/>
+        </p:nvSpPr>
+        <p:spPr>
+          <a:xfrm>
+            <a:off x="182880" y="91440"/>
+            <a:ext cx="8778240" cy="365760"/>
+          </a:xfrm>
+          <a:prstGeom prst="rect">
+            <a:avLst/>
+          </a:prstGeom>
+          <a:noFill/>
+        </p:spPr>
+        <p:txBody>
+          <a:bodyPr wrap="none">
+            <a:spAutoFit/>
+          </a:bodyPr>
+          <a:lstStyle/>
+          <a:p>
+            <a:pPr>
+              <a:defRPr sz="1800" b="1"/>
+            </a:pPr>
+            <a:r>
+              <a:t>Table: T_LOCATION</a:t>
+            </a:r>
+          </a:p>
+        </p:txBody>
+      </p:sp>
+      <p:sp>
+        <p:nvSpPr>
+          <p:cNvPr id="3" name="TextBox 2"/>
+          <p:cNvSpPr txBox="1"/>
+          <p:nvPr/>
+        </p:nvSpPr>
+        <p:spPr>
+          <a:xfrm>
+            <a:off x="182880" y="502920"/>
+            <a:ext cx="8778240" cy="6400800"/>
+          </a:xfrm>
+          <a:prstGeom prst="rect">
+            <a:avLst/>
+          </a:prstGeom>
+          <a:noFill/>
+        </p:spPr>
+        <p:txBody>
+          <a:bodyPr wrap="square">
+            <a:spAutoFit/>
+          </a:bodyPr>
+          <a:lstStyle/>
+          <a:p>
+            <a:pPr>
+              <a:defRPr sz="800">
+                <a:latin typeface="Courier New"/>
+              </a:defRPr>
+            </a:pPr>
+            <a:r>
+              <a:t>CREATE TABLE `T_LOCATION` (</a:t>
+            </a:r>
+            <a:br/>
+            <a:r>
+              <a:t>  `si_do` varchar(3) COLLATE utf8_unicode_ci NOT NULL COMMENT '지역코드 시도',</a:t>
+            </a:r>
+            <a:br/>
+            <a:r>
+              <a:t>  `si_gun_gu` int(11) NOT NULL COMMENT '지역코드 시군구',</a:t>
+            </a:r>
+            <a:br/>
+            <a:r>
+              <a:t>  `seq` int(11) NOT NULL COMMENT '보여주는 순번',</a:t>
+            </a:r>
+            <a:br/>
+            <a:r>
+              <a:t>  `si_do_name` varchar(32) COLLATE utf8_unicode_ci DEFAULT NULL COMMENT '시도명(예:서울시,경기도)',</a:t>
+            </a:r>
+            <a:br/>
+            <a:r>
+              <a:t>  `si_gun_gu_name` varchar(32) COLLATE utf8_unicode_ci DEFAULT NULL COMMENT '시군구명(예:강남구,수원시)',</a:t>
+            </a:r>
+            <a:br/>
+            <a:r>
+              <a:t>  `mod_datetime` datetime DEFAULT NULL,</a:t>
+            </a:r>
+            <a:br/>
+            <a:r>
+              <a:t>  PRIMARY KEY (`si_do`,`si_gun_gu`)</a:t>
+            </a:r>
+            <a:br/>
+            <a:r>
+              <a:t>) ENGINE=InnoDB DEFAULT CHARSET=utf8 COLLATE=utf8_unicode_ci;</a:t>
+            </a:r>
+          </a:p>
+        </p:txBody>
+      </p:sp>
+    </p:spTree>
+  </p:cSld>
+  <p:clrMapOvr>
+    <a:masterClrMapping/>
+  </p:clrMapOvr>
+</p:sld>
+</file>
+
+<file path=ppt/slides/slide112.xml><?xml version="1.0" encoding="utf-8"?>
+<p:sld xmlns:a="http://schemas.openxmlformats.org/drawingml/2006/main" xmlns:p="http://schemas.openxmlformats.org/presentationml/2006/main" xmlns:r="http://schemas.openxmlformats.org/officeDocument/2006/relationships">
+  <p:cSld>
+    <p:spTree>
+      <p:nvGrpSpPr>
+        <p:cNvPr id="1" name=""/>
+        <p:cNvGrpSpPr/>
+        <p:nvPr/>
+      </p:nvGrpSpPr>
+      <p:grpSpPr/>
+      <p:sp>
+        <p:nvSpPr>
+          <p:cNvPr id="2" name="TextBox 1"/>
+          <p:cNvSpPr txBox="1"/>
+          <p:nvPr/>
+        </p:nvSpPr>
+        <p:spPr>
+          <a:xfrm>
+            <a:off x="182880" y="91440"/>
+            <a:ext cx="8778240" cy="365760"/>
+          </a:xfrm>
+          <a:prstGeom prst="rect">
+            <a:avLst/>
+          </a:prstGeom>
+          <a:noFill/>
+        </p:spPr>
+        <p:txBody>
+          <a:bodyPr wrap="none">
+            <a:spAutoFit/>
+          </a:bodyPr>
+          <a:lstStyle/>
+          <a:p>
+            <a:pPr>
+              <a:defRPr sz="1800" b="1"/>
+            </a:pPr>
+            <a:r>
+              <a:t>Table: T_LOCATION_CID</a:t>
+            </a:r>
+          </a:p>
+        </p:txBody>
+      </p:sp>
+      <p:sp>
+        <p:nvSpPr>
+          <p:cNvPr id="3" name="TextBox 2"/>
+          <p:cNvSpPr txBox="1"/>
+          <p:nvPr/>
+        </p:nvSpPr>
+        <p:spPr>
+          <a:xfrm>
+            <a:off x="182880" y="502920"/>
+            <a:ext cx="8778240" cy="6400800"/>
+          </a:xfrm>
+          <a:prstGeom prst="rect">
+            <a:avLst/>
+          </a:prstGeom>
+          <a:noFill/>
+        </p:spPr>
+        <p:txBody>
+          <a:bodyPr wrap="square">
+            <a:spAutoFit/>
+          </a:bodyPr>
+          <a:lstStyle/>
+          <a:p>
+            <a:pPr>
+              <a:defRPr sz="800">
+                <a:latin typeface="Courier New"/>
+              </a:defRPr>
+            </a:pPr>
+            <a:r>
+              <a:t>CREATE TABLE `T_LOCATION_CID` (</a:t>
+            </a:r>
+            <a:br/>
+            <a:r>
+              <a:t>  `cid` varchar(32) COLLATE utf8_unicode_ci NOT NULL COMMENT '고객번호-해당 테이블 정보는 로지에서 입려함',</a:t>
+            </a:r>
+            <a:br/>
+            <a:r>
+              <a:t>  `si_do` varchar(3) COLLATE utf8_unicode_ci NOT NULL COMMENT '지역코드 시도',</a:t>
+            </a:r>
+            <a:br/>
+            <a:r>
+              <a:t>  `si_gun_gu` int(11) NOT NULL COMMENT '지역코드 시군구',</a:t>
+            </a:r>
+            <a:br/>
+            <a:r>
+              <a:t>  `create_datetime` datetime DEFAULT NULL,</a:t>
+            </a:r>
+            <a:br/>
+            <a:r>
+              <a:t>  `mod_datetime` datetime DEFAULT NULL,</a:t>
+            </a:r>
+            <a:br/>
+            <a:r>
+              <a:t>  `memo` text COLLATE utf8_unicode_ci,</a:t>
+            </a:r>
+            <a:br/>
+            <a:r>
+              <a:t>  PRIMARY KEY (`cid`)</a:t>
+            </a:r>
+            <a:br/>
+            <a:r>
+              <a:t>) ENGINE=InnoDB DEFAULT CHARSET=utf8 COLLATE=utf8_unicode_ci;</a:t>
+            </a:r>
+          </a:p>
+        </p:txBody>
+      </p:sp>
+    </p:spTree>
+  </p:cSld>
+  <p:clrMapOvr>
+    <a:masterClrMapping/>
+  </p:clrMapOvr>
+</p:sld>
+</file>
+
+<file path=ppt/slides/slide113.xml><?xml version="1.0" encoding="utf-8"?>
+<p:sld xmlns:a="http://schemas.openxmlformats.org/drawingml/2006/main" xmlns:p="http://schemas.openxmlformats.org/presentationml/2006/main" xmlns:r="http://schemas.openxmlformats.org/officeDocument/2006/relationships">
+  <p:cSld>
+    <p:spTree>
+      <p:nvGrpSpPr>
+        <p:cNvPr id="1" name=""/>
+        <p:cNvGrpSpPr/>
+        <p:nvPr/>
+      </p:nvGrpSpPr>
+      <p:grpSpPr/>
+      <p:sp>
+        <p:nvSpPr>
+          <p:cNvPr id="2" name="TextBox 1"/>
+          <p:cNvSpPr txBox="1"/>
+          <p:nvPr/>
+        </p:nvSpPr>
+        <p:spPr>
+          <a:xfrm>
+            <a:off x="182880" y="91440"/>
+            <a:ext cx="8778240" cy="365760"/>
+          </a:xfrm>
+          <a:prstGeom prst="rect">
+            <a:avLst/>
+          </a:prstGeom>
+          <a:noFill/>
+        </p:spPr>
+        <p:txBody>
+          <a:bodyPr wrap="none">
+            <a:spAutoFit/>
+          </a:bodyPr>
+          <a:lstStyle/>
+          <a:p>
+            <a:pPr>
+              <a:defRPr sz="1800" b="1"/>
+            </a:pPr>
+            <a:r>
+              <a:t>Table: T_ARS_INFO</a:t>
+            </a:r>
+          </a:p>
+        </p:txBody>
+      </p:sp>
+      <p:sp>
+        <p:nvSpPr>
+          <p:cNvPr id="3" name="TextBox 2"/>
+          <p:cNvSpPr txBox="1"/>
+          <p:nvPr/>
+        </p:nvSpPr>
+        <p:spPr>
+          <a:xfrm>
+            <a:off x="182880" y="502920"/>
+            <a:ext cx="8778240" cy="6400800"/>
+          </a:xfrm>
+          <a:prstGeom prst="rect">
+            <a:avLst/>
+          </a:prstGeom>
+          <a:noFill/>
+        </p:spPr>
+        <p:txBody>
+          <a:bodyPr wrap="square">
+            <a:spAutoFit/>
+          </a:bodyPr>
+          <a:lstStyle/>
+          <a:p>
+            <a:pPr>
+              <a:defRPr sz="800">
+                <a:latin typeface="Courier New"/>
+              </a:defRPr>
+            </a:pPr>
+            <a:r>
+              <a:t>CREATE TABLE `T_ARS_INFO` (</a:t>
+            </a:r>
+            <a:br/>
+            <a:r>
+              <a:t>  `ARS_ID` int(11) NOT NULL AUTO_INCREMENT,</a:t>
+            </a:r>
+            <a:br/>
+            <a:r>
+              <a:t>  `ARS_INSERT_CNT` int(11) NOT NULL,</a:t>
+            </a:r>
+            <a:br/>
+            <a:r>
+              <a:t>  `ARS_PRIVATE_IP` varchar(20) DEFAULT NULL,</a:t>
+            </a:r>
+            <a:br/>
+            <a:r>
+              <a:t>  `ARS_PUBLIC_IP` varchar(20) DEFAULT NULL,</a:t>
+            </a:r>
+            <a:br/>
+            <a:r>
+              <a:t>  `FTP_ID` varchar(20) DEFAULT NULL,</a:t>
+            </a:r>
+            <a:br/>
+            <a:r>
+              <a:t>  `FTP_PORT` int(4) DEFAULT NULL,</a:t>
+            </a:r>
+            <a:br/>
+            <a:r>
+              <a:t>  `FTP_PWD` varchar(20) DEFAULT NULL,</a:t>
+            </a:r>
+            <a:br/>
+            <a:r>
+              <a:t>  `IS_USE` char(1) NOT NULL DEFAULT 'Y',</a:t>
+            </a:r>
+            <a:br/>
+            <a:r>
+              <a:t>  PRIMARY KEY (`ARS_ID`)</a:t>
+            </a:r>
+            <a:br/>
+            <a:r>
+              <a:t>) ENGINE=InnoDB AUTO_INCREMENT=3 DEFAULT CHARSET=utf8;</a:t>
+            </a:r>
+          </a:p>
+        </p:txBody>
+      </p:sp>
+    </p:spTree>
+  </p:cSld>
+  <p:clrMapOvr>
+    <a:masterClrMapping/>
+  </p:clrMapOvr>
+</p:sld>
+</file>
+
+<file path=ppt/slides/slide114.xml><?xml version="1.0" encoding="utf-8"?>
+<p:sld xmlns:a="http://schemas.openxmlformats.org/drawingml/2006/main" xmlns:p="http://schemas.openxmlformats.org/presentationml/2006/main" xmlns:r="http://schemas.openxmlformats.org/officeDocument/2006/relationships">
+  <p:cSld>
+    <p:spTree>
+      <p:nvGrpSpPr>
+        <p:cNvPr id="1" name=""/>
+        <p:cNvGrpSpPr/>
+        <p:nvPr/>
+      </p:nvGrpSpPr>
+      <p:grpSpPr/>
+      <p:sp>
+        <p:nvSpPr>
+          <p:cNvPr id="2" name="TextBox 1"/>
+          <p:cNvSpPr txBox="1"/>
+          <p:nvPr/>
+        </p:nvSpPr>
+        <p:spPr>
+          <a:xfrm>
+            <a:off x="182880" y="91440"/>
+            <a:ext cx="8778240" cy="365760"/>
+          </a:xfrm>
+          <a:prstGeom prst="rect">
+            <a:avLst/>
+          </a:prstGeom>
+          <a:noFill/>
+        </p:spPr>
+        <p:txBody>
+          <a:bodyPr wrap="none">
+            <a:spAutoFit/>
+          </a:bodyPr>
+          <a:lstStyle/>
+          <a:p>
+            <a:pPr>
+              <a:defRPr sz="1800" b="1"/>
+            </a:pPr>
+            <a:r>
+              <a:t>Table: T_ARS_SCENARIO</a:t>
+            </a:r>
+          </a:p>
+        </p:txBody>
+      </p:sp>
+      <p:sp>
+        <p:nvSpPr>
+          <p:cNvPr id="3" name="TextBox 2"/>
+          <p:cNvSpPr txBox="1"/>
+          <p:nvPr/>
+        </p:nvSpPr>
+        <p:spPr>
+          <a:xfrm>
+            <a:off x="182880" y="502920"/>
+            <a:ext cx="8778240" cy="6400800"/>
+          </a:xfrm>
+          <a:prstGeom prst="rect">
+            <a:avLst/>
+          </a:prstGeom>
+          <a:noFill/>
+        </p:spPr>
+        <p:txBody>
+          <a:bodyPr wrap="square">
+            <a:spAutoFit/>
+          </a:bodyPr>
+          <a:lstStyle/>
+          <a:p>
+            <a:pPr>
+              <a:defRPr sz="800">
+                <a:latin typeface="Courier New"/>
+              </a:defRPr>
+            </a:pPr>
+            <a:r>
+              <a:t>CREATE TABLE `T_ARS_SCENARIO` (</a:t>
+            </a:r>
+            <a:br/>
+            <a:r>
+              <a:t>  `s_id` bigint(20) NOT NULL AUTO_INCREMENT,</a:t>
+            </a:r>
+            <a:br/>
+            <a:r>
+              <a:t>  `CREATE_DATETIME` datetime DEFAULT NULL,</a:t>
+            </a:r>
+            <a:br/>
+            <a:r>
+              <a:t>  `s_action` varchar(2) NOT NULL COMMENT 'DTMF 입력시 해야할 Action : X : Ment Play &amp; DTMF 수집 , C : 상담그룹 연결, T : 멘트 플레이후 종료',</a:t>
+            </a:r>
+            <a:br/>
+            <a:r>
+              <a:t>  `s_ars_id` bigint(20) NOT NULL,</a:t>
+            </a:r>
+            <a:br/>
+            <a:r>
+              <a:t>  `s_comp_id` bigint(20) NOT NULL COMMENT '업체 id',</a:t>
+            </a:r>
+            <a:br/>
+            <a:r>
+              <a:t>  `s_dtmf` varchar(4) NOT NULL COMMENT 'DTMF 입력 값',</a:t>
+            </a:r>
+            <a:br/>
+            <a:r>
+              <a:t>  `s_level` bigint(20) NOT NULL COMMENT '시나리오 level',</a:t>
+            </a:r>
+            <a:br/>
+            <a:r>
+              <a:t>  `s_level_detail` varchar(10) DEFAULT NULL,</a:t>
+            </a:r>
+            <a:br/>
+            <a:r>
+              <a:t>  `s_ment` text COMMENT '플레이할 멘트 내용',</a:t>
+            </a:r>
+            <a:br/>
+            <a:r>
+              <a:t>  `s_ment_cv` char(1) DEFAULT NULL,</a:t>
+            </a:r>
+            <a:br/>
+            <a:r>
+              <a:t>  `s_ment_dir` varchar(64) DEFAULT NULL COMMENT '플레이한 멘트 path',</a:t>
+            </a:r>
+            <a:br/>
+            <a:r>
+              <a:t>  `s_ment_type` char(1) DEFAULT NULL,</a:t>
+            </a:r>
+            <a:br/>
+            <a:r>
+              <a:t>  `s_next_dtmf_len` int(11) DEFAULT NULL COMMENT '입력 받을 DTMF 길이',</a:t>
+            </a:r>
+            <a:br/>
+            <a:r>
+              <a:t>  `s_next_level` int(11) NOT NULL COMMENT '다음으로 진행해야할 시나리오 level',</a:t>
+            </a:r>
+            <a:br/>
+            <a:r>
+              <a:t>  `s_pid` bigint(20) DEFAULT NULL COMMENT '시나리오 parent s_id 값',</a:t>
+            </a:r>
+            <a:br/>
+            <a:r>
+              <a:t>  `MOD_DATETIME` datetime DEFAULT NULL,</a:t>
+            </a:r>
+            <a:br/>
+            <a:r>
+              <a:t>  PRIMARY KEY (`s_id`)</a:t>
+            </a:r>
+            <a:br/>
+            <a:r>
+              <a:t>) ENGINE=InnoDB DEFAULT CHARSET=utf8;</a:t>
+            </a:r>
+          </a:p>
+        </p:txBody>
+      </p:sp>
+    </p:spTree>
+  </p:cSld>
+  <p:clrMapOvr>
+    <a:masterClrMapping/>
+  </p:clrMapOvr>
+</p:sld>
+</file>
+
+<file path=ppt/slides/slide115.xml><?xml version="1.0" encoding="utf-8"?>
+<p:sld xmlns:a="http://schemas.openxmlformats.org/drawingml/2006/main" xmlns:p="http://schemas.openxmlformats.org/presentationml/2006/main" xmlns:r="http://schemas.openxmlformats.org/officeDocument/2006/relationships">
+  <p:cSld>
+    <p:spTree>
+      <p:nvGrpSpPr>
+        <p:cNvPr id="1" name=""/>
+        <p:cNvGrpSpPr/>
+        <p:nvPr/>
+      </p:nvGrpSpPr>
+      <p:grpSpPr/>
+      <p:sp>
+        <p:nvSpPr>
+          <p:cNvPr id="2" name="TextBox 1"/>
+          <p:cNvSpPr txBox="1"/>
+          <p:nvPr/>
+        </p:nvSpPr>
+        <p:spPr>
+          <a:xfrm>
+            <a:off x="182880" y="91440"/>
+            <a:ext cx="8778240" cy="365760"/>
+          </a:xfrm>
+          <a:prstGeom prst="rect">
+            <a:avLst/>
+          </a:prstGeom>
+          <a:noFill/>
+        </p:spPr>
+        <p:txBody>
+          <a:bodyPr wrap="none">
+            <a:spAutoFit/>
+          </a:bodyPr>
+          <a:lstStyle/>
+          <a:p>
+            <a:pPr>
+              <a:defRPr sz="1800" b="1"/>
+            </a:pPr>
+            <a:r>
+              <a:t>Table: T_GROUP_ARS</a:t>
+            </a:r>
+          </a:p>
+        </p:txBody>
+      </p:sp>
+      <p:sp>
+        <p:nvSpPr>
+          <p:cNvPr id="3" name="TextBox 2"/>
+          <p:cNvSpPr txBox="1"/>
+          <p:nvPr/>
+        </p:nvSpPr>
+        <p:spPr>
+          <a:xfrm>
+            <a:off x="182880" y="502920"/>
+            <a:ext cx="8778240" cy="6400800"/>
+          </a:xfrm>
+          <a:prstGeom prst="rect">
+            <a:avLst/>
+          </a:prstGeom>
+          <a:noFill/>
+        </p:spPr>
+        <p:txBody>
+          <a:bodyPr wrap="square">
+            <a:spAutoFit/>
+          </a:bodyPr>
+          <a:lstStyle/>
+          <a:p>
+            <a:pPr>
+              <a:defRPr sz="800">
+                <a:latin typeface="Courier New"/>
+              </a:defRPr>
+            </a:pPr>
+            <a:r>
+              <a:t>CREATE TABLE `T_GROUP_ARS` (</a:t>
+            </a:r>
+            <a:br/>
+            <a:r>
+              <a:t>  `id` int(11) NOT NULL AUTO_INCREMENT,</a:t>
+            </a:r>
+            <a:br/>
+            <a:r>
+              <a:t>  `name` varchar(64) DEFAULT NULL COMMENT '그룹명',</a:t>
+            </a:r>
+            <a:br/>
+            <a:r>
+              <a:t>  `company_id` int(10) DEFAULT NULL COMMENT '업체ID',</a:t>
+            </a:r>
+            <a:br/>
+            <a:r>
+              <a:t>  `memo` text,</a:t>
+            </a:r>
+            <a:br/>
+            <a:r>
+              <a:t>  `scn_id` int(10) DEFAULT NULL COMMENT 'T_ARS_SCENAIO의 s_id(구 scn_id) 값',</a:t>
+            </a:r>
+            <a:br/>
+            <a:r>
+              <a:t>  `create_datetime` datetime DEFAULT NULL,</a:t>
+            </a:r>
+            <a:br/>
+            <a:r>
+              <a:t>  `mod_datetime` datetime DEFAULT NULL,</a:t>
+            </a:r>
+            <a:br/>
+            <a:r>
+              <a:t>  `try_datetime` datetime DEFAULT NULL COMMENT '호 연결 시도 시간',</a:t>
+            </a:r>
+            <a:br/>
+            <a:r>
+              <a:t>  PRIMARY KEY (`id`)</a:t>
+            </a:r>
+            <a:br/>
+            <a:r>
+              <a:t>) ENGINE=InnoDB AUTO_INCREMENT=23 DEFAULT CHARSET=utf8;</a:t>
+            </a:r>
+          </a:p>
+        </p:txBody>
+      </p:sp>
+    </p:spTree>
+  </p:cSld>
+  <p:clrMapOvr>
+    <a:masterClrMapping/>
+  </p:clrMapOvr>
+</p:sld>
+</file>
+
+<file path=ppt/slides/slide116.xml><?xml version="1.0" encoding="utf-8"?>
+<p:sld xmlns:a="http://schemas.openxmlformats.org/drawingml/2006/main" xmlns:p="http://schemas.openxmlformats.org/presentationml/2006/main" xmlns:r="http://schemas.openxmlformats.org/officeDocument/2006/relationships">
+  <p:cSld>
+    <p:spTree>
+      <p:nvGrpSpPr>
+        <p:cNvPr id="1" name=""/>
+        <p:cNvGrpSpPr/>
+        <p:nvPr/>
+      </p:nvGrpSpPr>
+      <p:grpSpPr/>
+      <p:sp>
+        <p:nvSpPr>
+          <p:cNvPr id="2" name="TextBox 1"/>
+          <p:cNvSpPr txBox="1"/>
+          <p:nvPr/>
+        </p:nvSpPr>
+        <p:spPr>
+          <a:xfrm>
+            <a:off x="182880" y="91440"/>
+            <a:ext cx="8778240" cy="365760"/>
+          </a:xfrm>
+          <a:prstGeom prst="rect">
+            <a:avLst/>
+          </a:prstGeom>
+          <a:noFill/>
+        </p:spPr>
+        <p:txBody>
+          <a:bodyPr wrap="none">
+            <a:spAutoFit/>
+          </a:bodyPr>
+          <a:lstStyle/>
+          <a:p>
+            <a:pPr>
+              <a:defRPr sz="1800" b="1"/>
+            </a:pPr>
+            <a:r>
+              <a:t>Table: T_GROUP_ARS_LIST</a:t>
+            </a:r>
+          </a:p>
+        </p:txBody>
+      </p:sp>
+      <p:sp>
+        <p:nvSpPr>
+          <p:cNvPr id="3" name="TextBox 2"/>
+          <p:cNvSpPr txBox="1"/>
+          <p:nvPr/>
+        </p:nvSpPr>
+        <p:spPr>
+          <a:xfrm>
+            <a:off x="182880" y="502920"/>
+            <a:ext cx="8778240" cy="6400800"/>
+          </a:xfrm>
+          <a:prstGeom prst="rect">
+            <a:avLst/>
+          </a:prstGeom>
+          <a:noFill/>
+        </p:spPr>
+        <p:txBody>
+          <a:bodyPr wrap="square">
+            <a:spAutoFit/>
+          </a:bodyPr>
+          <a:lstStyle/>
+          <a:p>
+            <a:pPr>
+              <a:defRPr sz="800">
+                <a:latin typeface="Courier New"/>
+              </a:defRPr>
+            </a:pPr>
+            <a:r>
+              <a:t>CREATE TABLE `T_GROUP_ARS_LIST` (</a:t>
+            </a:r>
+            <a:br/>
+            <a:r>
+              <a:t>  `id` int(11) NOT NULL AUTO_INCREMENT,</a:t>
+            </a:r>
+            <a:br/>
+            <a:r>
+              <a:t>  `group_ars_id` int(10) DEFAULT NULL,</a:t>
+            </a:r>
+            <a:br/>
+            <a:r>
+              <a:t>  `company_id` int(10) DEFAULT NULL,</a:t>
+            </a:r>
+            <a:br/>
+            <a:r>
+              <a:t>  `q_group_id` int(10) DEFAULT NULL,</a:t>
+            </a:r>
+            <a:br/>
+            <a:r>
+              <a:t>  `scn_id` int(10) DEFAULT NULL,</a:t>
+            </a:r>
+            <a:br/>
+            <a:r>
+              <a:t>  `create_datetime` datetime DEFAULT NULL,</a:t>
+            </a:r>
+            <a:br/>
+            <a:r>
+              <a:t>  `mod_datetime` datetime DEFAULT NULL,</a:t>
+            </a:r>
+            <a:br/>
+            <a:r>
+              <a:t>  PRIMARY KEY (`id`)</a:t>
+            </a:r>
+            <a:br/>
+            <a:r>
+              <a:t>) ENGINE=InnoDB AUTO_INCREMENT=124 DEFAULT CHARSET=utf8;</a:t>
+            </a:r>
+          </a:p>
+        </p:txBody>
+      </p:sp>
+    </p:spTree>
+  </p:cSld>
+  <p:clrMapOvr>
+    <a:masterClrMapping/>
+  </p:clrMapOvr>
+</p:sld>
+</file>
+
+<file path=ppt/slides/slide117.xml><?xml version="1.0" encoding="utf-8"?>
+<p:sld xmlns:a="http://schemas.openxmlformats.org/drawingml/2006/main" xmlns:p="http://schemas.openxmlformats.org/presentationml/2006/main" xmlns:r="http://schemas.openxmlformats.org/officeDocument/2006/relationships">
+  <p:cSld>
+    <p:spTree>
+      <p:nvGrpSpPr>
+        <p:cNvPr id="1" name=""/>
+        <p:cNvGrpSpPr/>
+        <p:nvPr/>
+      </p:nvGrpSpPr>
+      <p:grpSpPr/>
+      <p:sp>
+        <p:nvSpPr>
+          <p:cNvPr id="2" name="TextBox 1"/>
+          <p:cNvSpPr txBox="1"/>
+          <p:nvPr/>
+        </p:nvSpPr>
+        <p:spPr>
+          <a:xfrm>
+            <a:off x="182880" y="91440"/>
+            <a:ext cx="8778240" cy="365760"/>
+          </a:xfrm>
+          <a:prstGeom prst="rect">
+            <a:avLst/>
+          </a:prstGeom>
+          <a:noFill/>
+        </p:spPr>
+        <p:txBody>
+          <a:bodyPr wrap="none">
+            <a:spAutoFit/>
+          </a:bodyPr>
+          <a:lstStyle/>
+          <a:p>
+            <a:pPr>
+              <a:defRPr sz="1800" b="1"/>
+            </a:pPr>
+            <a:r>
+              <a:t>Table: T_GROUP_ARS_SCENARIO</a:t>
+            </a:r>
+          </a:p>
+        </p:txBody>
+      </p:sp>
+      <p:sp>
+        <p:nvSpPr>
+          <p:cNvPr id="3" name="TextBox 2"/>
+          <p:cNvSpPr txBox="1"/>
+          <p:nvPr/>
+        </p:nvSpPr>
+        <p:spPr>
+          <a:xfrm>
+            <a:off x="182880" y="502920"/>
+            <a:ext cx="8778240" cy="6400800"/>
+          </a:xfrm>
+          <a:prstGeom prst="rect">
+            <a:avLst/>
+          </a:prstGeom>
+          <a:noFill/>
+        </p:spPr>
+        <p:txBody>
+          <a:bodyPr wrap="square">
+            <a:spAutoFit/>
+          </a:bodyPr>
+          <a:lstStyle/>
+          <a:p>
+            <a:pPr>
+              <a:defRPr sz="800">
+                <a:latin typeface="Courier New"/>
+              </a:defRPr>
+            </a:pPr>
+            <a:r>
+              <a:t>CREATE TABLE `T_GROUP_ARS_SCENARIO` (</a:t>
+            </a:r>
+            <a:br/>
+            <a:r>
+              <a:t>  `id` int(11) NOT NULL AUTO_INCREMENT,</a:t>
+            </a:r>
+            <a:br/>
+            <a:r>
+              <a:t>  `company_id` int(11) DEFAULT NULL,</a:t>
+            </a:r>
+            <a:br/>
+            <a:r>
+              <a:t>  `group_ars_id` int(11) DEFAULT NULL,</a:t>
+            </a:r>
+            <a:br/>
+            <a:r>
+              <a:t>  `scn_id` int(11) DEFAULT NULL,</a:t>
+            </a:r>
+            <a:br/>
+            <a:r>
+              <a:t>  PRIMARY KEY (`id`)</a:t>
+            </a:r>
+            <a:br/>
+            <a:r>
+              <a:t>) ENGINE=InnoDB DEFAULT CHARSET=utf8;</a:t>
+            </a:r>
+          </a:p>
+        </p:txBody>
+      </p:sp>
+    </p:spTree>
+  </p:cSld>
+  <p:clrMapOvr>
+    <a:masterClrMapping/>
+  </p:clrMapOvr>
+</p:sld>
+</file>
+
+<file path=ppt/slides/slide118.xml><?xml version="1.0" encoding="utf-8"?>
+<p:sld xmlns:a="http://schemas.openxmlformats.org/drawingml/2006/main" xmlns:p="http://schemas.openxmlformats.org/presentationml/2006/main" xmlns:r="http://schemas.openxmlformats.org/officeDocument/2006/relationships">
+  <p:cSld>
+    <p:spTree>
+      <p:nvGrpSpPr>
+        <p:cNvPr id="1" name=""/>
+        <p:cNvGrpSpPr/>
+        <p:nvPr/>
+      </p:nvGrpSpPr>
+      <p:grpSpPr/>
+      <p:sp>
+        <p:nvSpPr>
+          <p:cNvPr id="2" name="TextBox 1"/>
+          <p:cNvSpPr txBox="1"/>
+          <p:nvPr/>
+        </p:nvSpPr>
+        <p:spPr>
+          <a:xfrm>
+            <a:off x="182880" y="91440"/>
+            <a:ext cx="8778240" cy="365760"/>
+          </a:xfrm>
+          <a:prstGeom prst="rect">
+            <a:avLst/>
+          </a:prstGeom>
+          <a:noFill/>
+        </p:spPr>
+        <p:txBody>
+          <a:bodyPr wrap="none">
+            <a:spAutoFit/>
+          </a:bodyPr>
+          <a:lstStyle/>
+          <a:p>
+            <a:pPr>
+              <a:defRPr sz="1800" b="1"/>
+            </a:pPr>
+            <a:r>
+              <a:t>Table: T_CROSSCALL_CONFIG</a:t>
+            </a:r>
+          </a:p>
+        </p:txBody>
+      </p:sp>
+      <p:sp>
+        <p:nvSpPr>
+          <p:cNvPr id="3" name="TextBox 2"/>
+          <p:cNvSpPr txBox="1"/>
+          <p:nvPr/>
+        </p:nvSpPr>
+        <p:spPr>
+          <a:xfrm>
+            <a:off x="182880" y="502920"/>
+            <a:ext cx="8778240" cy="6400800"/>
+          </a:xfrm>
+          <a:prstGeom prst="rect">
+            <a:avLst/>
+          </a:prstGeom>
+          <a:noFill/>
+        </p:spPr>
+        <p:txBody>
+          <a:bodyPr wrap="square">
+            <a:spAutoFit/>
+          </a:bodyPr>
+          <a:lstStyle/>
+          <a:p>
+            <a:pPr>
+              <a:defRPr sz="800">
+                <a:latin typeface="Courier New"/>
+              </a:defRPr>
+            </a:pPr>
+            <a:r>
+              <a:t>CREATE TABLE `T_CROSSCALL_CONFIG` (</a:t>
+            </a:r>
+            <a:br/>
+            <a:r>
+              <a:t>  `config_id` int(11) NOT NULL AUTO_INCREMENT COMMENT 'PK',</a:t>
+            </a:r>
+            <a:br/>
+            <a:r>
+              <a:t>  `prefix` varchar(10) NOT NULL DEFAULT '99' COMMENT '크로스콜 prefix (고정)',</a:t>
+            </a:r>
+            <a:br/>
+            <a:r>
+              <a:t>  `q_length` int(2) NOT NULL DEFAULT '3' COMMENT 'Q번호 길이 (뒤에서 추출)',</a:t>
+            </a:r>
+            <a:br/>
+            <a:r>
+              <a:t>  `return_prefix` varchar(10) DEFAULT '88' COMMENT '반환 크로스콜 prefix',</a:t>
+            </a:r>
+            <a:br/>
+            <a:r>
+              <a:t>  `origin_q_length` int(2) DEFAULT '3' COMMENT '원래 Q번호 길이',</a:t>
+            </a:r>
+            <a:br/>
+            <a:r>
+              <a:t>  `description` varchar(100) DEFAULT NULL COMMENT '설명',</a:t>
+            </a:r>
+            <a:br/>
+            <a:r>
+              <a:t>  `is_active` char(1) DEFAULT 'Y' COMMENT '활성화 여부',</a:t>
+            </a:r>
+            <a:br/>
+            <a:r>
+              <a:t>  `create_datetime` char(19) DEFAULT NULL COMMENT '생성일시',</a:t>
+            </a:r>
+            <a:br/>
+            <a:r>
+              <a:t>  `mod_datetime` char(19) DEFAULT NULL COMMENT '수정일시',</a:t>
+            </a:r>
+            <a:br/>
+            <a:r>
+              <a:t>  PRIMARY KEY (`config_id`),</a:t>
+            </a:r>
+            <a:br/>
+            <a:r>
+              <a:t>  KEY `idx_prefix` (`prefix`),</a:t>
+            </a:r>
+            <a:br/>
+            <a:r>
+              <a:t>  KEY `idx_active` (`is_active`)</a:t>
+            </a:r>
+            <a:br/>
+            <a:r>
+              <a:t>) ENGINE=InnoDB AUTO_INCREMENT=2 DEFAULT CHARSET=utf8mb4 COMMENT='크로스콜 수신 설정';</a:t>
+            </a:r>
+          </a:p>
+        </p:txBody>
+      </p:sp>
+    </p:spTree>
+  </p:cSld>
+  <p:clrMapOvr>
+    <a:masterClrMapping/>
+  </p:clrMapOvr>
+</p:sld>
+</file>
+
+<file path=ppt/slides/slide119.xml><?xml version="1.0" encoding="utf-8"?>
+<p:sld xmlns:a="http://schemas.openxmlformats.org/drawingml/2006/main" xmlns:p="http://schemas.openxmlformats.org/presentationml/2006/main" xmlns:r="http://schemas.openxmlformats.org/officeDocument/2006/relationships">
+  <p:cSld>
+    <p:spTree>
+      <p:nvGrpSpPr>
+        <p:cNvPr id="1" name=""/>
+        <p:cNvGrpSpPr/>
+        <p:nvPr/>
+      </p:nvGrpSpPr>
+      <p:grpSpPr/>
+      <p:sp>
+        <p:nvSpPr>
+          <p:cNvPr id="2" name="TextBox 1"/>
+          <p:cNvSpPr txBox="1"/>
+          <p:nvPr/>
+        </p:nvSpPr>
+        <p:spPr>
+          <a:xfrm>
+            <a:off x="182880" y="91440"/>
+            <a:ext cx="8778240" cy="365760"/>
+          </a:xfrm>
+          <a:prstGeom prst="rect">
+            <a:avLst/>
+          </a:prstGeom>
+          <a:noFill/>
+        </p:spPr>
+        <p:txBody>
+          <a:bodyPr wrap="none">
+            <a:spAutoFit/>
+          </a:bodyPr>
+          <a:lstStyle/>
+          <a:p>
+            <a:pPr>
+              <a:defRPr sz="1800" b="1"/>
+            </a:pPr>
+            <a:r>
+              <a:t>Table: T_CROSSCALL_LINK</a:t>
+            </a:r>
+          </a:p>
+        </p:txBody>
+      </p:sp>
+      <p:sp>
+        <p:nvSpPr>
+          <p:cNvPr id="3" name="TextBox 2"/>
+          <p:cNvSpPr txBox="1"/>
+          <p:nvPr/>
+        </p:nvSpPr>
+        <p:spPr>
+          <a:xfrm>
+            <a:off x="182880" y="502920"/>
+            <a:ext cx="8778240" cy="6400800"/>
+          </a:xfrm>
+          <a:prstGeom prst="rect">
+            <a:avLst/>
+          </a:prstGeom>
+          <a:noFill/>
+        </p:spPr>
+        <p:txBody>
+          <a:bodyPr wrap="square">
+            <a:spAutoFit/>
+          </a:bodyPr>
+          <a:lstStyle/>
+          <a:p>
+            <a:pPr>
+              <a:defRPr sz="800">
+                <a:latin typeface="Courier New"/>
+              </a:defRPr>
+            </a:pPr>
+            <a:r>
+              <a:t>CREATE TABLE `T_CROSSCALL_LINK` (</a:t>
+            </a:r>
+            <a:br/>
+            <a:r>
+              <a:t>  `seq` int(11) NOT NULL AUTO_INCREMENT,</a:t>
+            </a:r>
+            <a:br/>
+            <a:r>
+              <a:t>  `link_key` varchar(50) NOT NULL COMMENT '조회 키 (original_did_cid 형식)',</a:t>
+            </a:r>
+            <a:br/>
+            <a:r>
+              <a:t>  `crosscall_did` varchar(50) NOT NULL COMMENT '크로스콜 대상 DID (07089984200)',</a:t>
+            </a:r>
+            <a:br/>
+            <a:r>
+              <a:t>  `original_linkedid` varchar(50) NOT NULL COMMENT '원본 통화의 Asterisk linkedid',</a:t>
+            </a:r>
+            <a:br/>
+            <a:r>
+              <a:t>  `original_call_id` varchar(50) DEFAULT '' COMMENT '원본 통화의 call_id (시스템 생성)',</a:t>
+            </a:r>
+            <a:br/>
+            <a:r>
+              <a:t>  `cid` varchar(20) DEFAULT '' COMMENT '발신자 번호',</a:t>
+            </a:r>
+            <a:br/>
+            <a:r>
+              <a:t>  `company_id` int(11) DEFAULT '0' COMMENT '회사 ID',</a:t>
+            </a:r>
+            <a:br/>
+            <a:r>
+              <a:t>  `created_at` timestamp NOT NULL DEFAULT CURRENT_TIMESTAMP COMMENT '생성 시간',</a:t>
+            </a:r>
+            <a:br/>
+            <a:r>
+              <a:t>  PRIMARY KEY (`seq`),</a:t>
+            </a:r>
+            <a:br/>
+            <a:r>
+              <a:t>  UNIQUE KEY `idx_link_key` (`link_key`),</a:t>
+            </a:r>
+            <a:br/>
+            <a:r>
+              <a:t>  KEY `idx_crosscall_did` (`crosscall_did`),</a:t>
+            </a:r>
+            <a:br/>
+            <a:r>
+              <a:t>  KEY `idx_created_at` (`created_at`)</a:t>
+            </a:r>
+            <a:br/>
+            <a:r>
+              <a:t>) ENGINE=InnoDB AUTO_INCREMENT=22 DEFAULT CHARSET=utf8mb4 COMMENT='크로스콜 Original Call ID 연결 테이블';</a:t>
+            </a:r>
+          </a:p>
+        </p:txBody>
+      </p:sp>
     </p:spTree>
   </p:cSld>
   <p:clrMapOvr>
@@ -4979,6 +7740,1334 @@
 </p:sld>
 </file>
 
+<file path=ppt/slides/slide120.xml><?xml version="1.0" encoding="utf-8"?>
+<p:sld xmlns:a="http://schemas.openxmlformats.org/drawingml/2006/main" xmlns:p="http://schemas.openxmlformats.org/presentationml/2006/main" xmlns:r="http://schemas.openxmlformats.org/officeDocument/2006/relationships">
+  <p:cSld>
+    <p:spTree>
+      <p:nvGrpSpPr>
+        <p:cNvPr id="1" name=""/>
+        <p:cNvGrpSpPr/>
+        <p:nvPr/>
+      </p:nvGrpSpPr>
+      <p:grpSpPr/>
+      <p:sp>
+        <p:nvSpPr>
+          <p:cNvPr id="2" name="TextBox 1"/>
+          <p:cNvSpPr txBox="1"/>
+          <p:nvPr/>
+        </p:nvSpPr>
+        <p:spPr>
+          <a:xfrm>
+            <a:off x="182880" y="91440"/>
+            <a:ext cx="8778240" cy="365760"/>
+          </a:xfrm>
+          <a:prstGeom prst="rect">
+            <a:avLst/>
+          </a:prstGeom>
+          <a:noFill/>
+        </p:spPr>
+        <p:txBody>
+          <a:bodyPr wrap="none">
+            <a:spAutoFit/>
+          </a:bodyPr>
+          <a:lstStyle/>
+          <a:p>
+            <a:pPr>
+              <a:defRPr sz="1800" b="1"/>
+            </a:pPr>
+            <a:r>
+              <a:t>Table: T_VIP_SET</a:t>
+            </a:r>
+          </a:p>
+        </p:txBody>
+      </p:sp>
+      <p:sp>
+        <p:nvSpPr>
+          <p:cNvPr id="3" name="TextBox 2"/>
+          <p:cNvSpPr txBox="1"/>
+          <p:nvPr/>
+        </p:nvSpPr>
+        <p:spPr>
+          <a:xfrm>
+            <a:off x="182880" y="502920"/>
+            <a:ext cx="8778240" cy="6400800"/>
+          </a:xfrm>
+          <a:prstGeom prst="rect">
+            <a:avLst/>
+          </a:prstGeom>
+          <a:noFill/>
+        </p:spPr>
+        <p:txBody>
+          <a:bodyPr wrap="square">
+            <a:spAutoFit/>
+          </a:bodyPr>
+          <a:lstStyle/>
+          <a:p>
+            <a:pPr>
+              <a:defRPr sz="800">
+                <a:latin typeface="Courier New"/>
+              </a:defRPr>
+            </a:pPr>
+            <a:r>
+              <a:t>CREATE TABLE `T_VIP_SET` (</a:t>
+            </a:r>
+            <a:br/>
+            <a:r>
+              <a:t>  `vip_set_id` int(11) NOT NULL AUTO_INCREMENT,</a:t>
+            </a:r>
+            <a:br/>
+            <a:r>
+              <a:t>  `company_id` int(10) NOT NULL COMMENT '해당번호 소속 회사ID',</a:t>
+            </a:r>
+            <a:br/>
+            <a:r>
+              <a:t>  `is_use` char(1) COLLATE utf8_unicode_ci DEFAULT 'Y' COMMENT '사용유무(Y:사용,N:미사용)',</a:t>
+            </a:r>
+            <a:br/>
+            <a:r>
+              <a:t>  `did_number` varchar(20) COLLATE utf8_unicode_ci NOT NULL COMMENT '대표번호',</a:t>
+            </a:r>
+            <a:br/>
+            <a:r>
+              <a:t>  `order_period_day` int(2) NOT NULL DEFAULT '1' COMMENT 'VIP지정용 오더회수를 카운트 할 기간(Day)',</a:t>
+            </a:r>
+            <a:br/>
+            <a:r>
+              <a:t>  `order_count` int(2) NOT NULL DEFAULT '1' COMMENT 'VIP지정용 기간내 오더 횟수',</a:t>
+            </a:r>
+            <a:br/>
+            <a:r>
+              <a:t>  `vip_set_memo` text COLLATE utf8_unicode_ci COMMENT 'vip set 설명',</a:t>
+            </a:r>
+            <a:br/>
+            <a:r>
+              <a:t>  `mod_user` int(10) DEFAULT '0' COMMENT 'vip 설정 추가,수정한 user_id',</a:t>
+            </a:r>
+            <a:br/>
+            <a:r>
+              <a:t>  `mod_datetime` char(19) COLLATE utf8_unicode_ci DEFAULT NULL COMMENT 'YYYY-MM-DD HH:NN:SS',</a:t>
+            </a:r>
+            <a:br/>
+            <a:r>
+              <a:t>  `user_id` int(11) DEFAULT NULL,</a:t>
+            </a:r>
+            <a:br/>
+            <a:r>
+              <a:t>  `vip_policy_order_count` int(1) DEFAULT NULL,</a:t>
+            </a:r>
+            <a:br/>
+            <a:r>
+              <a:t>  `vip_policy_period_days` varchar(512) COLLATE utf8_unicode_ci DEFAULT NULL,</a:t>
+            </a:r>
+            <a:br/>
+            <a:r>
+              <a:t>  PRIMARY KEY (`vip_set_id`)</a:t>
+            </a:r>
+            <a:br/>
+            <a:r>
+              <a:t>) ENGINE=InnoDB DEFAULT CHARSET=utf8 COLLATE=utf8_unicode_ci;</a:t>
+            </a:r>
+          </a:p>
+        </p:txBody>
+      </p:sp>
+    </p:spTree>
+  </p:cSld>
+  <p:clrMapOvr>
+    <a:masterClrMapping/>
+  </p:clrMapOvr>
+</p:sld>
+</file>
+
+<file path=ppt/slides/slide121.xml><?xml version="1.0" encoding="utf-8"?>
+<p:sld xmlns:a="http://schemas.openxmlformats.org/drawingml/2006/main" xmlns:p="http://schemas.openxmlformats.org/presentationml/2006/main" xmlns:r="http://schemas.openxmlformats.org/officeDocument/2006/relationships">
+  <p:cSld>
+    <p:spTree>
+      <p:nvGrpSpPr>
+        <p:cNvPr id="1" name=""/>
+        <p:cNvGrpSpPr/>
+        <p:nvPr/>
+      </p:nvGrpSpPr>
+      <p:grpSpPr/>
+      <p:sp>
+        <p:nvSpPr>
+          <p:cNvPr id="2" name="TextBox 1"/>
+          <p:cNvSpPr txBox="1"/>
+          <p:nvPr/>
+        </p:nvSpPr>
+        <p:spPr>
+          <a:xfrm>
+            <a:off x="182880" y="91440"/>
+            <a:ext cx="8778240" cy="365760"/>
+          </a:xfrm>
+          <a:prstGeom prst="rect">
+            <a:avLst/>
+          </a:prstGeom>
+          <a:noFill/>
+        </p:spPr>
+        <p:txBody>
+          <a:bodyPr wrap="none">
+            <a:spAutoFit/>
+          </a:bodyPr>
+          <a:lstStyle/>
+          <a:p>
+            <a:pPr>
+              <a:defRPr sz="1800" b="1"/>
+            </a:pPr>
+            <a:r>
+              <a:t>Table: T_VIP_COUNT</a:t>
+            </a:r>
+          </a:p>
+        </p:txBody>
+      </p:sp>
+      <p:sp>
+        <p:nvSpPr>
+          <p:cNvPr id="3" name="TextBox 2"/>
+          <p:cNvSpPr txBox="1"/>
+          <p:nvPr/>
+        </p:nvSpPr>
+        <p:spPr>
+          <a:xfrm>
+            <a:off x="182880" y="502920"/>
+            <a:ext cx="8778240" cy="6400800"/>
+          </a:xfrm>
+          <a:prstGeom prst="rect">
+            <a:avLst/>
+          </a:prstGeom>
+          <a:noFill/>
+        </p:spPr>
+        <p:txBody>
+          <a:bodyPr wrap="square">
+            <a:spAutoFit/>
+          </a:bodyPr>
+          <a:lstStyle/>
+          <a:p>
+            <a:pPr>
+              <a:defRPr sz="800">
+                <a:latin typeface="Courier New"/>
+              </a:defRPr>
+            </a:pPr>
+            <a:r>
+              <a:t>CREATE TABLE `T_VIP_COUNT` (</a:t>
+            </a:r>
+            <a:br/>
+            <a:r>
+              <a:t>  `company_id` int(11) NOT NULL COMMENT '업체 ID',</a:t>
+            </a:r>
+            <a:br/>
+            <a:r>
+              <a:t>  `master_id` int(11) DEFAULT '0' COMMENT '마스터 id',</a:t>
+            </a:r>
+            <a:br/>
+            <a:r>
+              <a:t>  `vip_cnt` int(11) DEFAULT '0' COMMENT 'vip 카운트',</a:t>
+            </a:r>
+            <a:br/>
+            <a:r>
+              <a:t>  `mod_datetime` datetime DEFAULT '0000-00-00 00:00:00' COMMENT '업데이트 시간',</a:t>
+            </a:r>
+            <a:br/>
+            <a:r>
+              <a:t>  PRIMARY KEY (`company_id`)</a:t>
+            </a:r>
+            <a:br/>
+            <a:r>
+              <a:t>) ENGINE=InnoDB DEFAULT CHARSET=utf8;</a:t>
+            </a:r>
+          </a:p>
+        </p:txBody>
+      </p:sp>
+    </p:spTree>
+  </p:cSld>
+  <p:clrMapOvr>
+    <a:masterClrMapping/>
+  </p:clrMapOvr>
+</p:sld>
+</file>
+
+<file path=ppt/slides/slide122.xml><?xml version="1.0" encoding="utf-8"?>
+<p:sld xmlns:a="http://schemas.openxmlformats.org/drawingml/2006/main" xmlns:p="http://schemas.openxmlformats.org/presentationml/2006/main" xmlns:r="http://schemas.openxmlformats.org/officeDocument/2006/relationships">
+  <p:cSld>
+    <p:spTree>
+      <p:nvGrpSpPr>
+        <p:cNvPr id="1" name=""/>
+        <p:cNvGrpSpPr/>
+        <p:nvPr/>
+      </p:nvGrpSpPr>
+      <p:grpSpPr/>
+      <p:sp>
+        <p:nvSpPr>
+          <p:cNvPr id="2" name="TextBox 1"/>
+          <p:cNvSpPr txBox="1"/>
+          <p:nvPr/>
+        </p:nvSpPr>
+        <p:spPr>
+          <a:xfrm>
+            <a:off x="182880" y="91440"/>
+            <a:ext cx="8778240" cy="365760"/>
+          </a:xfrm>
+          <a:prstGeom prst="rect">
+            <a:avLst/>
+          </a:prstGeom>
+          <a:noFill/>
+        </p:spPr>
+        <p:txBody>
+          <a:bodyPr wrap="none">
+            <a:spAutoFit/>
+          </a:bodyPr>
+          <a:lstStyle/>
+          <a:p>
+            <a:pPr>
+              <a:defRPr sz="1800" b="1"/>
+            </a:pPr>
+            <a:r>
+              <a:t>Table: T_RECALL_OPTION</a:t>
+            </a:r>
+          </a:p>
+        </p:txBody>
+      </p:sp>
+      <p:sp>
+        <p:nvSpPr>
+          <p:cNvPr id="3" name="TextBox 2"/>
+          <p:cNvSpPr txBox="1"/>
+          <p:nvPr/>
+        </p:nvSpPr>
+        <p:spPr>
+          <a:xfrm>
+            <a:off x="182880" y="502920"/>
+            <a:ext cx="8778240" cy="6400800"/>
+          </a:xfrm>
+          <a:prstGeom prst="rect">
+            <a:avLst/>
+          </a:prstGeom>
+          <a:noFill/>
+        </p:spPr>
+        <p:txBody>
+          <a:bodyPr wrap="square">
+            <a:spAutoFit/>
+          </a:bodyPr>
+          <a:lstStyle/>
+          <a:p>
+            <a:pPr>
+              <a:defRPr sz="800">
+                <a:latin typeface="Courier New"/>
+              </a:defRPr>
+            </a:pPr>
+            <a:r>
+              <a:t>CREATE TABLE `T_RECALL_OPTION` (</a:t>
+            </a:r>
+            <a:br/>
+            <a:r>
+              <a:t>  `seq` int(11) NOT NULL AUTO_INCREMENT COMMENT 'Auto increment',</a:t>
+            </a:r>
+            <a:br/>
+            <a:r>
+              <a:t>  `company_id` int(11) NOT NULL COMMENT '업체id',</a:t>
+            </a:r>
+            <a:br/>
+            <a:r>
+              <a:t>  `is_use` char(1) DEFAULT 'N' COMMENT '사용 유무 : ''Y'' : 사용  ''N''사용 안함',</a:t>
+            </a:r>
+            <a:br/>
+            <a:r>
+              <a:t>  `re_call_time` int(11) DEFAULT '0' COMMENT '재수신 기준 시간 설정( 설정시간안에 오면 재수신 )',</a:t>
+            </a:r>
+            <a:br/>
+            <a:r>
+              <a:t>  `re_call_time_type` char(1) DEFAULT 'S' COMMENT 'S:순차착신시간, M:내콜센터운영시간',</a:t>
+            </a:r>
+            <a:br/>
+            <a:r>
+              <a:t>  `re_call_type` char(1) DEFAULT 'C' COMMENT 'C:착신콜센터기준, Q:상담원그룹기준',</a:t>
+            </a:r>
+            <a:br/>
+            <a:r>
+              <a:t>  `re_call_center_1` char(1) DEFAULT 'F' COMMENT 're_call_type=C일때 F:최초착신콜센터상담내선,M:자사콜센타,C:최초착신콜센터',</a:t>
+            </a:r>
+            <a:br/>
+            <a:r>
+              <a:t>  `re_call_center_2` char(1) DEFAULT 'M' COMMENT 're_call_type=C일때 F:최초착신콜센터상담내선,M:자사콜센타,C:최초착신콜센터',</a:t>
+            </a:r>
+            <a:br/>
+            <a:r>
+              <a:t>  `create_datetime` datetime DEFAULT NULL,</a:t>
+            </a:r>
+            <a:br/>
+            <a:r>
+              <a:t>  `mod_datetime` datetime DEFAULT NULL,</a:t>
+            </a:r>
+            <a:br/>
+            <a:r>
+              <a:t>  PRIMARY KEY (`seq`)</a:t>
+            </a:r>
+            <a:br/>
+            <a:r>
+              <a:t>) ENGINE=InnoDB DEFAULT CHARSET=utf8;</a:t>
+            </a:r>
+          </a:p>
+        </p:txBody>
+      </p:sp>
+    </p:spTree>
+  </p:cSld>
+  <p:clrMapOvr>
+    <a:masterClrMapping/>
+  </p:clrMapOvr>
+</p:sld>
+</file>
+
+<file path=ppt/slides/slide123.xml><?xml version="1.0" encoding="utf-8"?>
+<p:sld xmlns:a="http://schemas.openxmlformats.org/drawingml/2006/main" xmlns:p="http://schemas.openxmlformats.org/presentationml/2006/main" xmlns:r="http://schemas.openxmlformats.org/officeDocument/2006/relationships">
+  <p:cSld>
+    <p:spTree>
+      <p:nvGrpSpPr>
+        <p:cNvPr id="1" name=""/>
+        <p:cNvGrpSpPr/>
+        <p:nvPr/>
+      </p:nvGrpSpPr>
+      <p:grpSpPr/>
+      <p:sp>
+        <p:nvSpPr>
+          <p:cNvPr id="2" name="TextBox 1"/>
+          <p:cNvSpPr txBox="1"/>
+          <p:nvPr/>
+        </p:nvSpPr>
+        <p:spPr>
+          <a:xfrm>
+            <a:off x="182880" y="91440"/>
+            <a:ext cx="8778240" cy="365760"/>
+          </a:xfrm>
+          <a:prstGeom prst="rect">
+            <a:avLst/>
+          </a:prstGeom>
+          <a:noFill/>
+        </p:spPr>
+        <p:txBody>
+          <a:bodyPr wrap="none">
+            <a:spAutoFit/>
+          </a:bodyPr>
+          <a:lstStyle/>
+          <a:p>
+            <a:pPr>
+              <a:defRPr sz="1800" b="1"/>
+            </a:pPr>
+            <a:r>
+              <a:t>Table: T_TIME_GROUP_ROUTING</a:t>
+            </a:r>
+          </a:p>
+        </p:txBody>
+      </p:sp>
+      <p:sp>
+        <p:nvSpPr>
+          <p:cNvPr id="3" name="TextBox 2"/>
+          <p:cNvSpPr txBox="1"/>
+          <p:nvPr/>
+        </p:nvSpPr>
+        <p:spPr>
+          <a:xfrm>
+            <a:off x="182880" y="502920"/>
+            <a:ext cx="8778240" cy="6400800"/>
+          </a:xfrm>
+          <a:prstGeom prst="rect">
+            <a:avLst/>
+          </a:prstGeom>
+          <a:noFill/>
+        </p:spPr>
+        <p:txBody>
+          <a:bodyPr wrap="square">
+            <a:spAutoFit/>
+          </a:bodyPr>
+          <a:lstStyle/>
+          <a:p>
+            <a:pPr>
+              <a:defRPr sz="800">
+                <a:latin typeface="Courier New"/>
+              </a:defRPr>
+            </a:pPr>
+            <a:r>
+              <a:t>CREATE TABLE `T_TIME_GROUP_ROUTING` (</a:t>
+            </a:r>
+            <a:br/>
+            <a:r>
+              <a:t>  `id` bigint(20) NOT NULL AUTO_INCREMENT,</a:t>
+            </a:r>
+            <a:br/>
+            <a:r>
+              <a:t>  `master_id` bigint(20) DEFAULT NULL,</a:t>
+            </a:r>
+            <a:br/>
+            <a:r>
+              <a:t>  `company_id` bigint(20) DEFAULT NULL,</a:t>
+            </a:r>
+            <a:br/>
+            <a:r>
+              <a:t>  `is_use` char(1) COLLATE utf8_unicode_ci DEFAULT 'Y' COMMENT '사용유무',</a:t>
+            </a:r>
+            <a:br/>
+            <a:r>
+              <a:t>  `time_group_name` varchar(100) COLLATE utf8_unicode_ci NOT NULL COMMENT '시간대별그룹명',</a:t>
+            </a:r>
+            <a:br/>
+            <a:r>
+              <a:t>  `q_num` varchar(20) COLLATE utf8_unicode_ci NOT NULL COMMENT ' 동일한 master_id인 T_QUEUE의 선택된 q_num',</a:t>
+            </a:r>
+            <a:br/>
+            <a:r>
+              <a:t>  `start_time` char(4) COLLATE utf8_unicode_ci DEFAULT NULL COMMENT 'HHMM',</a:t>
+            </a:r>
+            <a:br/>
+            <a:r>
+              <a:t>  `end_time` char(4) COLLATE utf8_unicode_ci DEFAULT NULL COMMENT 'HHMM',</a:t>
+            </a:r>
+            <a:br/>
+            <a:r>
+              <a:t>  `create_datetime` datetime DEFAULT NULL,</a:t>
+            </a:r>
+            <a:br/>
+            <a:r>
+              <a:t>  `mod_datetime` datetime DEFAULT NULL,</a:t>
+            </a:r>
+            <a:br/>
+            <a:r>
+              <a:t>  `login_id` varchar(64) COLLATE utf8_unicode_ci DEFAULT NULL COMMENT '수정자로그인id',</a:t>
+            </a:r>
+            <a:br/>
+            <a:r>
+              <a:t>  PRIMARY KEY (`id`)</a:t>
+            </a:r>
+            <a:br/>
+            <a:r>
+              <a:t>) ENGINE=InnoDB DEFAULT CHARSET=utf8 COLLATE=utf8_unicode_ci;</a:t>
+            </a:r>
+          </a:p>
+        </p:txBody>
+      </p:sp>
+    </p:spTree>
+  </p:cSld>
+  <p:clrMapOvr>
+    <a:masterClrMapping/>
+  </p:clrMapOvr>
+</p:sld>
+</file>
+
+<file path=ppt/slides/slide124.xml><?xml version="1.0" encoding="utf-8"?>
+<p:sld xmlns:a="http://schemas.openxmlformats.org/drawingml/2006/main" xmlns:p="http://schemas.openxmlformats.org/presentationml/2006/main" xmlns:r="http://schemas.openxmlformats.org/officeDocument/2006/relationships">
+  <p:cSld>
+    <p:spTree>
+      <p:nvGrpSpPr>
+        <p:cNvPr id="1" name=""/>
+        <p:cNvGrpSpPr/>
+        <p:nvPr/>
+      </p:nvGrpSpPr>
+      <p:grpSpPr/>
+      <p:sp>
+        <p:nvSpPr>
+          <p:cNvPr id="2" name="TextBox 1"/>
+          <p:cNvSpPr txBox="1"/>
+          <p:nvPr/>
+        </p:nvSpPr>
+        <p:spPr>
+          <a:xfrm>
+            <a:off x="182880" y="91440"/>
+            <a:ext cx="8778240" cy="365760"/>
+          </a:xfrm>
+          <a:prstGeom prst="rect">
+            <a:avLst/>
+          </a:prstGeom>
+          <a:noFill/>
+        </p:spPr>
+        <p:txBody>
+          <a:bodyPr wrap="none">
+            <a:spAutoFit/>
+          </a:bodyPr>
+          <a:lstStyle/>
+          <a:p>
+            <a:pPr>
+              <a:defRPr sz="1800" b="1"/>
+            </a:pPr>
+            <a:r>
+              <a:t>Table: T_CALL_STATE</a:t>
+            </a:r>
+          </a:p>
+        </p:txBody>
+      </p:sp>
+      <p:sp>
+        <p:nvSpPr>
+          <p:cNvPr id="3" name="TextBox 2"/>
+          <p:cNvSpPr txBox="1"/>
+          <p:nvPr/>
+        </p:nvSpPr>
+        <p:spPr>
+          <a:xfrm>
+            <a:off x="182880" y="502920"/>
+            <a:ext cx="8778240" cy="6400800"/>
+          </a:xfrm>
+          <a:prstGeom prst="rect">
+            <a:avLst/>
+          </a:prstGeom>
+          <a:noFill/>
+        </p:spPr>
+        <p:txBody>
+          <a:bodyPr wrap="square">
+            <a:spAutoFit/>
+          </a:bodyPr>
+          <a:lstStyle/>
+          <a:p>
+            <a:pPr>
+              <a:defRPr sz="800">
+                <a:latin typeface="Courier New"/>
+              </a:defRPr>
+            </a:pPr>
+            <a:r>
+              <a:t>CREATE TABLE `T_CALL_STATE` (</a:t>
+            </a:r>
+            <a:br/>
+            <a:r>
+              <a:t>  `seq` int(11) NOT NULL AUTO_INCREMENT COMMENT '삭제-Auto increment',</a:t>
+            </a:r>
+            <a:br/>
+            <a:r>
+              <a:t>  `company_id` int(11) NOT NULL COMMENT '업체id',</a:t>
+            </a:r>
+            <a:br/>
+            <a:r>
+              <a:t>  `company_did` varchar(20) NOT NULL COMMENT '업체 did 번호',</a:t>
+            </a:r>
+            <a:br/>
+            <a:r>
+              <a:t>  `transfer_company_id` int(11) NOT NULL COMMENT 'transfer 했던 업체id',</a:t>
+            </a:r>
+            <a:br/>
+            <a:r>
+              <a:t>  `transfer_company_did` varchar(20) DEFAULT NULL COMMENT '크로스콜에서 다른 업체로 연결할때 해당 업체 did 번호',</a:t>
+            </a:r>
+            <a:br/>
+            <a:r>
+              <a:t>  `caller` varchar(20) NOT NULL COMMENT '발신 번호',</a:t>
+            </a:r>
+            <a:br/>
+            <a:r>
+              <a:t>  `called` varchar(20) NOT NULL COMMENT '착신 번호',</a:t>
+            </a:r>
+            <a:br/>
+            <a:r>
+              <a:t>  `start_time` varchar(20) DEFAULT NULL COMMENT '통화 시작 시간',</a:t>
+            </a:r>
+            <a:br/>
+            <a:r>
+              <a:t>  `ring_time` varchar(20) DEFAULT NULL COMMENT 'ring 울리기 시작한 시간',</a:t>
+            </a:r>
+            <a:br/>
+            <a:r>
+              <a:t>  `answer_time` varchar(20) DEFAULT NULL COMMENT '통화 연결 시간',</a:t>
+            </a:r>
+            <a:br/>
+            <a:r>
+              <a:t>  `end_time` varchar(20) DEFAULT NULL COMMENT '통화 종료 시간',</a:t>
+            </a:r>
+            <a:br/>
+            <a:r>
+              <a:t>  `call_id` varchar(64) DEFAULT NULL COMMENT 'call id',</a:t>
+            </a:r>
+            <a:br/>
+            <a:r>
+              <a:t>  `call_state` char(1) DEFAULT NULL COMMENT 'A : 시나리오 진행(호가 아직 안넘어갔음), R: Rding 중, C:호 연결',</a:t>
+            </a:r>
+            <a:br/>
+            <a:r>
+              <a:t>  `phone_hold_time` int(11) DEFAULT NULL COMMENT 'hold ( ring ) 울리는 시간',</a:t>
+            </a:r>
+            <a:br/>
+            <a:r>
+              <a:t>  PRIMARY KEY (`seq`)</a:t>
+            </a:r>
+            <a:br/>
+            <a:r>
+              <a:t>) ENGINE=InnoDB DEFAULT CHARSET=utf8;</a:t>
+            </a:r>
+          </a:p>
+        </p:txBody>
+      </p:sp>
+    </p:spTree>
+  </p:cSld>
+  <p:clrMapOvr>
+    <a:masterClrMapping/>
+  </p:clrMapOvr>
+</p:sld>
+</file>
+
+<file path=ppt/slides/slide125.xml><?xml version="1.0" encoding="utf-8"?>
+<p:sld xmlns:a="http://schemas.openxmlformats.org/drawingml/2006/main" xmlns:p="http://schemas.openxmlformats.org/presentationml/2006/main" xmlns:r="http://schemas.openxmlformats.org/officeDocument/2006/relationships">
+  <p:cSld>
+    <p:spTree>
+      <p:nvGrpSpPr>
+        <p:cNvPr id="1" name=""/>
+        <p:cNvGrpSpPr/>
+        <p:nvPr/>
+      </p:nvGrpSpPr>
+      <p:grpSpPr/>
+      <p:sp>
+        <p:nvSpPr>
+          <p:cNvPr id="2" name="TextBox 1"/>
+          <p:cNvSpPr txBox="1"/>
+          <p:nvPr/>
+        </p:nvSpPr>
+        <p:spPr>
+          <a:xfrm>
+            <a:off x="182880" y="91440"/>
+            <a:ext cx="8778240" cy="365760"/>
+          </a:xfrm>
+          <a:prstGeom prst="rect">
+            <a:avLst/>
+          </a:prstGeom>
+          <a:noFill/>
+        </p:spPr>
+        <p:txBody>
+          <a:bodyPr wrap="none">
+            <a:spAutoFit/>
+          </a:bodyPr>
+          <a:lstStyle/>
+          <a:p>
+            <a:pPr>
+              <a:defRPr sz="1800" b="1"/>
+            </a:pPr>
+            <a:r>
+              <a:t>Table: T_MENU</a:t>
+            </a:r>
+          </a:p>
+        </p:txBody>
+      </p:sp>
+      <p:sp>
+        <p:nvSpPr>
+          <p:cNvPr id="3" name="TextBox 2"/>
+          <p:cNvSpPr txBox="1"/>
+          <p:nvPr/>
+        </p:nvSpPr>
+        <p:spPr>
+          <a:xfrm>
+            <a:off x="182880" y="502920"/>
+            <a:ext cx="8778240" cy="6400800"/>
+          </a:xfrm>
+          <a:prstGeom prst="rect">
+            <a:avLst/>
+          </a:prstGeom>
+          <a:noFill/>
+        </p:spPr>
+        <p:txBody>
+          <a:bodyPr wrap="square">
+            <a:spAutoFit/>
+          </a:bodyPr>
+          <a:lstStyle/>
+          <a:p>
+            <a:pPr>
+              <a:defRPr sz="800">
+                <a:latin typeface="Courier New"/>
+              </a:defRPr>
+            </a:pPr>
+            <a:r>
+              <a:t>CREATE TABLE `T_MENU` (</a:t>
+            </a:r>
+            <a:br/>
+            <a:r>
+              <a:t>  `menu_id` int(11) NOT NULL AUTO_INCREMENT,</a:t>
+            </a:r>
+            <a:br/>
+            <a:r>
+              <a:t>  `parent_id` int(11) DEFAULT '0',</a:t>
+            </a:r>
+            <a:br/>
+            <a:r>
+              <a:t>  `use_level` int(11) NOT NULL COMMENT 'Menu Level (-1:super(로지,나우테스), 0:main, 1:sub)',</a:t>
+            </a:r>
+            <a:br/>
+            <a:r>
+              <a:t>  `menu_name` varchar(255) NOT NULL,</a:t>
+            </a:r>
+            <a:br/>
+            <a:r>
+              <a:t>  `is_active` char(1) DEFAULT 'Y' COMMENT '메뉴 활성화 유무 (Y: Yes, N: No)',</a:t>
+            </a:r>
+            <a:br/>
+            <a:r>
+              <a:t>  `use_select_compnay` char(1) DEFAULT 'Y' COMMENT '업체선택 사용Y, 미사용N',</a:t>
+            </a:r>
+            <a:br/>
+            <a:r>
+              <a:t>  `view_name` varchar(255) DEFAULT '' COMMENT '메뉴선택시 보여지는 화면이름',</a:t>
+            </a:r>
+            <a:br/>
+            <a:r>
+              <a:t>  `description` text COMMENT '메뉴설명',</a:t>
+            </a:r>
+            <a:br/>
+            <a:r>
+              <a:t>  `mod_datetime` datetime DEFAULT NULL,</a:t>
+            </a:r>
+            <a:br/>
+            <a:r>
+              <a:t>  `login_id` varchar(64) DEFAULT NULL COMMENT '수정자로그인id',</a:t>
+            </a:r>
+            <a:br/>
+            <a:r>
+              <a:t>  PRIMARY KEY (`menu_id`),</a:t>
+            </a:r>
+            <a:br/>
+            <a:r>
+              <a:t>  KEY `parent_id` (`parent_id`),</a:t>
+            </a:r>
+            <a:br/>
+            <a:r>
+              <a:t>  CONSTRAINT `T_MENU_ibfk_1` FOREIGN KEY (`parent_id`) REFERENCES `T_MENU` (`menu_id`)</a:t>
+            </a:r>
+            <a:br/>
+            <a:r>
+              <a:t>) ENGINE=InnoDB AUTO_INCREMENT=39 DEFAULT CHARSET=utf8;</a:t>
+            </a:r>
+          </a:p>
+        </p:txBody>
+      </p:sp>
+    </p:spTree>
+  </p:cSld>
+  <p:clrMapOvr>
+    <a:masterClrMapping/>
+  </p:clrMapOvr>
+</p:sld>
+</file>
+
+<file path=ppt/slides/slide126.xml><?xml version="1.0" encoding="utf-8"?>
+<p:sld xmlns:a="http://schemas.openxmlformats.org/drawingml/2006/main" xmlns:p="http://schemas.openxmlformats.org/presentationml/2006/main" xmlns:r="http://schemas.openxmlformats.org/officeDocument/2006/relationships">
+  <p:cSld>
+    <p:spTree>
+      <p:nvGrpSpPr>
+        <p:cNvPr id="1" name=""/>
+        <p:cNvGrpSpPr/>
+        <p:nvPr/>
+      </p:nvGrpSpPr>
+      <p:grpSpPr/>
+      <p:sp>
+        <p:nvSpPr>
+          <p:cNvPr id="2" name="TextBox 1"/>
+          <p:cNvSpPr txBox="1"/>
+          <p:nvPr/>
+        </p:nvSpPr>
+        <p:spPr>
+          <a:xfrm>
+            <a:off x="182880" y="91440"/>
+            <a:ext cx="8778240" cy="365760"/>
+          </a:xfrm>
+          <a:prstGeom prst="rect">
+            <a:avLst/>
+          </a:prstGeom>
+          <a:noFill/>
+        </p:spPr>
+        <p:txBody>
+          <a:bodyPr wrap="none">
+            <a:spAutoFit/>
+          </a:bodyPr>
+          <a:lstStyle/>
+          <a:p>
+            <a:pPr>
+              <a:defRPr sz="1800" b="1"/>
+            </a:pPr>
+            <a:r>
+              <a:t>Table: T_PHONE_AUTH</a:t>
+            </a:r>
+          </a:p>
+        </p:txBody>
+      </p:sp>
+      <p:sp>
+        <p:nvSpPr>
+          <p:cNvPr id="3" name="TextBox 2"/>
+          <p:cNvSpPr txBox="1"/>
+          <p:nvPr/>
+        </p:nvSpPr>
+        <p:spPr>
+          <a:xfrm>
+            <a:off x="182880" y="502920"/>
+            <a:ext cx="8778240" cy="6400800"/>
+          </a:xfrm>
+          <a:prstGeom prst="rect">
+            <a:avLst/>
+          </a:prstGeom>
+          <a:noFill/>
+        </p:spPr>
+        <p:txBody>
+          <a:bodyPr wrap="square">
+            <a:spAutoFit/>
+          </a:bodyPr>
+          <a:lstStyle/>
+          <a:p>
+            <a:pPr>
+              <a:defRPr sz="800">
+                <a:latin typeface="Courier New"/>
+              </a:defRPr>
+            </a:pPr>
+            <a:r>
+              <a:t>CREATE TABLE `T_PHONE_AUTH` (</a:t>
+            </a:r>
+            <a:br/>
+            <a:r>
+              <a:t>  `seq` int(11) NOT NULL AUTO_INCREMENT,</a:t>
+            </a:r>
+            <a:br/>
+            <a:r>
+              <a:t>  `auth_date` datetime DEFAULT NULL,</a:t>
+            </a:r>
+            <a:br/>
+            <a:r>
+              <a:t>  `jsession` varchar(20) DEFAULT NULL,</a:t>
+            </a:r>
+            <a:br/>
+            <a:r>
+              <a:t>  `phone_auth_key` varchar(20) DEFAULT NULL,</a:t>
+            </a:r>
+            <a:br/>
+            <a:r>
+              <a:t>  `phone_number` varchar(50) DEFAULT NULL,</a:t>
+            </a:r>
+            <a:br/>
+            <a:r>
+              <a:t>  PRIMARY KEY (`seq`)</a:t>
+            </a:r>
+            <a:br/>
+            <a:r>
+              <a:t>) ENGINE=InnoDB AUTO_INCREMENT=6162 DEFAULT CHARSET=utf8;</a:t>
+            </a:r>
+          </a:p>
+        </p:txBody>
+      </p:sp>
+    </p:spTree>
+  </p:cSld>
+  <p:clrMapOvr>
+    <a:masterClrMapping/>
+  </p:clrMapOvr>
+</p:sld>
+</file>
+
+<file path=ppt/slides/slide127.xml><?xml version="1.0" encoding="utf-8"?>
+<p:sld xmlns:a="http://schemas.openxmlformats.org/drawingml/2006/main" xmlns:p="http://schemas.openxmlformats.org/presentationml/2006/main" xmlns:r="http://schemas.openxmlformats.org/officeDocument/2006/relationships">
+  <p:cSld>
+    <p:spTree>
+      <p:nvGrpSpPr>
+        <p:cNvPr id="1" name=""/>
+        <p:cNvGrpSpPr/>
+        <p:nvPr/>
+      </p:nvGrpSpPr>
+      <p:grpSpPr/>
+      <p:sp>
+        <p:nvSpPr>
+          <p:cNvPr id="2" name="TextBox 1"/>
+          <p:cNvSpPr txBox="1"/>
+          <p:nvPr/>
+        </p:nvSpPr>
+        <p:spPr>
+          <a:xfrm>
+            <a:off x="182880" y="91440"/>
+            <a:ext cx="8778240" cy="365760"/>
+          </a:xfrm>
+          <a:prstGeom prst="rect">
+            <a:avLst/>
+          </a:prstGeom>
+          <a:noFill/>
+        </p:spPr>
+        <p:txBody>
+          <a:bodyPr wrap="none">
+            <a:spAutoFit/>
+          </a:bodyPr>
+          <a:lstStyle/>
+          <a:p>
+            <a:pPr>
+              <a:defRPr sz="1800" b="1"/>
+            </a:pPr>
+            <a:r>
+              <a:t>Table: T_USER_LIST_API</a:t>
+            </a:r>
+          </a:p>
+        </p:txBody>
+      </p:sp>
+      <p:sp>
+        <p:nvSpPr>
+          <p:cNvPr id="3" name="TextBox 2"/>
+          <p:cNvSpPr txBox="1"/>
+          <p:nvPr/>
+        </p:nvSpPr>
+        <p:spPr>
+          <a:xfrm>
+            <a:off x="182880" y="502920"/>
+            <a:ext cx="8778240" cy="6400800"/>
+          </a:xfrm>
+          <a:prstGeom prst="rect">
+            <a:avLst/>
+          </a:prstGeom>
+          <a:noFill/>
+        </p:spPr>
+        <p:txBody>
+          <a:bodyPr wrap="square">
+            <a:spAutoFit/>
+          </a:bodyPr>
+          <a:lstStyle/>
+          <a:p>
+            <a:pPr>
+              <a:defRPr sz="800">
+                <a:latin typeface="Courier New"/>
+              </a:defRPr>
+            </a:pPr>
+            <a:r>
+              <a:t>CREATE TABLE `T_USER_LIST_API` (</a:t>
+            </a:r>
+            <a:br/>
+            <a:r>
+              <a:t>  `user_id` bigint(20) NOT NULL AUTO_INCREMENT,</a:t>
+            </a:r>
+            <a:br/>
+            <a:r>
+              <a:t>  `company_id` int(10) DEFAULT NULL,</a:t>
+            </a:r>
+            <a:br/>
+            <a:r>
+              <a:t>  `company_level` int(1) DEFAULT NULL COMMENT '업체레벨(-1:Super관리자(로지,나우테스),0:IPPBX메인,1:메인,2:지사업체)',</a:t>
+            </a:r>
+            <a:br/>
+            <a:r>
+              <a:t>  `user_level` varchar(255) DEFAULT 'ROLE_ADMIN',</a:t>
+            </a:r>
+            <a:br/>
+            <a:r>
+              <a:t>  `login_id` varchar(50) DEFAULT NULL,</a:t>
+            </a:r>
+            <a:br/>
+            <a:r>
+              <a:t>  `login_pwd` varchar(200) DEFAULT NULL COMMENT 't_compnay main_account_pw값, MD5 Hash생성+ByteBase64처리',</a:t>
+            </a:r>
+            <a:br/>
+            <a:r>
+              <a:t>  `login_pwd2` varchar(300) DEFAULT NULL,</a:t>
+            </a:r>
+            <a:br/>
+            <a:r>
+              <a:t>  `ars_pwd` varchar(12) DEFAULT NULL COMMENT 'ARS인증번호(ARS에서 값 넣어줌,로그인시확인)',</a:t>
+            </a:r>
+            <a:br/>
+            <a:r>
+              <a:t>  `user_name` varchar(255) DEFAULT NULL,</a:t>
+            </a:r>
+            <a:br/>
+            <a:r>
+              <a:t>  `user_phone` varchar(12) DEFAULT NULL,</a:t>
+            </a:r>
+            <a:br/>
+            <a:r>
+              <a:t>  `login_datetime` datetime DEFAULT NULL,</a:t>
+            </a:r>
+            <a:br/>
+            <a:r>
+              <a:t>  `user_mail` varchar(100) DEFAULT NULL,</a:t>
+            </a:r>
+            <a:br/>
+            <a:r>
+              <a:t>  `auto_close_count` int(11) DEFAULT '0',</a:t>
+            </a:r>
+            <a:br/>
+            <a:r>
+              <a:t>  `blacklist_time` datetime DEFAULT NULL,</a:t>
+            </a:r>
+            <a:br/>
+            <a:r>
+              <a:t>  `create_datetime` datetime DEFAULT NULL,</a:t>
+            </a:r>
+            <a:br/>
+            <a:r>
+              <a:t>  `is_auto_close` char(1) DEFAULT 'N',</a:t>
+            </a:r>
+            <a:br/>
+            <a:r>
+              <a:t>  `is_blacklist` char(1) DEFAULT NULL,</a:t>
+            </a:r>
+            <a:br/>
+            <a:r>
+              <a:t>  `is_popup_mode` char(1) DEFAULT NULL,</a:t>
+            </a:r>
+            <a:br/>
+            <a:r>
+              <a:t>  `memo` varchar(255) DEFAULT NULL,</a:t>
+            </a:r>
+            <a:br/>
+            <a:r>
+              <a:t>  `mod_datetime` datetime DEFAULT NULL,</a:t>
+            </a:r>
+            <a:br/>
+            <a:r>
+              <a:t>  `ws_bind_status` char(1) DEFAULT NULL,</a:t>
+            </a:r>
+            <a:br/>
+            <a:r>
+              <a:t>  `ws_connection_id` varchar(64) DEFAULT NULL,</a:t>
+            </a:r>
+            <a:br/>
+            <a:r>
+              <a:t>  PRIMARY KEY (`user_id`)</a:t>
+            </a:r>
+            <a:br/>
+            <a:r>
+              <a:t>) ENGINE=InnoDB AUTO_INCREMENT=72 DEFAULT CHARSET=utf8;</a:t>
+            </a:r>
+          </a:p>
+        </p:txBody>
+      </p:sp>
+    </p:spTree>
+  </p:cSld>
+  <p:clrMapOvr>
+    <a:masterClrMapping/>
+  </p:clrMapOvr>
+</p:sld>
+</file>
+
+<file path=ppt/slides/slide128.xml><?xml version="1.0" encoding="utf-8"?>
+<p:sld xmlns:a="http://schemas.openxmlformats.org/drawingml/2006/main" xmlns:p="http://schemas.openxmlformats.org/presentationml/2006/main" xmlns:r="http://schemas.openxmlformats.org/officeDocument/2006/relationships">
+  <p:cSld>
+    <p:spTree>
+      <p:nvGrpSpPr>
+        <p:cNvPr id="1" name=""/>
+        <p:cNvGrpSpPr/>
+        <p:nvPr/>
+      </p:nvGrpSpPr>
+      <p:grpSpPr/>
+      <p:sp>
+        <p:nvSpPr>
+          <p:cNvPr id="2" name="TextBox 1"/>
+          <p:cNvSpPr txBox="1"/>
+          <p:nvPr/>
+        </p:nvSpPr>
+        <p:spPr>
+          <a:xfrm>
+            <a:off x="182880" y="91440"/>
+            <a:ext cx="8778240" cy="365760"/>
+          </a:xfrm>
+          <a:prstGeom prst="rect">
+            <a:avLst/>
+          </a:prstGeom>
+          <a:noFill/>
+        </p:spPr>
+        <p:txBody>
+          <a:bodyPr wrap="none">
+            <a:spAutoFit/>
+          </a:bodyPr>
+          <a:lstStyle/>
+          <a:p>
+            <a:pPr>
+              <a:defRPr sz="1800" b="1"/>
+            </a:pPr>
+            <a:r>
+              <a:t>Table: T_UPLOAD_FILE</a:t>
+            </a:r>
+          </a:p>
+        </p:txBody>
+      </p:sp>
+      <p:sp>
+        <p:nvSpPr>
+          <p:cNvPr id="3" name="TextBox 2"/>
+          <p:cNvSpPr txBox="1"/>
+          <p:nvPr/>
+        </p:nvSpPr>
+        <p:spPr>
+          <a:xfrm>
+            <a:off x="182880" y="502920"/>
+            <a:ext cx="8778240" cy="6400800"/>
+          </a:xfrm>
+          <a:prstGeom prst="rect">
+            <a:avLst/>
+          </a:prstGeom>
+          <a:noFill/>
+        </p:spPr>
+        <p:txBody>
+          <a:bodyPr wrap="square">
+            <a:spAutoFit/>
+          </a:bodyPr>
+          <a:lstStyle/>
+          <a:p>
+            <a:pPr>
+              <a:defRPr sz="800">
+                <a:latin typeface="Courier New"/>
+              </a:defRPr>
+            </a:pPr>
+            <a:r>
+              <a:t>CREATE TABLE `T_UPLOAD_FILE` (</a:t>
+            </a:r>
+            <a:br/>
+            <a:r>
+              <a:t>  `id` bigint(20) NOT NULL AUTO_INCREMENT,</a:t>
+            </a:r>
+            <a:br/>
+            <a:r>
+              <a:t>  `master_id` int(10) NOT NULL DEFAULT '0' COMMENT 'master_id',</a:t>
+            </a:r>
+            <a:br/>
+            <a:r>
+              <a:t>  `file_kind` char(1) NOT NULL DEFAULT 'R' COMMENT 'R:RingGo, A:ARS',</a:t>
+            </a:r>
+            <a:br/>
+            <a:r>
+              <a:t>  `file_dir` varchar(64) NOT NULL DEFAULT '' COMMENT '파일 저장 위치',</a:t>
+            </a:r>
+            <a:br/>
+            <a:r>
+              <a:t>  `file_name` varchar(32) NOT NULL DEFAULT '' COMMENT '파일명',</a:t>
+            </a:r>
+            <a:br/>
+            <a:r>
+              <a:t>  `memo` text COMMENT '설명',</a:t>
+            </a:r>
+            <a:br/>
+            <a:r>
+              <a:t>  `mod_datetime` datetime DEFAULT NULL,</a:t>
+            </a:r>
+            <a:br/>
+            <a:r>
+              <a:t>  `login_id` varchar(64) DEFAULT NULL COMMENT '수정자로그인id',</a:t>
+            </a:r>
+            <a:br/>
+            <a:r>
+              <a:t>  PRIMARY KEY (`id`)</a:t>
+            </a:r>
+            <a:br/>
+            <a:r>
+              <a:t>) ENGINE=InnoDB AUTO_INCREMENT=157 DEFAULT CHARSET=utf8;</a:t>
+            </a:r>
+          </a:p>
+        </p:txBody>
+      </p:sp>
+    </p:spTree>
+  </p:cSld>
+  <p:clrMapOvr>
+    <a:masterClrMapping/>
+  </p:clrMapOvr>
+</p:sld>
+</file>
+
+<file path=ppt/slides/slide129.xml><?xml version="1.0" encoding="utf-8"?>
+<p:sld xmlns:a="http://schemas.openxmlformats.org/drawingml/2006/main" xmlns:p="http://schemas.openxmlformats.org/presentationml/2006/main" xmlns:r="http://schemas.openxmlformats.org/officeDocument/2006/relationships">
+  <p:cSld>
+    <p:spTree>
+      <p:nvGrpSpPr>
+        <p:cNvPr id="1" name=""/>
+        <p:cNvGrpSpPr/>
+        <p:nvPr/>
+      </p:nvGrpSpPr>
+      <p:grpSpPr/>
+      <p:sp>
+        <p:nvSpPr>
+          <p:cNvPr id="2" name="TextBox 1"/>
+          <p:cNvSpPr txBox="1"/>
+          <p:nvPr/>
+        </p:nvSpPr>
+        <p:spPr>
+          <a:xfrm>
+            <a:off x="182880" y="91440"/>
+            <a:ext cx="8778240" cy="365760"/>
+          </a:xfrm>
+          <a:prstGeom prst="rect">
+            <a:avLst/>
+          </a:prstGeom>
+          <a:noFill/>
+        </p:spPr>
+        <p:txBody>
+          <a:bodyPr wrap="none">
+            <a:spAutoFit/>
+          </a:bodyPr>
+          <a:lstStyle/>
+          <a:p>
+            <a:pPr>
+              <a:defRPr sz="1800" b="1"/>
+            </a:pPr>
+            <a:r>
+              <a:t>Table: T_MODIFY_HISTORY</a:t>
+            </a:r>
+          </a:p>
+        </p:txBody>
+      </p:sp>
+      <p:sp>
+        <p:nvSpPr>
+          <p:cNvPr id="3" name="TextBox 2"/>
+          <p:cNvSpPr txBox="1"/>
+          <p:nvPr/>
+        </p:nvSpPr>
+        <p:spPr>
+          <a:xfrm>
+            <a:off x="182880" y="502920"/>
+            <a:ext cx="8778240" cy="6400800"/>
+          </a:xfrm>
+          <a:prstGeom prst="rect">
+            <a:avLst/>
+          </a:prstGeom>
+          <a:noFill/>
+        </p:spPr>
+        <p:txBody>
+          <a:bodyPr wrap="square">
+            <a:spAutoFit/>
+          </a:bodyPr>
+          <a:lstStyle/>
+          <a:p>
+            <a:pPr>
+              <a:defRPr sz="800">
+                <a:latin typeface="Courier New"/>
+              </a:defRPr>
+            </a:pPr>
+            <a:r>
+              <a:t>CREATE TABLE `T_MODIFY_HISTORY` (</a:t>
+            </a:r>
+            <a:br/>
+            <a:r>
+              <a:t>  `seq` int(20) NOT NULL AUTO_INCREMENT COMMENT 'WEB에서 내용 변경시 입력',</a:t>
+            </a:r>
+            <a:br/>
+            <a:r>
+              <a:t>  `company_id` int(20) NOT NULL COMMENT '업체 id',</a:t>
+            </a:r>
+            <a:br/>
+            <a:r>
+              <a:t>  `login_id` varchar(50) NOT NULL COMMENT '웹 로그인 ID(수정작업한 ID)',</a:t>
+            </a:r>
+            <a:br/>
+            <a:r>
+              <a:t>  `memu_name` varchar(50) NOT NULL COMMENT '변경 작업한 메뉴명',</a:t>
+            </a:r>
+            <a:br/>
+            <a:r>
+              <a:t>  `button_name` varchar(50) NOT NULL COMMENT '변경 작업한 버튼명',</a:t>
+            </a:r>
+            <a:br/>
+            <a:r>
+              <a:t>  `is_apply` char(1) DEFAULT 'N' COMMENT 'Y:적용,N:미적용',</a:t>
+            </a:r>
+            <a:br/>
+            <a:r>
+              <a:t>  `mod_memo` text COMMENT '변경 작업 내용',</a:t>
+            </a:r>
+            <a:br/>
+            <a:r>
+              <a:t>  `mod_datetime` char(19) DEFAULT NULL COMMENT '변경 작업 일시 YYYY-MM-DD HH:NN:SS',</a:t>
+            </a:r>
+            <a:br/>
+            <a:r>
+              <a:t>  `memo` text COMMENT '변경내용',</a:t>
+            </a:r>
+            <a:br/>
+            <a:r>
+              <a:t>  PRIMARY KEY (`seq`)</a:t>
+            </a:r>
+            <a:br/>
+            <a:r>
+              <a:t>) ENGINE=InnoDB DEFAULT CHARSET=utf8;</a:t>
+            </a:r>
+          </a:p>
+        </p:txBody>
+      </p:sp>
+    </p:spTree>
+  </p:cSld>
+  <p:clrMapOvr>
+    <a:masterClrMapping/>
+  </p:clrMapOvr>
+</p:sld>
+</file>
+
 <file path=ppt/slides/slide13.xml><?xml version="1.0" encoding="utf-8"?>
 <p:sld xmlns:a="http://schemas.openxmlformats.org/drawingml/2006/main" xmlns:p="http://schemas.openxmlformats.org/presentationml/2006/main" xmlns:r="http://schemas.openxmlformats.org/officeDocument/2006/relationships">
   <p:cSld>
@@ -5801,6 +9890,1098 @@
           </a:graphicData>
         </a:graphic>
       </p:graphicFrame>
+    </p:spTree>
+  </p:cSld>
+  <p:clrMapOvr>
+    <a:masterClrMapping/>
+  </p:clrMapOvr>
+</p:sld>
+</file>
+
+<file path=ppt/slides/slide130.xml><?xml version="1.0" encoding="utf-8"?>
+<p:sld xmlns:a="http://schemas.openxmlformats.org/drawingml/2006/main" xmlns:p="http://schemas.openxmlformats.org/presentationml/2006/main" xmlns:r="http://schemas.openxmlformats.org/officeDocument/2006/relationships">
+  <p:cSld>
+    <p:spTree>
+      <p:nvGrpSpPr>
+        <p:cNvPr id="1" name=""/>
+        <p:cNvGrpSpPr/>
+        <p:nvPr/>
+      </p:nvGrpSpPr>
+      <p:grpSpPr/>
+      <p:sp>
+        <p:nvSpPr>
+          <p:cNvPr id="2" name="TextBox 1"/>
+          <p:cNvSpPr txBox="1"/>
+          <p:nvPr/>
+        </p:nvSpPr>
+        <p:spPr>
+          <a:xfrm>
+            <a:off x="182880" y="91440"/>
+            <a:ext cx="8778240" cy="365760"/>
+          </a:xfrm>
+          <a:prstGeom prst="rect">
+            <a:avLst/>
+          </a:prstGeom>
+          <a:noFill/>
+        </p:spPr>
+        <p:txBody>
+          <a:bodyPr wrap="none">
+            <a:spAutoFit/>
+          </a:bodyPr>
+          <a:lstStyle/>
+          <a:p>
+            <a:pPr>
+              <a:defRPr sz="1800" b="1"/>
+            </a:pPr>
+            <a:r>
+              <a:t>Table: T_WORK_HISTORY</a:t>
+            </a:r>
+          </a:p>
+        </p:txBody>
+      </p:sp>
+      <p:sp>
+        <p:nvSpPr>
+          <p:cNvPr id="3" name="TextBox 2"/>
+          <p:cNvSpPr txBox="1"/>
+          <p:nvPr/>
+        </p:nvSpPr>
+        <p:spPr>
+          <a:xfrm>
+            <a:off x="182880" y="502920"/>
+            <a:ext cx="8778240" cy="6400800"/>
+          </a:xfrm>
+          <a:prstGeom prst="rect">
+            <a:avLst/>
+          </a:prstGeom>
+          <a:noFill/>
+        </p:spPr>
+        <p:txBody>
+          <a:bodyPr wrap="square">
+            <a:spAutoFit/>
+          </a:bodyPr>
+          <a:lstStyle/>
+          <a:p>
+            <a:pPr>
+              <a:defRPr sz="800">
+                <a:latin typeface="Courier New"/>
+              </a:defRPr>
+            </a:pPr>
+            <a:r>
+              <a:t>CREATE TABLE `T_WORK_HISTORY` (</a:t>
+            </a:r>
+            <a:br/>
+            <a:r>
+              <a:t>  `seq` int(11) NOT NULL AUTO_INCREMENT,</a:t>
+            </a:r>
+            <a:br/>
+            <a:r>
+              <a:t>  `name` varchar(50) NOT NULL COMMENT '작업자명',</a:t>
+            </a:r>
+            <a:br/>
+            <a:r>
+              <a:t>  `work_content` text COMMENT '작업내용',</a:t>
+            </a:r>
+            <a:br/>
+            <a:r>
+              <a:t>  `work_date` varchar(20) NOT NULL COMMENT 'YYYY-MM-DD HH:NN:SS',</a:t>
+            </a:r>
+            <a:br/>
+            <a:r>
+              <a:t>  `user_level` varchar(255) NOT NULL,</a:t>
+            </a:r>
+            <a:br/>
+            <a:r>
+              <a:t>  `company_id` int(11) DEFAULT NULL,</a:t>
+            </a:r>
+            <a:br/>
+            <a:r>
+              <a:t>  `company_name` varchar(20) NOT NULL,</a:t>
+            </a:r>
+            <a:br/>
+            <a:r>
+              <a:t>  `work_type` varchar(20) NOT NULL COMMENT '메뉴명',</a:t>
+            </a:r>
+            <a:br/>
+            <a:r>
+              <a:t>  `work_option` varchar(20) NOT NULL COMMENT '실행버튼명:검색,추가,수정,삭제,IPPBX적용..',</a:t>
+            </a:r>
+            <a:br/>
+            <a:r>
+              <a:t>  PRIMARY KEY (`seq`),</a:t>
+            </a:r>
+            <a:br/>
+            <a:r>
+              <a:t>  KEY `work_date` (`work_date`)</a:t>
+            </a:r>
+            <a:br/>
+            <a:r>
+              <a:t>) ENGINE=InnoDB AUTO_INCREMENT=3833 DEFAULT CHARSET=utf8;</a:t>
+            </a:r>
+          </a:p>
+        </p:txBody>
+      </p:sp>
+    </p:spTree>
+  </p:cSld>
+  <p:clrMapOvr>
+    <a:masterClrMapping/>
+  </p:clrMapOvr>
+</p:sld>
+</file>
+
+<file path=ppt/slides/slide131.xml><?xml version="1.0" encoding="utf-8"?>
+<p:sld xmlns:a="http://schemas.openxmlformats.org/drawingml/2006/main" xmlns:p="http://schemas.openxmlformats.org/presentationml/2006/main" xmlns:r="http://schemas.openxmlformats.org/officeDocument/2006/relationships">
+  <p:cSld>
+    <p:spTree>
+      <p:nvGrpSpPr>
+        <p:cNvPr id="1" name=""/>
+        <p:cNvGrpSpPr/>
+        <p:nvPr/>
+      </p:nvGrpSpPr>
+      <p:grpSpPr/>
+      <p:sp>
+        <p:nvSpPr>
+          <p:cNvPr id="2" name="TextBox 1"/>
+          <p:cNvSpPr txBox="1"/>
+          <p:nvPr/>
+        </p:nvSpPr>
+        <p:spPr>
+          <a:xfrm>
+            <a:off x="182880" y="91440"/>
+            <a:ext cx="8778240" cy="365760"/>
+          </a:xfrm>
+          <a:prstGeom prst="rect">
+            <a:avLst/>
+          </a:prstGeom>
+          <a:noFill/>
+        </p:spPr>
+        <p:txBody>
+          <a:bodyPr wrap="none">
+            <a:spAutoFit/>
+          </a:bodyPr>
+          <a:lstStyle/>
+          <a:p>
+            <a:pPr>
+              <a:defRPr sz="1800" b="1"/>
+            </a:pPr>
+            <a:r>
+              <a:t>Table: refresh_token</a:t>
+            </a:r>
+          </a:p>
+        </p:txBody>
+      </p:sp>
+      <p:sp>
+        <p:nvSpPr>
+          <p:cNvPr id="3" name="TextBox 2"/>
+          <p:cNvSpPr txBox="1"/>
+          <p:nvPr/>
+        </p:nvSpPr>
+        <p:spPr>
+          <a:xfrm>
+            <a:off x="182880" y="502920"/>
+            <a:ext cx="8778240" cy="6400800"/>
+          </a:xfrm>
+          <a:prstGeom prst="rect">
+            <a:avLst/>
+          </a:prstGeom>
+          <a:noFill/>
+        </p:spPr>
+        <p:txBody>
+          <a:bodyPr wrap="square">
+            <a:spAutoFit/>
+          </a:bodyPr>
+          <a:lstStyle/>
+          <a:p>
+            <a:pPr>
+              <a:defRPr sz="800">
+                <a:latin typeface="Courier New"/>
+              </a:defRPr>
+            </a:pPr>
+            <a:r>
+              <a:t>CREATE TABLE `refresh_token` (</a:t>
+            </a:r>
+            <a:br/>
+            <a:r>
+              <a:t>  `jkey` varchar(255) COLLATE utf8_unicode_ci NOT NULL,</a:t>
+            </a:r>
+            <a:br/>
+            <a:r>
+              <a:t>  `jvalue` varchar(255) COLLATE utf8_unicode_ci DEFAULT NULL,</a:t>
+            </a:r>
+            <a:br/>
+            <a:r>
+              <a:t>  PRIMARY KEY (`jkey`)</a:t>
+            </a:r>
+            <a:br/>
+            <a:r>
+              <a:t>) ENGINE=InnoDB DEFAULT CHARSET=utf8 COLLATE=utf8_unicode_ci;</a:t>
+            </a:r>
+          </a:p>
+        </p:txBody>
+      </p:sp>
+    </p:spTree>
+  </p:cSld>
+  <p:clrMapOvr>
+    <a:masterClrMapping/>
+  </p:clrMapOvr>
+</p:sld>
+</file>
+
+<file path=ppt/slides/slide132.xml><?xml version="1.0" encoding="utf-8"?>
+<p:sld xmlns:a="http://schemas.openxmlformats.org/drawingml/2006/main" xmlns:p="http://schemas.openxmlformats.org/presentationml/2006/main" xmlns:r="http://schemas.openxmlformats.org/officeDocument/2006/relationships">
+  <p:cSld>
+    <p:spTree>
+      <p:nvGrpSpPr>
+        <p:cNvPr id="1" name=""/>
+        <p:cNvGrpSpPr/>
+        <p:nvPr/>
+      </p:nvGrpSpPr>
+      <p:grpSpPr/>
+      <p:sp>
+        <p:nvSpPr>
+          <p:cNvPr id="2" name="TextBox 1"/>
+          <p:cNvSpPr txBox="1"/>
+          <p:nvPr/>
+        </p:nvSpPr>
+        <p:spPr>
+          <a:xfrm>
+            <a:off x="182880" y="91440"/>
+            <a:ext cx="8778240" cy="365760"/>
+          </a:xfrm>
+          <a:prstGeom prst="rect">
+            <a:avLst/>
+          </a:prstGeom>
+          <a:noFill/>
+        </p:spPr>
+        <p:txBody>
+          <a:bodyPr wrap="none">
+            <a:spAutoFit/>
+          </a:bodyPr>
+          <a:lstStyle/>
+          <a:p>
+            <a:pPr>
+              <a:defRPr sz="1800" b="1"/>
+            </a:pPr>
+            <a:r>
+              <a:t>Table: T_CALL_HISTORY_202602</a:t>
+            </a:r>
+          </a:p>
+        </p:txBody>
+      </p:sp>
+      <p:sp>
+        <p:nvSpPr>
+          <p:cNvPr id="3" name="TextBox 2"/>
+          <p:cNvSpPr txBox="1"/>
+          <p:nvPr/>
+        </p:nvSpPr>
+        <p:spPr>
+          <a:xfrm>
+            <a:off x="182880" y="502920"/>
+            <a:ext cx="8778240" cy="6400800"/>
+          </a:xfrm>
+          <a:prstGeom prst="rect">
+            <a:avLst/>
+          </a:prstGeom>
+          <a:noFill/>
+        </p:spPr>
+        <p:txBody>
+          <a:bodyPr wrap="square">
+            <a:spAutoFit/>
+          </a:bodyPr>
+          <a:lstStyle/>
+          <a:p>
+            <a:pPr>
+              <a:defRPr sz="800">
+                <a:latin typeface="Courier New"/>
+              </a:defRPr>
+            </a:pPr>
+            <a:r>
+              <a:t>CREATE TABLE `T_CALL_HISTORY_202602` (</a:t>
+            </a:r>
+            <a:br/>
+            <a:r>
+              <a:t>  `seq` int(11) NOT NULL AUTO_INCREMENT,</a:t>
+            </a:r>
+            <a:br/>
+            <a:r>
+              <a:t>  `master_id` int(11) NOT NULL,</a:t>
+            </a:r>
+            <a:br/>
+            <a:r>
+              <a:t>  `company_id` int(11) NOT NULL,</a:t>
+            </a:r>
+            <a:br/>
+            <a:r>
+              <a:t>  `q_group_num` varchar(20) DEFAULT NULL,</a:t>
+            </a:r>
+            <a:br/>
+            <a:r>
+              <a:t>  `userid` varchar(20) NOT NULL,</a:t>
+            </a:r>
+            <a:br/>
+            <a:r>
+              <a:t>  `userphone` varchar(20) NOT NULL,</a:t>
+            </a:r>
+            <a:br/>
+            <a:r>
+              <a:t>  `user_name` varchar(30) DEFAULT NULL,</a:t>
+            </a:r>
+            <a:br/>
+            <a:r>
+              <a:t>  `caller` varchar(20) NOT NULL,</a:t>
+            </a:r>
+            <a:br/>
+            <a:r>
+              <a:t>  `called` varchar(20) NOT NULL,</a:t>
+            </a:r>
+            <a:br/>
+            <a:r>
+              <a:t>  `call_direction` char(1) DEFAULT NULL,</a:t>
+            </a:r>
+            <a:br/>
+            <a:r>
+              <a:t>  `call_id` varchar(128) DEFAULT NULL,</a:t>
+            </a:r>
+            <a:br/>
+            <a:r>
+              <a:t>  `start_time` varchar(20) DEFAULT NULL,</a:t>
+            </a:r>
+            <a:br/>
+            <a:r>
+              <a:t>  `start_time_long` int(11) DEFAULT NULL,</a:t>
+            </a:r>
+            <a:br/>
+            <a:r>
+              <a:t>  `answer_time` varchar(20) DEFAULT NULL,</a:t>
+            </a:r>
+            <a:br/>
+            <a:r>
+              <a:t>  `answer_time_long` int(11) DEFAULT NULL,</a:t>
+            </a:r>
+            <a:br/>
+            <a:r>
+              <a:t>  `end_time` varchar(20) DEFAULT NULL,</a:t>
+            </a:r>
+            <a:br/>
+            <a:r>
+              <a:t>  `end_time_long` int(11) DEFAULT NULL,</a:t>
+            </a:r>
+            <a:br/>
+            <a:r>
+              <a:t>  `call_result` char(1) DEFAULT NULL,</a:t>
+            </a:r>
+            <a:br/>
+            <a:r>
+              <a:t>  `phone_hold_time` int(11) DEFAULT NULL,</a:t>
+            </a:r>
+            <a:br/>
+            <a:r>
+              <a:t>  `checks` char(1) DEFAULT 'N',</a:t>
+            </a:r>
+            <a:br/>
+            <a:r>
+              <a:t>  PRIMARY KEY (`seq`),</a:t>
+            </a:r>
+            <a:br/>
+            <a:r>
+              <a:t>  KEY `start_time` (`start_time`),</a:t>
+            </a:r>
+            <a:br/>
+            <a:r>
+              <a:t>  KEY `end_time` (`end_time`)</a:t>
+            </a:r>
+            <a:br/>
+            <a:r>
+              <a:t>) ENGINE=InnoDB AUTO_INCREMENT=30 DEFAULT CHARSET=utf8;</a:t>
+            </a:r>
+          </a:p>
+        </p:txBody>
+      </p:sp>
+    </p:spTree>
+  </p:cSld>
+  <p:clrMapOvr>
+    <a:masterClrMapping/>
+  </p:clrMapOvr>
+</p:sld>
+</file>
+
+<file path=ppt/slides/slide133.xml><?xml version="1.0" encoding="utf-8"?>
+<p:sld xmlns:a="http://schemas.openxmlformats.org/drawingml/2006/main" xmlns:p="http://schemas.openxmlformats.org/presentationml/2006/main" xmlns:r="http://schemas.openxmlformats.org/officeDocument/2006/relationships">
+  <p:cSld>
+    <p:spTree>
+      <p:nvGrpSpPr>
+        <p:cNvPr id="1" name=""/>
+        <p:cNvGrpSpPr/>
+        <p:nvPr/>
+      </p:nvGrpSpPr>
+      <p:grpSpPr/>
+      <p:sp>
+        <p:nvSpPr>
+          <p:cNvPr id="2" name="TextBox 1"/>
+          <p:cNvSpPr txBox="1"/>
+          <p:nvPr/>
+        </p:nvSpPr>
+        <p:spPr>
+          <a:xfrm>
+            <a:off x="182880" y="91440"/>
+            <a:ext cx="8778240" cy="365760"/>
+          </a:xfrm>
+          <a:prstGeom prst="rect">
+            <a:avLst/>
+          </a:prstGeom>
+          <a:noFill/>
+        </p:spPr>
+        <p:txBody>
+          <a:bodyPr wrap="none">
+            <a:spAutoFit/>
+          </a:bodyPr>
+          <a:lstStyle/>
+          <a:p>
+            <a:pPr>
+              <a:defRPr sz="1800" b="1"/>
+            </a:pPr>
+            <a:r>
+              <a:t>Table: T_STATISTICS_202602</a:t>
+            </a:r>
+          </a:p>
+        </p:txBody>
+      </p:sp>
+      <p:sp>
+        <p:nvSpPr>
+          <p:cNvPr id="3" name="TextBox 2"/>
+          <p:cNvSpPr txBox="1"/>
+          <p:nvPr/>
+        </p:nvSpPr>
+        <p:spPr>
+          <a:xfrm>
+            <a:off x="182880" y="502920"/>
+            <a:ext cx="8778240" cy="6400800"/>
+          </a:xfrm>
+          <a:prstGeom prst="rect">
+            <a:avLst/>
+          </a:prstGeom>
+          <a:noFill/>
+        </p:spPr>
+        <p:txBody>
+          <a:bodyPr wrap="square">
+            <a:spAutoFit/>
+          </a:bodyPr>
+          <a:lstStyle/>
+          <a:p>
+            <a:pPr>
+              <a:defRPr sz="800">
+                <a:latin typeface="Courier New"/>
+              </a:defRPr>
+            </a:pPr>
+            <a:r>
+              <a:t>CREATE TABLE `T_STATISTICS_202602` (</a:t>
+            </a:r>
+            <a:br/>
+            <a:r>
+              <a:t>  `company_id` int(11) NOT NULL COMMENT '업체id',</a:t>
+            </a:r>
+            <a:br/>
+            <a:r>
+              <a:t>  `s_date` varchar(20) NOT NULL COMMENT 'YYYY-MM-DD',</a:t>
+            </a:r>
+            <a:br/>
+            <a:r>
+              <a:t>  `master_id` int(11) NOT NULL DEFAULT '0' COMMENT '업체 master_id',</a:t>
+            </a:r>
+            <a:br/>
+            <a:r>
+              <a:t>  `called_cnt_fail` int(11) DEFAULT NULL COMMENT '착신 부재중 카운트 , answer_time=0인 값',</a:t>
+            </a:r>
+            <a:br/>
+            <a:r>
+              <a:t>  `called_cnt_succ` int(11) DEFAULT NULL COMMENT '착신 부재중 카운트 , answer_time=0이 아닌 값',</a:t>
+            </a:r>
+            <a:br/>
+            <a:r>
+              <a:t>  `called_time` int(11) DEFAULT NULL COMMENT '착신 통화  분수',</a:t>
+            </a:r>
+            <a:br/>
+            <a:r>
+              <a:t>  `caller_cnt_fail` int(11) DEFAULT NULL COMMENT '발신 부재중 카운트 , answer_time=0인 값',</a:t>
+            </a:r>
+            <a:br/>
+            <a:r>
+              <a:t>  `caller_cnt_succ` int(11) DEFAULT NULL COMMENT '발신 부재중카운트 , answer_time=0이 아닌 값',</a:t>
+            </a:r>
+            <a:br/>
+            <a:r>
+              <a:t>  `caller_time` int(11) DEFAULT NULL COMMENT 'COMMENT 발신 통화분수',</a:t>
+            </a:r>
+            <a:br/>
+            <a:r>
+              <a:t>  `all_call_time` int(11) DEFAULT NULL COMMENT '링시간부터~응답까지 시간',</a:t>
+            </a:r>
+            <a:br/>
+            <a:r>
+              <a:t>  `login_cnt` int(11) DEFAULT '0',</a:t>
+            </a:r>
+            <a:br/>
+            <a:r>
+              <a:t>  `logout_cnt` int(11) DEFAULT '0',</a:t>
+            </a:r>
+            <a:br/>
+            <a:r>
+              <a:t>  `sleep_cnt` int(11) DEFAULT '0',</a:t>
+            </a:r>
+            <a:br/>
+            <a:r>
+              <a:t>  `call_note` varchar(10) DEFAULT NULL,</a:t>
+            </a:r>
+            <a:br/>
+            <a:r>
+              <a:t>  `login_id` varchar(50) NOT NULL,</a:t>
+            </a:r>
+            <a:br/>
+            <a:r>
+              <a:t>  `user_phone` varchar(50) NOT NULL DEFAULT '',</a:t>
+            </a:r>
+            <a:br/>
+            <a:r>
+              <a:t>  `user_name` varchar(30) DEFAULT '' COMMENT '상담원명',</a:t>
+            </a:r>
+            <a:br/>
+            <a:r>
+              <a:t>  PRIMARY KEY (`company_id`,`s_date`,`master_id`,`user_phone`)</a:t>
+            </a:r>
+            <a:br/>
+            <a:r>
+              <a:t>) ENGINE=InnoDB DEFAULT CHARSET=utf8;</a:t>
+            </a:r>
+          </a:p>
+        </p:txBody>
+      </p:sp>
+    </p:spTree>
+  </p:cSld>
+  <p:clrMapOvr>
+    <a:masterClrMapping/>
+  </p:clrMapOvr>
+</p:sld>
+</file>
+
+<file path=ppt/slides/slide134.xml><?xml version="1.0" encoding="utf-8"?>
+<p:sld xmlns:a="http://schemas.openxmlformats.org/drawingml/2006/main" xmlns:p="http://schemas.openxmlformats.org/presentationml/2006/main" xmlns:r="http://schemas.openxmlformats.org/officeDocument/2006/relationships">
+  <p:cSld>
+    <p:spTree>
+      <p:nvGrpSpPr>
+        <p:cNvPr id="1" name=""/>
+        <p:cNvGrpSpPr/>
+        <p:nvPr/>
+      </p:nvGrpSpPr>
+      <p:grpSpPr/>
+      <p:sp>
+        <p:nvSpPr>
+          <p:cNvPr id="2" name="TextBox 1"/>
+          <p:cNvSpPr txBox="1"/>
+          <p:nvPr/>
+        </p:nvSpPr>
+        <p:spPr>
+          <a:xfrm>
+            <a:off x="182880" y="91440"/>
+            <a:ext cx="8778240" cy="365760"/>
+          </a:xfrm>
+          <a:prstGeom prst="rect">
+            <a:avLst/>
+          </a:prstGeom>
+          <a:noFill/>
+        </p:spPr>
+        <p:txBody>
+          <a:bodyPr wrap="none">
+            <a:spAutoFit/>
+          </a:bodyPr>
+          <a:lstStyle/>
+          <a:p>
+            <a:pPr>
+              <a:defRPr sz="1800" b="1"/>
+            </a:pPr>
+            <a:r>
+              <a:t>Table: T_AG_STATUS_HISTORY_202602</a:t>
+            </a:r>
+          </a:p>
+        </p:txBody>
+      </p:sp>
+      <p:sp>
+        <p:nvSpPr>
+          <p:cNvPr id="3" name="TextBox 2"/>
+          <p:cNvSpPr txBox="1"/>
+          <p:nvPr/>
+        </p:nvSpPr>
+        <p:spPr>
+          <a:xfrm>
+            <a:off x="182880" y="502920"/>
+            <a:ext cx="8778240" cy="6400800"/>
+          </a:xfrm>
+          <a:prstGeom prst="rect">
+            <a:avLst/>
+          </a:prstGeom>
+          <a:noFill/>
+        </p:spPr>
+        <p:txBody>
+          <a:bodyPr wrap="square">
+            <a:spAutoFit/>
+          </a:bodyPr>
+          <a:lstStyle/>
+          <a:p>
+            <a:pPr>
+              <a:defRPr sz="800">
+                <a:latin typeface="Courier New"/>
+              </a:defRPr>
+            </a:pPr>
+            <a:r>
+              <a:t>CREATE TABLE `T_AG_STATUS_HISTORY_202602` (</a:t>
+            </a:r>
+            <a:br/>
+            <a:r>
+              <a:t>  `seq` int(11) NOT NULL AUTO_INCREMENT COMMENT 'Auto increment',</a:t>
+            </a:r>
+            <a:br/>
+            <a:r>
+              <a:t>  `master_id` int(11) NOT NULL,</a:t>
+            </a:r>
+            <a:br/>
+            <a:r>
+              <a:t>  `user_name` varchar(20) DEFAULT '' COMMENT '사용자 로그인 이름',</a:t>
+            </a:r>
+            <a:br/>
+            <a:r>
+              <a:t>  `user_extension` varchar(20) DEFAULT '' COMMENT '사용자 내선 전화번호',</a:t>
+            </a:r>
+            <a:br/>
+            <a:r>
+              <a:t>  `user_status` char(1) DEFAULT '' COMMENT 'I:로그인, O:로그아웃, P:휴식중',</a:t>
+            </a:r>
+            <a:br/>
+            <a:r>
+              <a:t>  `save_time` datetime DEFAULT NULL COMMENT '상담원 상태 변경 저장 시간',</a:t>
+            </a:r>
+            <a:br/>
+            <a:r>
+              <a:t>  `checks` char(1) DEFAULT 'N',</a:t>
+            </a:r>
+            <a:br/>
+            <a:r>
+              <a:t>  PRIMARY KEY (`seq`) USING BTREE</a:t>
+            </a:r>
+            <a:br/>
+            <a:r>
+              <a:t>) ENGINE=InnoDB DEFAULT CHARSET=utf8 COMMENT='상담원 상태 history 월별 table';</a:t>
+            </a:r>
+          </a:p>
+        </p:txBody>
+      </p:sp>
+    </p:spTree>
+  </p:cSld>
+  <p:clrMapOvr>
+    <a:masterClrMapping/>
+  </p:clrMapOvr>
+</p:sld>
+</file>
+
+<file path=ppt/slides/slide135.xml><?xml version="1.0" encoding="utf-8"?>
+<p:sld xmlns:a="http://schemas.openxmlformats.org/drawingml/2006/main" xmlns:p="http://schemas.openxmlformats.org/presentationml/2006/main" xmlns:r="http://schemas.openxmlformats.org/officeDocument/2006/relationships">
+  <p:cSld>
+    <p:spTree>
+      <p:nvGrpSpPr>
+        <p:cNvPr id="1" name=""/>
+        <p:cNvGrpSpPr/>
+        <p:nvPr/>
+      </p:nvGrpSpPr>
+      <p:grpSpPr/>
+      <p:sp>
+        <p:nvSpPr>
+          <p:cNvPr id="2" name="TextBox 1"/>
+          <p:cNvSpPr txBox="1"/>
+          <p:nvPr/>
+        </p:nvSpPr>
+        <p:spPr>
+          <a:xfrm>
+            <a:off x="182880" y="91440"/>
+            <a:ext cx="8778240" cy="365760"/>
+          </a:xfrm>
+          <a:prstGeom prst="rect">
+            <a:avLst/>
+          </a:prstGeom>
+          <a:noFill/>
+        </p:spPr>
+        <p:txBody>
+          <a:bodyPr wrap="none">
+            <a:spAutoFit/>
+          </a:bodyPr>
+          <a:lstStyle/>
+          <a:p>
+            <a:pPr>
+              <a:defRPr sz="1800" b="1"/>
+            </a:pPr>
+            <a:r>
+              <a:t>Table: T_DAY_LOGIN_HISTORY_202602</a:t>
+            </a:r>
+          </a:p>
+        </p:txBody>
+      </p:sp>
+      <p:sp>
+        <p:nvSpPr>
+          <p:cNvPr id="3" name="TextBox 2"/>
+          <p:cNvSpPr txBox="1"/>
+          <p:nvPr/>
+        </p:nvSpPr>
+        <p:spPr>
+          <a:xfrm>
+            <a:off x="182880" y="502920"/>
+            <a:ext cx="8778240" cy="6400800"/>
+          </a:xfrm>
+          <a:prstGeom prst="rect">
+            <a:avLst/>
+          </a:prstGeom>
+          <a:noFill/>
+        </p:spPr>
+        <p:txBody>
+          <a:bodyPr wrap="square">
+            <a:spAutoFit/>
+          </a:bodyPr>
+          <a:lstStyle/>
+          <a:p>
+            <a:pPr>
+              <a:defRPr sz="800">
+                <a:latin typeface="Courier New"/>
+              </a:defRPr>
+            </a:pPr>
+            <a:r>
+              <a:t>CREATE TABLE `T_DAY_LOGIN_HISTORY_202602` (</a:t>
+            </a:r>
+            <a:br/>
+            <a:r>
+              <a:t>  `seq` int(11) NOT NULL AUTO_INCREMENT COMMENT 'Auto increment',</a:t>
+            </a:r>
+            <a:br/>
+            <a:r>
+              <a:t>  `master_id` int(11) NOT NULL,</a:t>
+            </a:r>
+            <a:br/>
+            <a:r>
+              <a:t>  `user_name` varchar(20) DEFAULT '' COMMENT '사용자 로그인 이름',</a:t>
+            </a:r>
+            <a:br/>
+            <a:r>
+              <a:t>  `user_extension` varchar(20) DEFAULT '' COMMENT '사용자 내선 전화번호',</a:t>
+            </a:r>
+            <a:br/>
+            <a:r>
+              <a:t>  `login_time` datetime DEFAULT NULL COMMENT '상담원 로그인 시간',</a:t>
+            </a:r>
+            <a:br/>
+            <a:r>
+              <a:t>  `logout_time` datetime DEFAULT NULL COMMENT '상담원 로그아웃 시간',</a:t>
+            </a:r>
+            <a:br/>
+            <a:r>
+              <a:t>  `work_time` int(11) DEFAULT '0' COMMENT '상담원 근무 시간',</a:t>
+            </a:r>
+            <a:br/>
+            <a:r>
+              <a:t>  `incall_tot_cnt` int(11) DEFAULT '0' COMMENT '상담원 총 수신콜 갯수',</a:t>
+            </a:r>
+            <a:br/>
+            <a:r>
+              <a:t>  `noans_call_cnt` int(11) DEFAULT '0' COMMENT '상담원 부재중 콜 갯수',</a:t>
+            </a:r>
+            <a:br/>
+            <a:r>
+              <a:t>  `user_ip` varchar(20) DEFAULT '' COMMENT '사용자 로그인 IP',</a:t>
+            </a:r>
+            <a:br/>
+            <a:r>
+              <a:t>  PRIMARY KEY (`seq`) USING BTREE</a:t>
+            </a:r>
+            <a:br/>
+            <a:r>
+              <a:t>) ENGINE=InnoDB DEFAULT CHARSET=utf8 COMMENT='상담원 로그인 history 월별 table';</a:t>
+            </a:r>
+          </a:p>
+        </p:txBody>
+      </p:sp>
+    </p:spTree>
+  </p:cSld>
+  <p:clrMapOvr>
+    <a:masterClrMapping/>
+  </p:clrMapOvr>
+</p:sld>
+</file>
+
+<file path=ppt/slides/slide136.xml><?xml version="1.0" encoding="utf-8"?>
+<p:sld xmlns:a="http://schemas.openxmlformats.org/drawingml/2006/main" xmlns:p="http://schemas.openxmlformats.org/presentationml/2006/main" xmlns:r="http://schemas.openxmlformats.org/officeDocument/2006/relationships">
+  <p:cSld>
+    <p:spTree>
+      <p:nvGrpSpPr>
+        <p:cNvPr id="1" name=""/>
+        <p:cNvGrpSpPr/>
+        <p:nvPr/>
+      </p:nvGrpSpPr>
+      <p:grpSpPr/>
+      <p:sp>
+        <p:nvSpPr>
+          <p:cNvPr id="2" name="TextBox 1"/>
+          <p:cNvSpPr txBox="1"/>
+          <p:nvPr/>
+        </p:nvSpPr>
+        <p:spPr>
+          <a:xfrm>
+            <a:off x="182880" y="91440"/>
+            <a:ext cx="8778240" cy="365760"/>
+          </a:xfrm>
+          <a:prstGeom prst="rect">
+            <a:avLst/>
+          </a:prstGeom>
+          <a:noFill/>
+        </p:spPr>
+        <p:txBody>
+          <a:bodyPr wrap="none">
+            <a:spAutoFit/>
+          </a:bodyPr>
+          <a:lstStyle/>
+          <a:p>
+            <a:pPr>
+              <a:defRPr sz="1800" b="1"/>
+            </a:pPr>
+            <a:r>
+              <a:t>Table: T_SVCC_HISTORY_202602</a:t>
+            </a:r>
+          </a:p>
+        </p:txBody>
+      </p:sp>
+      <p:sp>
+        <p:nvSpPr>
+          <p:cNvPr id="3" name="TextBox 2"/>
+          <p:cNvSpPr txBox="1"/>
+          <p:nvPr/>
+        </p:nvSpPr>
+        <p:spPr>
+          <a:xfrm>
+            <a:off x="182880" y="502920"/>
+            <a:ext cx="8778240" cy="6400800"/>
+          </a:xfrm>
+          <a:prstGeom prst="rect">
+            <a:avLst/>
+          </a:prstGeom>
+          <a:noFill/>
+        </p:spPr>
+        <p:txBody>
+          <a:bodyPr wrap="square">
+            <a:spAutoFit/>
+          </a:bodyPr>
+          <a:lstStyle/>
+          <a:p>
+            <a:pPr>
+              <a:defRPr sz="800">
+                <a:latin typeface="Courier New"/>
+              </a:defRPr>
+            </a:pPr>
+            <a:r>
+              <a:t>CREATE TABLE `T_SVCC_HISTORY_202602` (</a:t>
+            </a:r>
+            <a:br/>
+            <a:r>
+              <a:t>  `seq` int(11) NOT NULL AUTO_INCREMENT COMMENT 'Auto increment',</a:t>
+            </a:r>
+            <a:br/>
+            <a:r>
+              <a:t>  `company_id` int(11) NOT NULL,</a:t>
+            </a:r>
+            <a:br/>
+            <a:r>
+              <a:t>  `company_did` varchar(20) NOT NULL COMMENT '사용자 로그인 ID',</a:t>
+            </a:r>
+            <a:br/>
+            <a:r>
+              <a:t>  `caller` varchar(20) NOT NULL COMMENT '발신 번호',</a:t>
+            </a:r>
+            <a:br/>
+            <a:r>
+              <a:t>  `called` varchar(20) NOT NULL COMMENT '착신 번호',</a:t>
+            </a:r>
+            <a:br/>
+            <a:r>
+              <a:t>  `call_direction` char(1) DEFAULT NULL COMMENT '''O'' 아웃바운드, ''I'' 인바운드',</a:t>
+            </a:r>
+            <a:br/>
+            <a:r>
+              <a:t>  `svc_type` char(1) DEFAULT NULL COMMENT '1 : DID 기준 착신,2 : 수신전환( DB Routing ),3 : 크로스콜 미 운영 시간 착신,4 : 크로스콜 운영 시간 착신,5 : 크로스콜 피크 시간 착신,6:크로스콜 미설정(Q로호전달),7:ARS콜,8:VIP콜,9:Blackist콜',</a:t>
+            </a:r>
+            <a:br/>
+            <a:r>
+              <a:t>  `start_time` varchar(20) DEFAULT NULL COMMENT '통화 시작 시간',</a:t>
+            </a:r>
+            <a:br/>
+            <a:r>
+              <a:t>  `ring_time` varchar(20) DEFAULT NULL COMMENT 'ring 울리기 시작한 시간',</a:t>
+            </a:r>
+            <a:br/>
+            <a:r>
+              <a:t>  `answer_time` varchar(20) DEFAULT NULL COMMENT '통화 연결 시간',</a:t>
+            </a:r>
+            <a:br/>
+            <a:r>
+              <a:t>  `end_time` varchar(20) DEFAULT NULL COMMENT '통화 종료 시간',</a:t>
+            </a:r>
+            <a:br/>
+            <a:r>
+              <a:t>  `call_id` varchar(64) DEFAULT NULL COMMENT 'call id',</a:t>
+            </a:r>
+            <a:br/>
+            <a:r>
+              <a:t>  `call_result` char(1) DEFAULT NULL COMMENT '통화 종료 result''N'' 정상 종료''F'' 응답 없음''B'' Busy''C'' Cancel''A'' Abnormal',</a:t>
+            </a:r>
+            <a:br/>
+            <a:r>
+              <a:t>  `checks` char(1) DEFAULT 'N',</a:t>
+            </a:r>
+            <a:br/>
+            <a:r>
+              <a:t>  `phone_hold_time` int(11) DEFAULT NULL COMMENT 'hold ( ring ) 울리는 시간',</a:t>
+            </a:r>
+            <a:br/>
+            <a:r>
+              <a:t>  `master_id` int(11) DEFAULT '0',</a:t>
+            </a:r>
+            <a:br/>
+            <a:r>
+              <a:t>  PRIMARY KEY (`seq`)</a:t>
+            </a:r>
+            <a:br/>
+            <a:r>
+              <a:t>) ENGINE=InnoDB AUTO_INCREMENT=32 DEFAULT CHARSET=utf8 COMMENT='service call history 월별 table';</a:t>
+            </a:r>
+          </a:p>
+        </p:txBody>
+      </p:sp>
+    </p:spTree>
+  </p:cSld>
+  <p:clrMapOvr>
+    <a:masterClrMapping/>
+  </p:clrMapOvr>
+</p:sld>
+</file>
+
+<file path=ppt/slides/slide137.xml><?xml version="1.0" encoding="utf-8"?>
+<p:sld xmlns:a="http://schemas.openxmlformats.org/drawingml/2006/main" xmlns:p="http://schemas.openxmlformats.org/presentationml/2006/main" xmlns:r="http://schemas.openxmlformats.org/officeDocument/2006/relationships">
+  <p:cSld>
+    <p:spTree>
+      <p:nvGrpSpPr>
+        <p:cNvPr id="1" name=""/>
+        <p:cNvGrpSpPr/>
+        <p:nvPr/>
+      </p:nvGrpSpPr>
+      <p:grpSpPr/>
+      <p:sp>
+        <p:nvSpPr>
+          <p:cNvPr id="2" name="TextBox 1"/>
+          <p:cNvSpPr txBox="1"/>
+          <p:nvPr/>
+        </p:nvSpPr>
+        <p:spPr>
+          <a:xfrm>
+            <a:off x="182880" y="91440"/>
+            <a:ext cx="8778240" cy="365760"/>
+          </a:xfrm>
+          <a:prstGeom prst="rect">
+            <a:avLst/>
+          </a:prstGeom>
+          <a:noFill/>
+        </p:spPr>
+        <p:txBody>
+          <a:bodyPr wrap="none">
+            <a:spAutoFit/>
+          </a:bodyPr>
+          <a:lstStyle/>
+          <a:p>
+            <a:pPr>
+              <a:defRPr sz="1800" b="1"/>
+            </a:pPr>
+            <a:r>
+              <a:t>Table: T_SVCC_STATISTICS_202602</a:t>
+            </a:r>
+          </a:p>
+        </p:txBody>
+      </p:sp>
+      <p:sp>
+        <p:nvSpPr>
+          <p:cNvPr id="3" name="TextBox 2"/>
+          <p:cNvSpPr txBox="1"/>
+          <p:nvPr/>
+        </p:nvSpPr>
+        <p:spPr>
+          <a:xfrm>
+            <a:off x="182880" y="502920"/>
+            <a:ext cx="8778240" cy="6400800"/>
+          </a:xfrm>
+          <a:prstGeom prst="rect">
+            <a:avLst/>
+          </a:prstGeom>
+          <a:noFill/>
+        </p:spPr>
+        <p:txBody>
+          <a:bodyPr wrap="square">
+            <a:spAutoFit/>
+          </a:bodyPr>
+          <a:lstStyle/>
+          <a:p>
+            <a:pPr>
+              <a:defRPr sz="800">
+                <a:latin typeface="Courier New"/>
+              </a:defRPr>
+            </a:pPr>
+            <a:r>
+              <a:t>CREATE TABLE `T_SVCC_STATISTICS_202602` (</a:t>
+            </a:r>
+            <a:br/>
+            <a:r>
+              <a:t>  `company_id` int(11) NOT NULL,</a:t>
+            </a:r>
+            <a:br/>
+            <a:r>
+              <a:t>  `company_did` varchar(20) NOT NULL,</a:t>
+            </a:r>
+            <a:br/>
+            <a:r>
+              <a:t>  `s_date` varchar(20) NOT NULL,</a:t>
+            </a:r>
+            <a:br/>
+            <a:r>
+              <a:t>  `svc_did_rt_cnt` int(11) DEFAULT NULL,</a:t>
+            </a:r>
+            <a:br/>
+            <a:r>
+              <a:t>  `svc_db_rt_cnt` int(11) DEFAULT NULL,</a:t>
+            </a:r>
+            <a:br/>
+            <a:r>
+              <a:t>  `svc_cc_end_cnt` int(11) DEFAULT NULL,</a:t>
+            </a:r>
+            <a:br/>
+            <a:r>
+              <a:t>  `svc_cc_work_cnt` int(11) DEFAULT NULL,</a:t>
+            </a:r>
+            <a:br/>
+            <a:r>
+              <a:t>  `svc_cc_peak_cnt` int(11) DEFAULT NULL,</a:t>
+            </a:r>
+            <a:br/>
+            <a:r>
+              <a:t>  `svc_cc_q_cnt` int(11) DEFAULT NULL,</a:t>
+            </a:r>
+            <a:br/>
+            <a:r>
+              <a:t>  PRIMARY KEY (`company_id`,`s_date`)</a:t>
+            </a:r>
+            <a:br/>
+            <a:r>
+              <a:t>) ENGINE=InnoDB DEFAULT CHARSET=utf8;</a:t>
+            </a:r>
+          </a:p>
+        </p:txBody>
+      </p:sp>
     </p:spTree>
   </p:cSld>
   <p:clrMapOvr>
@@ -30426,6 +35607,2019 @@
 </p:sld>
 </file>
 
+<file path=ppt/slides/slide85.xml><?xml version="1.0" encoding="utf-8"?>
+<p:sld xmlns:a="http://schemas.openxmlformats.org/drawingml/2006/main" xmlns:p="http://schemas.openxmlformats.org/presentationml/2006/main" xmlns:r="http://schemas.openxmlformats.org/officeDocument/2006/relationships">
+  <p:cSld>
+    <p:spTree>
+      <p:nvGrpSpPr>
+        <p:cNvPr id="1" name=""/>
+        <p:cNvGrpSpPr/>
+        <p:nvPr/>
+      </p:nvGrpSpPr>
+      <p:grpSpPr/>
+      <p:sp>
+        <p:nvSpPr>
+          <p:cNvPr id="2" name="TextBox 1"/>
+          <p:cNvSpPr txBox="1"/>
+          <p:nvPr/>
+        </p:nvSpPr>
+        <p:spPr>
+          <a:xfrm>
+            <a:off x="457200" y="2743200"/>
+            <a:ext cx="8229600" cy="914400"/>
+          </a:xfrm>
+          <a:prstGeom prst="rect">
+            <a:avLst/>
+          </a:prstGeom>
+          <a:noFill/>
+        </p:spPr>
+        <p:txBody>
+          <a:bodyPr wrap="none">
+            <a:spAutoFit/>
+          </a:bodyPr>
+          <a:lstStyle/>
+          <a:p>
+            <a:pPr algn="ctr">
+              <a:defRPr sz="3600" b="1"/>
+            </a:pPr>
+            <a:r>
+              <a:t>LOGI Database 전체 스키마</a:t>
+            </a:r>
+          </a:p>
+        </p:txBody>
+      </p:sp>
+    </p:spTree>
+  </p:cSld>
+  <p:clrMapOvr>
+    <a:masterClrMapping/>
+  </p:clrMapOvr>
+</p:sld>
+</file>
+
+<file path=ppt/slides/slide86.xml><?xml version="1.0" encoding="utf-8"?>
+<p:sld xmlns:a="http://schemas.openxmlformats.org/drawingml/2006/main" xmlns:p="http://schemas.openxmlformats.org/presentationml/2006/main" xmlns:r="http://schemas.openxmlformats.org/officeDocument/2006/relationships">
+  <p:cSld>
+    <p:spTree>
+      <p:nvGrpSpPr>
+        <p:cNvPr id="1" name=""/>
+        <p:cNvGrpSpPr/>
+        <p:nvPr/>
+      </p:nvGrpSpPr>
+      <p:grpSpPr/>
+      <p:sp>
+        <p:nvSpPr>
+          <p:cNvPr id="2" name="TextBox 1"/>
+          <p:cNvSpPr txBox="1"/>
+          <p:nvPr/>
+        </p:nvSpPr>
+        <p:spPr>
+          <a:xfrm>
+            <a:off x="274320" y="182880"/>
+            <a:ext cx="8595360" cy="457200"/>
+          </a:xfrm>
+          <a:prstGeom prst="rect">
+            <a:avLst/>
+          </a:prstGeom>
+          <a:noFill/>
+        </p:spPr>
+        <p:txBody>
+          <a:bodyPr wrap="none">
+            <a:spAutoFit/>
+          </a:bodyPr>
+          <a:lstStyle/>
+          <a:p>
+            <a:pPr>
+              <a:defRPr sz="2000" b="1"/>
+            </a:pPr>
+            <a:r>
+              <a:t>핵심 테이블 목록 (1/3)</a:t>
+            </a:r>
+          </a:p>
+        </p:txBody>
+      </p:sp>
+      <p:graphicFrame>
+        <p:nvGraphicFramePr>
+          <p:cNvPr id="3" name="Table 2"/>
+          <p:cNvGraphicFramePr>
+            <a:graphicFrameLocks noGrp="1"/>
+          </p:cNvGraphicFramePr>
+          <p:nvPr/>
+        </p:nvGraphicFramePr>
+        <p:xfrm>
+          <a:off x="274320" y="685800"/>
+          <a:ext cx="8595360" cy="5760720"/>
+        </p:xfrm>
+        <a:graphic>
+          <a:graphicData uri="http://schemas.openxmlformats.org/drawingml/2006/table">
+            <a:tbl>
+              <a:tblPr firstRow="1" bandRow="1">
+                <a:tableStyleId>{5C22544A-7EE6-4342-B048-85BDC9FD1C3A}</a:tableStyleId>
+              </a:tblPr>
+              <a:tblGrid>
+                <a:gridCol w="2926080"/>
+                <a:gridCol w="5669280"/>
+              </a:tblGrid>
+              <a:tr h="320040">
+                <a:tc>
+                  <a:txBody>
+                    <a:bodyPr/>
+                    <a:lstStyle/>
+                    <a:p>
+                      <a:pPr>
+                        <a:defRPr b="1" sz="1000"/>
+                      </a:pPr>
+                      <a:r>
+                        <a:t>테이블명</a:t>
+                      </a:r>
+                    </a:p>
+                  </a:txBody>
+                  <a:tcPr/>
+                </a:tc>
+                <a:tc>
+                  <a:txBody>
+                    <a:bodyPr/>
+                    <a:lstStyle/>
+                    <a:p>
+                      <a:pPr>
+                        <a:defRPr b="1" sz="1000"/>
+                      </a:pPr>
+                      <a:r>
+                        <a:t>설명</a:t>
+                      </a:r>
+                    </a:p>
+                  </a:txBody>
+                  <a:tcPr/>
+                </a:tc>
+              </a:tr>
+              <a:tr h="320040">
+                <a:tc>
+                  <a:txBody>
+                    <a:bodyPr/>
+                    <a:lstStyle/>
+                    <a:p>
+                      <a:pPr>
+                        <a:defRPr sz="900"/>
+                      </a:pPr>
+                      <a:r>
+                        <a:t>T_PBX_CONFIG</a:t>
+                      </a:r>
+                    </a:p>
+                  </a:txBody>
+                  <a:tcPr/>
+                </a:tc>
+                <a:tc>
+                  <a:txBody>
+                    <a:bodyPr/>
+                    <a:lstStyle/>
+                    <a:p>
+                      <a:pPr>
+                        <a:defRPr sz="900"/>
+                      </a:pPr>
+                      <a:r>
+                        <a:t>PBX 장비 설정 (IP 기반 이중화 지원)</a:t>
+                      </a:r>
+                    </a:p>
+                  </a:txBody>
+                  <a:tcPr/>
+                </a:tc>
+              </a:tr>
+              <a:tr h="320040">
+                <a:tc>
+                  <a:txBody>
+                    <a:bodyPr/>
+                    <a:lstStyle/>
+                    <a:p>
+                      <a:pPr>
+                        <a:defRPr sz="900"/>
+                      </a:pPr>
+                      <a:r>
+                        <a:t>T_PBX</a:t>
+                      </a:r>
+                    </a:p>
+                  </a:txBody>
+                  <a:tcPr/>
+                </a:tc>
+                <a:tc>
+                  <a:txBody>
+                    <a:bodyPr/>
+                    <a:lstStyle/>
+                    <a:p>
+                      <a:pPr>
+                        <a:defRPr sz="900"/>
+                      </a:pPr>
+                      <a:r>
+                        <a:t>PBX(교환기) 정보 관리 테이블</a:t>
+                      </a:r>
+                    </a:p>
+                  </a:txBody>
+                  <a:tcPr/>
+                </a:tc>
+              </a:tr>
+              <a:tr h="320040">
+                <a:tc>
+                  <a:txBody>
+                    <a:bodyPr/>
+                    <a:lstStyle/>
+                    <a:p>
+                      <a:pPr>
+                        <a:defRPr sz="900"/>
+                      </a:pPr>
+                      <a:r>
+                        <a:t>T_COMPANY</a:t>
+                      </a:r>
+                    </a:p>
+                  </a:txBody>
+                  <a:tcPr/>
+                </a:tc>
+                <a:tc>
+                  <a:txBody>
+                    <a:bodyPr/>
+                    <a:lstStyle/>
+                    <a:p>
+                      <a:pPr>
+                        <a:defRPr sz="900"/>
+                      </a:pPr>
+                      <a:r>
+                        <a:t>회사 정보 (마스터/본사/지점)</a:t>
+                      </a:r>
+                    </a:p>
+                  </a:txBody>
+                  <a:tcPr/>
+                </a:tc>
+              </a:tr>
+              <a:tr h="320040">
+                <a:tc>
+                  <a:txBody>
+                    <a:bodyPr/>
+                    <a:lstStyle/>
+                    <a:p>
+                      <a:pPr>
+                        <a:defRPr sz="900"/>
+                      </a:pPr>
+                      <a:r>
+                        <a:t>T_QUEUE</a:t>
+                      </a:r>
+                    </a:p>
+                  </a:txBody>
+                  <a:tcPr/>
+                </a:tc>
+                <a:tc>
+                  <a:txBody>
+                    <a:bodyPr/>
+                    <a:lstStyle/>
+                    <a:p>
+                      <a:pPr>
+                        <a:defRPr sz="900"/>
+                      </a:pPr>
+                      <a:r>
+                        <a:t>큐 정보 관리</a:t>
+                      </a:r>
+                    </a:p>
+                  </a:txBody>
+                  <a:tcPr/>
+                </a:tc>
+              </a:tr>
+              <a:tr h="320040">
+                <a:tc>
+                  <a:txBody>
+                    <a:bodyPr/>
+                    <a:lstStyle/>
+                    <a:p>
+                      <a:pPr>
+                        <a:defRPr sz="900"/>
+                      </a:pPr>
+                      <a:r>
+                        <a:t>T_Q_EXTENSION</a:t>
+                      </a:r>
+                    </a:p>
+                  </a:txBody>
+                  <a:tcPr/>
+                </a:tc>
+                <a:tc>
+                  <a:txBody>
+                    <a:bodyPr/>
+                    <a:lstStyle/>
+                    <a:p>
+                      <a:pPr>
+                        <a:defRPr sz="900"/>
+                      </a:pPr>
+                      <a:r>
+                        <a:t>큐별 내선 매핑</a:t>
+                      </a:r>
+                    </a:p>
+                  </a:txBody>
+                  <a:tcPr/>
+                </a:tc>
+              </a:tr>
+              <a:tr h="320040">
+                <a:tc>
+                  <a:txBody>
+                    <a:bodyPr/>
+                    <a:lstStyle/>
+                    <a:p>
+                      <a:pPr>
+                        <a:defRPr sz="900"/>
+                      </a:pPr>
+                      <a:r>
+                        <a:t>T_Q_COMPANY</a:t>
+                      </a:r>
+                    </a:p>
+                  </a:txBody>
+                  <a:tcPr/>
+                </a:tc>
+                <a:tc>
+                  <a:txBody>
+                    <a:bodyPr/>
+                    <a:lstStyle/>
+                    <a:p>
+                      <a:pPr>
+                        <a:defRPr sz="900"/>
+                      </a:pPr>
+                      <a:r>
+                        <a:t>큐별 회사 매핑</a:t>
+                      </a:r>
+                    </a:p>
+                  </a:txBody>
+                  <a:tcPr/>
+                </a:tc>
+              </a:tr>
+              <a:tr h="320040">
+                <a:tc>
+                  <a:txBody>
+                    <a:bodyPr/>
+                    <a:lstStyle/>
+                    <a:p>
+                      <a:pPr>
+                        <a:defRPr sz="900"/>
+                      </a:pPr>
+                      <a:r>
+                        <a:t>T_Q_GROUP</a:t>
+                      </a:r>
+                    </a:p>
+                  </a:txBody>
+                  <a:tcPr/>
+                </a:tc>
+                <a:tc>
+                  <a:txBody>
+                    <a:bodyPr/>
+                    <a:lstStyle/>
+                    <a:p>
+                      <a:pPr>
+                        <a:defRPr sz="900"/>
+                      </a:pPr>
+                      <a:r>
+                        <a:t>큐 그룹 관리</a:t>
+                      </a:r>
+                    </a:p>
+                  </a:txBody>
+                  <a:tcPr/>
+                </a:tc>
+              </a:tr>
+              <a:tr h="320040">
+                <a:tc>
+                  <a:txBody>
+                    <a:bodyPr/>
+                    <a:lstStyle/>
+                    <a:p>
+                      <a:pPr>
+                        <a:defRPr sz="900"/>
+                      </a:pPr>
+                      <a:r>
+                        <a:t>T_EXTENSION</a:t>
+                      </a:r>
+                    </a:p>
+                  </a:txBody>
+                  <a:tcPr/>
+                </a:tc>
+                <a:tc>
+                  <a:txBody>
+                    <a:bodyPr/>
+                    <a:lstStyle/>
+                    <a:p>
+                      <a:pPr>
+                        <a:defRPr sz="900"/>
+                      </a:pPr>
+                      <a:r>
+                        <a:t>내선 정보</a:t>
+                      </a:r>
+                    </a:p>
+                  </a:txBody>
+                  <a:tcPr/>
+                </a:tc>
+              </a:tr>
+              <a:tr h="320040">
+                <a:tc>
+                  <a:txBody>
+                    <a:bodyPr/>
+                    <a:lstStyle/>
+                    <a:p>
+                      <a:pPr>
+                        <a:defRPr sz="900"/>
+                      </a:pPr>
+                      <a:r>
+                        <a:t>T_CUSTOMER</a:t>
+                      </a:r>
+                    </a:p>
+                  </a:txBody>
+                  <a:tcPr/>
+                </a:tc>
+                <a:tc>
+                  <a:txBody>
+                    <a:bodyPr/>
+                    <a:lstStyle/>
+                    <a:p>
+                      <a:pPr>
+                        <a:defRPr sz="900"/>
+                      </a:pPr>
+                      <a:r>
+                        <a:t>고객 정보</a:t>
+                      </a:r>
+                    </a:p>
+                  </a:txBody>
+                  <a:tcPr/>
+                </a:tc>
+              </a:tr>
+              <a:tr h="320040">
+                <a:tc>
+                  <a:txBody>
+                    <a:bodyPr/>
+                    <a:lstStyle/>
+                    <a:p>
+                      <a:pPr>
+                        <a:defRPr sz="900"/>
+                      </a:pPr>
+                      <a:r>
+                        <a:t>T_MY_TRANSFER_CALL</a:t>
+                      </a:r>
+                    </a:p>
+                  </a:txBody>
+                  <a:tcPr/>
+                </a:tc>
+                <a:tc>
+                  <a:txBody>
+                    <a:bodyPr/>
+                    <a:lstStyle/>
+                    <a:p>
+                      <a:pPr>
+                        <a:defRPr sz="900"/>
+                      </a:pPr>
+                      <a:r>
+                        <a:t>WORK 시간대 전환 설정 (직접착신)</a:t>
+                      </a:r>
+                    </a:p>
+                  </a:txBody>
+                  <a:tcPr/>
+                </a:tc>
+              </a:tr>
+              <a:tr h="320040">
+                <a:tc>
+                  <a:txBody>
+                    <a:bodyPr/>
+                    <a:lstStyle/>
+                    <a:p>
+                      <a:pPr>
+                        <a:defRPr sz="900"/>
+                      </a:pPr>
+                      <a:r>
+                        <a:t>T_SEQUENCE_TRANSFER_CALL</a:t>
+                      </a:r>
+                    </a:p>
+                  </a:txBody>
+                  <a:tcPr/>
+                </a:tc>
+                <a:tc>
+                  <a:txBody>
+                    <a:bodyPr/>
+                    <a:lstStyle/>
+                    <a:p>
+                      <a:pPr>
+                        <a:defRPr sz="900"/>
+                      </a:pPr>
+                      <a:r>
+                        <a:t>PEAK 시간대 전환 설정 (순차착신)</a:t>
+                      </a:r>
+                    </a:p>
+                  </a:txBody>
+                  <a:tcPr/>
+                </a:tc>
+              </a:tr>
+              <a:tr h="320040">
+                <a:tc>
+                  <a:txBody>
+                    <a:bodyPr/>
+                    <a:lstStyle/>
+                    <a:p>
+                      <a:pPr>
+                        <a:defRPr sz="900"/>
+                      </a:pPr>
+                      <a:r>
+                        <a:t>T_DIRECT_TRANSFER_CALL</a:t>
+                      </a:r>
+                    </a:p>
+                  </a:txBody>
+                  <a:tcPr/>
+                </a:tc>
+                <a:tc>
+                  <a:txBody>
+                    <a:bodyPr/>
+                    <a:lstStyle/>
+                    <a:p>
+                      <a:pPr>
+                        <a:defRPr sz="900"/>
+                      </a:pPr>
+                      <a:r>
+                        <a:t>END 시간대 전환 설정</a:t>
+                      </a:r>
+                    </a:p>
+                  </a:txBody>
+                  <a:tcPr/>
+                </a:tc>
+              </a:tr>
+              <a:tr h="320040">
+                <a:tc>
+                  <a:txBody>
+                    <a:bodyPr/>
+                    <a:lstStyle/>
+                    <a:p>
+                      <a:pPr>
+                        <a:defRPr sz="900"/>
+                      </a:pPr>
+                      <a:r>
+                        <a:t>T_SET_MY</a:t>
+                      </a:r>
+                    </a:p>
+                  </a:txBody>
+                  <a:tcPr/>
+                </a:tc>
+                <a:tc>
+                  <a:txBody>
+                    <a:bodyPr/>
+                    <a:lstStyle/>
+                    <a:p>
+                      <a:pPr>
+                        <a:defRPr sz="900"/>
+                      </a:pPr>
+                      <a:r>
+                        <a:t>MY 전환 옵션 설정</a:t>
+                      </a:r>
+                    </a:p>
+                  </a:txBody>
+                  <a:tcPr/>
+                </a:tc>
+              </a:tr>
+              <a:tr h="320040">
+                <a:tc>
+                  <a:txBody>
+                    <a:bodyPr/>
+                    <a:lstStyle/>
+                    <a:p>
+                      <a:pPr>
+                        <a:defRPr sz="900"/>
+                      </a:pPr>
+                      <a:r>
+                        <a:t>T_SET_SEQUENCE</a:t>
+                      </a:r>
+                    </a:p>
+                  </a:txBody>
+                  <a:tcPr/>
+                </a:tc>
+                <a:tc>
+                  <a:txBody>
+                    <a:bodyPr/>
+                    <a:lstStyle/>
+                    <a:p>
+                      <a:pPr>
+                        <a:defRPr sz="900"/>
+                      </a:pPr>
+                      <a:r>
+                        <a:t>SEQUENCE 전환 옵션 설정</a:t>
+                      </a:r>
+                    </a:p>
+                  </a:txBody>
+                  <a:tcPr/>
+                </a:tc>
+              </a:tr>
+              <a:tr h="320040">
+                <a:tc>
+                  <a:txBody>
+                    <a:bodyPr/>
+                    <a:lstStyle/>
+                    <a:p>
+                      <a:pPr>
+                        <a:defRPr sz="900"/>
+                      </a:pPr>
+                      <a:r>
+                        <a:t>T_SET_DIRECT</a:t>
+                      </a:r>
+                    </a:p>
+                  </a:txBody>
+                  <a:tcPr/>
+                </a:tc>
+                <a:tc>
+                  <a:txBody>
+                    <a:bodyPr/>
+                    <a:lstStyle/>
+                    <a:p>
+                      <a:pPr>
+                        <a:defRPr sz="900"/>
+                      </a:pPr>
+                      <a:r>
+                        <a:t>DIRECT 전환 옵션 설정</a:t>
+                      </a:r>
+                    </a:p>
+                  </a:txBody>
+                  <a:tcPr/>
+                </a:tc>
+              </a:tr>
+              <a:tr h="320040">
+                <a:tc>
+                  <a:txBody>
+                    <a:bodyPr/>
+                    <a:lstStyle/>
+                    <a:p>
+                      <a:pPr>
+                        <a:defRPr sz="900"/>
+                      </a:pPr>
+                      <a:r>
+                        <a:t>T_CC_WORKDAY_INFO</a:t>
+                      </a:r>
+                    </a:p>
+                  </a:txBody>
+                  <a:tcPr/>
+                </a:tc>
+                <a:tc>
+                  <a:txBody>
+                    <a:bodyPr/>
+                    <a:lstStyle/>
+                    <a:p>
+                      <a:pPr>
+                        <a:defRPr sz="900"/>
+                      </a:pPr>
+                      <a:r>
+                        <a:t>크로스콜 근무시간 설정</a:t>
+                      </a:r>
+                    </a:p>
+                  </a:txBody>
+                  <a:tcPr/>
+                </a:tc>
+              </a:tr>
+              <a:tr h="320040">
+                <a:tc>
+                  <a:txBody>
+                    <a:bodyPr/>
+                    <a:lstStyle/>
+                    <a:p>
+                      <a:pPr>
+                        <a:defRPr sz="900"/>
+                      </a:pPr>
+                      <a:r>
+                        <a:t>T_WORKDAY_INFO</a:t>
+                      </a:r>
+                    </a:p>
+                  </a:txBody>
+                  <a:tcPr/>
+                </a:tc>
+                <a:tc>
+                  <a:txBody>
+                    <a:bodyPr/>
+                    <a:lstStyle/>
+                    <a:p>
+                      <a:pPr>
+                        <a:defRPr sz="900"/>
+                      </a:pPr>
+                      <a:r>
+                        <a:t>일반 근무시간 설정</a:t>
+                      </a:r>
+                    </a:p>
+                  </a:txBody>
+                  <a:tcPr/>
+                </a:tc>
+              </a:tr>
+            </a:tbl>
+          </a:graphicData>
+        </a:graphic>
+      </p:graphicFrame>
+    </p:spTree>
+  </p:cSld>
+  <p:clrMapOvr>
+    <a:masterClrMapping/>
+  </p:clrMapOvr>
+</p:sld>
+</file>
+
+<file path=ppt/slides/slide87.xml><?xml version="1.0" encoding="utf-8"?>
+<p:sld xmlns:a="http://schemas.openxmlformats.org/drawingml/2006/main" xmlns:p="http://schemas.openxmlformats.org/presentationml/2006/main" xmlns:r="http://schemas.openxmlformats.org/officeDocument/2006/relationships">
+  <p:cSld>
+    <p:spTree>
+      <p:nvGrpSpPr>
+        <p:cNvPr id="1" name=""/>
+        <p:cNvGrpSpPr/>
+        <p:nvPr/>
+      </p:nvGrpSpPr>
+      <p:grpSpPr/>
+      <p:sp>
+        <p:nvSpPr>
+          <p:cNvPr id="2" name="TextBox 1"/>
+          <p:cNvSpPr txBox="1"/>
+          <p:nvPr/>
+        </p:nvSpPr>
+        <p:spPr>
+          <a:xfrm>
+            <a:off x="274320" y="182880"/>
+            <a:ext cx="8595360" cy="457200"/>
+          </a:xfrm>
+          <a:prstGeom prst="rect">
+            <a:avLst/>
+          </a:prstGeom>
+          <a:noFill/>
+        </p:spPr>
+        <p:txBody>
+          <a:bodyPr wrap="none">
+            <a:spAutoFit/>
+          </a:bodyPr>
+          <a:lstStyle/>
+          <a:p>
+            <a:pPr>
+              <a:defRPr sz="2000" b="1"/>
+            </a:pPr>
+            <a:r>
+              <a:t>핵심 테이블 목록 (2/3)</a:t>
+            </a:r>
+          </a:p>
+        </p:txBody>
+      </p:sp>
+      <p:graphicFrame>
+        <p:nvGraphicFramePr>
+          <p:cNvPr id="3" name="Table 2"/>
+          <p:cNvGraphicFramePr>
+            <a:graphicFrameLocks noGrp="1"/>
+          </p:cNvGraphicFramePr>
+          <p:nvPr/>
+        </p:nvGraphicFramePr>
+        <p:xfrm>
+          <a:off x="274320" y="685800"/>
+          <a:ext cx="8595360" cy="5760720"/>
+        </p:xfrm>
+        <a:graphic>
+          <a:graphicData uri="http://schemas.openxmlformats.org/drawingml/2006/table">
+            <a:tbl>
+              <a:tblPr firstRow="1" bandRow="1">
+                <a:tableStyleId>{5C22544A-7EE6-4342-B048-85BDC9FD1C3A}</a:tableStyleId>
+              </a:tblPr>
+              <a:tblGrid>
+                <a:gridCol w="2926080"/>
+                <a:gridCol w="5669280"/>
+              </a:tblGrid>
+              <a:tr h="320040">
+                <a:tc>
+                  <a:txBody>
+                    <a:bodyPr/>
+                    <a:lstStyle/>
+                    <a:p>
+                      <a:pPr>
+                        <a:defRPr b="1" sz="1000"/>
+                      </a:pPr>
+                      <a:r>
+                        <a:t>테이블명</a:t>
+                      </a:r>
+                    </a:p>
+                  </a:txBody>
+                  <a:tcPr/>
+                </a:tc>
+                <a:tc>
+                  <a:txBody>
+                    <a:bodyPr/>
+                    <a:lstStyle/>
+                    <a:p>
+                      <a:pPr>
+                        <a:defRPr b="1" sz="1000"/>
+                      </a:pPr>
+                      <a:r>
+                        <a:t>설명</a:t>
+                      </a:r>
+                    </a:p>
+                  </a:txBody>
+                  <a:tcPr/>
+                </a:tc>
+              </a:tr>
+              <a:tr h="320040">
+                <a:tc>
+                  <a:txBody>
+                    <a:bodyPr/>
+                    <a:lstStyle/>
+                    <a:p>
+                      <a:pPr>
+                        <a:defRPr sz="900"/>
+                      </a:pPr>
+                      <a:r>
+                        <a:t>T_HOLIDAY</a:t>
+                      </a:r>
+                    </a:p>
+                  </a:txBody>
+                  <a:tcPr/>
+                </a:tc>
+                <a:tc>
+                  <a:txBody>
+                    <a:bodyPr/>
+                    <a:lstStyle/>
+                    <a:p>
+                      <a:pPr>
+                        <a:defRPr sz="900"/>
+                      </a:pPr>
+                      <a:r>
+                        <a:t>휴일 설정</a:t>
+                      </a:r>
+                    </a:p>
+                  </a:txBody>
+                  <a:tcPr/>
+                </a:tc>
+              </a:tr>
+              <a:tr h="320040">
+                <a:tc>
+                  <a:txBody>
+                    <a:bodyPr/>
+                    <a:lstStyle/>
+                    <a:p>
+                      <a:pPr>
+                        <a:defRPr sz="900"/>
+                      </a:pPr>
+                      <a:r>
+                        <a:t>T_DID_PREFIX</a:t>
+                      </a:r>
+                    </a:p>
+                  </a:txBody>
+                  <a:tcPr/>
+                </a:tc>
+                <a:tc>
+                  <a:txBody>
+                    <a:bodyPr/>
+                    <a:lstStyle/>
+                    <a:p>
+                      <a:pPr>
+                        <a:defRPr sz="900"/>
+                      </a:pPr>
+                      <a:r>
+                        <a:t>DID 접두사 라우팅</a:t>
+                      </a:r>
+                    </a:p>
+                  </a:txBody>
+                  <a:tcPr/>
+                </a:tc>
+              </a:tr>
+              <a:tr h="320040">
+                <a:tc>
+                  <a:txBody>
+                    <a:bodyPr/>
+                    <a:lstStyle/>
+                    <a:p>
+                      <a:pPr>
+                        <a:defRPr sz="900"/>
+                      </a:pPr>
+                      <a:r>
+                        <a:t>T_DID_RANGE</a:t>
+                      </a:r>
+                    </a:p>
+                  </a:txBody>
+                  <a:tcPr/>
+                </a:tc>
+                <a:tc>
+                  <a:txBody>
+                    <a:bodyPr/>
+                    <a:lstStyle/>
+                    <a:p>
+                      <a:pPr>
+                        <a:defRPr sz="900"/>
+                      </a:pPr>
+                      <a:r>
+                        <a:t>DID 범위 라우팅</a:t>
+                      </a:r>
+                    </a:p>
+                  </a:txBody>
+                  <a:tcPr/>
+                </a:tc>
+              </a:tr>
+              <a:tr h="320040">
+                <a:tc>
+                  <a:txBody>
+                    <a:bodyPr/>
+                    <a:lstStyle/>
+                    <a:p>
+                      <a:pPr>
+                        <a:defRPr sz="900"/>
+                      </a:pPr>
+                      <a:r>
+                        <a:t>T_DB_ROUTING</a:t>
+                      </a:r>
+                    </a:p>
+                  </a:txBody>
+                  <a:tcPr/>
+                </a:tc>
+                <a:tc>
+                  <a:txBody>
+                    <a:bodyPr/>
+                    <a:lstStyle/>
+                    <a:p>
+                      <a:pPr>
+                        <a:defRPr sz="900"/>
+                      </a:pPr>
+                      <a:r>
+                        <a:t>DB 기반 라우팅</a:t>
+                      </a:r>
+                    </a:p>
+                  </a:txBody>
+                  <a:tcPr/>
+                </a:tc>
+              </a:tr>
+              <a:tr h="320040">
+                <a:tc>
+                  <a:txBody>
+                    <a:bodyPr/>
+                    <a:lstStyle/>
+                    <a:p>
+                      <a:pPr>
+                        <a:defRPr sz="900"/>
+                      </a:pPr>
+                      <a:r>
+                        <a:t>T_LOCATION</a:t>
+                      </a:r>
+                    </a:p>
+                  </a:txBody>
+                  <a:tcPr/>
+                </a:tc>
+                <a:tc>
+                  <a:txBody>
+                    <a:bodyPr/>
+                    <a:lstStyle/>
+                    <a:p>
+                      <a:pPr>
+                        <a:defRPr sz="900"/>
+                      </a:pPr>
+                      <a:r>
+                        <a:t>지역 정보</a:t>
+                      </a:r>
+                    </a:p>
+                  </a:txBody>
+                  <a:tcPr/>
+                </a:tc>
+              </a:tr>
+              <a:tr h="320040">
+                <a:tc>
+                  <a:txBody>
+                    <a:bodyPr/>
+                    <a:lstStyle/>
+                    <a:p>
+                      <a:pPr>
+                        <a:defRPr sz="900"/>
+                      </a:pPr>
+                      <a:r>
+                        <a:t>T_LOCATION_CID</a:t>
+                      </a:r>
+                    </a:p>
+                  </a:txBody>
+                  <a:tcPr/>
+                </a:tc>
+                <a:tc>
+                  <a:txBody>
+                    <a:bodyPr/>
+                    <a:lstStyle/>
+                    <a:p>
+                      <a:pPr>
+                        <a:defRPr sz="900"/>
+                      </a:pPr>
+                      <a:r>
+                        <a:t>지역별 CID 설정</a:t>
+                      </a:r>
+                    </a:p>
+                  </a:txBody>
+                  <a:tcPr/>
+                </a:tc>
+              </a:tr>
+              <a:tr h="320040">
+                <a:tc>
+                  <a:txBody>
+                    <a:bodyPr/>
+                    <a:lstStyle/>
+                    <a:p>
+                      <a:pPr>
+                        <a:defRPr sz="900"/>
+                      </a:pPr>
+                      <a:r>
+                        <a:t>T_ARS_INFO</a:t>
+                      </a:r>
+                    </a:p>
+                  </a:txBody>
+                  <a:tcPr/>
+                </a:tc>
+                <a:tc>
+                  <a:txBody>
+                    <a:bodyPr/>
+                    <a:lstStyle/>
+                    <a:p>
+                      <a:pPr>
+                        <a:defRPr sz="900"/>
+                      </a:pPr>
+                      <a:r>
+                        <a:t>ARS 정보</a:t>
+                      </a:r>
+                    </a:p>
+                  </a:txBody>
+                  <a:tcPr/>
+                </a:tc>
+              </a:tr>
+              <a:tr h="320040">
+                <a:tc>
+                  <a:txBody>
+                    <a:bodyPr/>
+                    <a:lstStyle/>
+                    <a:p>
+                      <a:pPr>
+                        <a:defRPr sz="900"/>
+                      </a:pPr>
+                      <a:r>
+                        <a:t>T_ARS_SCENARIO</a:t>
+                      </a:r>
+                    </a:p>
+                  </a:txBody>
+                  <a:tcPr/>
+                </a:tc>
+                <a:tc>
+                  <a:txBody>
+                    <a:bodyPr/>
+                    <a:lstStyle/>
+                    <a:p>
+                      <a:pPr>
+                        <a:defRPr sz="900"/>
+                      </a:pPr>
+                      <a:r>
+                        <a:t>ARS 시나리오</a:t>
+                      </a:r>
+                    </a:p>
+                  </a:txBody>
+                  <a:tcPr/>
+                </a:tc>
+              </a:tr>
+              <a:tr h="320040">
+                <a:tc>
+                  <a:txBody>
+                    <a:bodyPr/>
+                    <a:lstStyle/>
+                    <a:p>
+                      <a:pPr>
+                        <a:defRPr sz="900"/>
+                      </a:pPr>
+                      <a:r>
+                        <a:t>T_GROUP_ARS</a:t>
+                      </a:r>
+                    </a:p>
+                  </a:txBody>
+                  <a:tcPr/>
+                </a:tc>
+                <a:tc>
+                  <a:txBody>
+                    <a:bodyPr/>
+                    <a:lstStyle/>
+                    <a:p>
+                      <a:pPr>
+                        <a:defRPr sz="900"/>
+                      </a:pPr>
+                      <a:r>
+                        <a:t>그룹 ARS</a:t>
+                      </a:r>
+                    </a:p>
+                  </a:txBody>
+                  <a:tcPr/>
+                </a:tc>
+              </a:tr>
+              <a:tr h="320040">
+                <a:tc>
+                  <a:txBody>
+                    <a:bodyPr/>
+                    <a:lstStyle/>
+                    <a:p>
+                      <a:pPr>
+                        <a:defRPr sz="900"/>
+                      </a:pPr>
+                      <a:r>
+                        <a:t>T_GROUP_ARS_LIST</a:t>
+                      </a:r>
+                    </a:p>
+                  </a:txBody>
+                  <a:tcPr/>
+                </a:tc>
+                <a:tc>
+                  <a:txBody>
+                    <a:bodyPr/>
+                    <a:lstStyle/>
+                    <a:p>
+                      <a:pPr>
+                        <a:defRPr sz="900"/>
+                      </a:pPr>
+                      <a:r>
+                        <a:t>그룹 ARS 목록</a:t>
+                      </a:r>
+                    </a:p>
+                  </a:txBody>
+                  <a:tcPr/>
+                </a:tc>
+              </a:tr>
+              <a:tr h="320040">
+                <a:tc>
+                  <a:txBody>
+                    <a:bodyPr/>
+                    <a:lstStyle/>
+                    <a:p>
+                      <a:pPr>
+                        <a:defRPr sz="900"/>
+                      </a:pPr>
+                      <a:r>
+                        <a:t>T_GROUP_ARS_SCENARIO</a:t>
+                      </a:r>
+                    </a:p>
+                  </a:txBody>
+                  <a:tcPr/>
+                </a:tc>
+                <a:tc>
+                  <a:txBody>
+                    <a:bodyPr/>
+                    <a:lstStyle/>
+                    <a:p>
+                      <a:pPr>
+                        <a:defRPr sz="900"/>
+                      </a:pPr>
+                      <a:r>
+                        <a:t>그룹 ARS 시나리오</a:t>
+                      </a:r>
+                    </a:p>
+                  </a:txBody>
+                  <a:tcPr/>
+                </a:tc>
+              </a:tr>
+              <a:tr h="320040">
+                <a:tc>
+                  <a:txBody>
+                    <a:bodyPr/>
+                    <a:lstStyle/>
+                    <a:p>
+                      <a:pPr>
+                        <a:defRPr sz="900"/>
+                      </a:pPr>
+                      <a:r>
+                        <a:t>T_CROSSCALL_CONFIG</a:t>
+                      </a:r>
+                    </a:p>
+                  </a:txBody>
+                  <a:tcPr/>
+                </a:tc>
+                <a:tc>
+                  <a:txBody>
+                    <a:bodyPr/>
+                    <a:lstStyle/>
+                    <a:p>
+                      <a:pPr>
+                        <a:defRPr sz="900"/>
+                      </a:pPr>
+                      <a:r>
+                        <a:t>크로스콜 설정</a:t>
+                      </a:r>
+                    </a:p>
+                  </a:txBody>
+                  <a:tcPr/>
+                </a:tc>
+              </a:tr>
+              <a:tr h="320040">
+                <a:tc>
+                  <a:txBody>
+                    <a:bodyPr/>
+                    <a:lstStyle/>
+                    <a:p>
+                      <a:pPr>
+                        <a:defRPr sz="900"/>
+                      </a:pPr>
+                      <a:r>
+                        <a:t>T_CROSSCALL_LINK</a:t>
+                      </a:r>
+                    </a:p>
+                  </a:txBody>
+                  <a:tcPr/>
+                </a:tc>
+                <a:tc>
+                  <a:txBody>
+                    <a:bodyPr/>
+                    <a:lstStyle/>
+                    <a:p>
+                      <a:pPr>
+                        <a:defRPr sz="900"/>
+                      </a:pPr>
+                      <a:r>
+                        <a:t>크로스콜 연결 정보</a:t>
+                      </a:r>
+                    </a:p>
+                  </a:txBody>
+                  <a:tcPr/>
+                </a:tc>
+              </a:tr>
+              <a:tr h="320040">
+                <a:tc>
+                  <a:txBody>
+                    <a:bodyPr/>
+                    <a:lstStyle/>
+                    <a:p>
+                      <a:pPr>
+                        <a:defRPr sz="900"/>
+                      </a:pPr>
+                      <a:r>
+                        <a:t>T_VIP_SET</a:t>
+                      </a:r>
+                    </a:p>
+                  </a:txBody>
+                  <a:tcPr/>
+                </a:tc>
+                <a:tc>
+                  <a:txBody>
+                    <a:bodyPr/>
+                    <a:lstStyle/>
+                    <a:p>
+                      <a:pPr>
+                        <a:defRPr sz="900"/>
+                      </a:pPr>
+                      <a:r>
+                        <a:t>VIP 설정</a:t>
+                      </a:r>
+                    </a:p>
+                  </a:txBody>
+                  <a:tcPr/>
+                </a:tc>
+              </a:tr>
+              <a:tr h="320040">
+                <a:tc>
+                  <a:txBody>
+                    <a:bodyPr/>
+                    <a:lstStyle/>
+                    <a:p>
+                      <a:pPr>
+                        <a:defRPr sz="900"/>
+                      </a:pPr>
+                      <a:r>
+                        <a:t>T_VIP_COUNT</a:t>
+                      </a:r>
+                    </a:p>
+                  </a:txBody>
+                  <a:tcPr/>
+                </a:tc>
+                <a:tc>
+                  <a:txBody>
+                    <a:bodyPr/>
+                    <a:lstStyle/>
+                    <a:p>
+                      <a:pPr>
+                        <a:defRPr sz="900"/>
+                      </a:pPr>
+                      <a:r>
+                        <a:t>VIP 카운트</a:t>
+                      </a:r>
+                    </a:p>
+                  </a:txBody>
+                  <a:tcPr/>
+                </a:tc>
+              </a:tr>
+              <a:tr h="320040">
+                <a:tc>
+                  <a:txBody>
+                    <a:bodyPr/>
+                    <a:lstStyle/>
+                    <a:p>
+                      <a:pPr>
+                        <a:defRPr sz="900"/>
+                      </a:pPr>
+                      <a:r>
+                        <a:t>T_RECALL_OPTION</a:t>
+                      </a:r>
+                    </a:p>
+                  </a:txBody>
+                  <a:tcPr/>
+                </a:tc>
+                <a:tc>
+                  <a:txBody>
+                    <a:bodyPr/>
+                    <a:lstStyle/>
+                    <a:p>
+                      <a:pPr>
+                        <a:defRPr sz="900"/>
+                      </a:pPr>
+                      <a:r>
+                        <a:t>재전화 옵션</a:t>
+                      </a:r>
+                    </a:p>
+                  </a:txBody>
+                  <a:tcPr/>
+                </a:tc>
+              </a:tr>
+              <a:tr h="320040">
+                <a:tc>
+                  <a:txBody>
+                    <a:bodyPr/>
+                    <a:lstStyle/>
+                    <a:p>
+                      <a:pPr>
+                        <a:defRPr sz="900"/>
+                      </a:pPr>
+                      <a:r>
+                        <a:t>T_TIME_GROUP_ROUTING</a:t>
+                      </a:r>
+                    </a:p>
+                  </a:txBody>
+                  <a:tcPr/>
+                </a:tc>
+                <a:tc>
+                  <a:txBody>
+                    <a:bodyPr/>
+                    <a:lstStyle/>
+                    <a:p>
+                      <a:pPr>
+                        <a:defRPr sz="900"/>
+                      </a:pPr>
+                      <a:r>
+                        <a:t>시간대별 그룹 라우팅</a:t>
+                      </a:r>
+                    </a:p>
+                  </a:txBody>
+                  <a:tcPr/>
+                </a:tc>
+              </a:tr>
+            </a:tbl>
+          </a:graphicData>
+        </a:graphic>
+      </p:graphicFrame>
+    </p:spTree>
+  </p:cSld>
+  <p:clrMapOvr>
+    <a:masterClrMapping/>
+  </p:clrMapOvr>
+</p:sld>
+</file>
+
+<file path=ppt/slides/slide88.xml><?xml version="1.0" encoding="utf-8"?>
+<p:sld xmlns:a="http://schemas.openxmlformats.org/drawingml/2006/main" xmlns:p="http://schemas.openxmlformats.org/presentationml/2006/main" xmlns:r="http://schemas.openxmlformats.org/officeDocument/2006/relationships">
+  <p:cSld>
+    <p:spTree>
+      <p:nvGrpSpPr>
+        <p:cNvPr id="1" name=""/>
+        <p:cNvGrpSpPr/>
+        <p:nvPr/>
+      </p:nvGrpSpPr>
+      <p:grpSpPr/>
+      <p:sp>
+        <p:nvSpPr>
+          <p:cNvPr id="2" name="TextBox 1"/>
+          <p:cNvSpPr txBox="1"/>
+          <p:nvPr/>
+        </p:nvSpPr>
+        <p:spPr>
+          <a:xfrm>
+            <a:off x="274320" y="182880"/>
+            <a:ext cx="8595360" cy="457200"/>
+          </a:xfrm>
+          <a:prstGeom prst="rect">
+            <a:avLst/>
+          </a:prstGeom>
+          <a:noFill/>
+        </p:spPr>
+        <p:txBody>
+          <a:bodyPr wrap="none">
+            <a:spAutoFit/>
+          </a:bodyPr>
+          <a:lstStyle/>
+          <a:p>
+            <a:pPr>
+              <a:defRPr sz="2000" b="1"/>
+            </a:pPr>
+            <a:r>
+              <a:t>핵심 테이블 목록 (3/3)</a:t>
+            </a:r>
+          </a:p>
+        </p:txBody>
+      </p:sp>
+      <p:graphicFrame>
+        <p:nvGraphicFramePr>
+          <p:cNvPr id="3" name="Table 2"/>
+          <p:cNvGraphicFramePr>
+            <a:graphicFrameLocks noGrp="1"/>
+          </p:cNvGraphicFramePr>
+          <p:nvPr/>
+        </p:nvGraphicFramePr>
+        <p:xfrm>
+          <a:off x="274320" y="685800"/>
+          <a:ext cx="8595360" cy="2880360"/>
+        </p:xfrm>
+        <a:graphic>
+          <a:graphicData uri="http://schemas.openxmlformats.org/drawingml/2006/table">
+            <a:tbl>
+              <a:tblPr firstRow="1" bandRow="1">
+                <a:tableStyleId>{5C22544A-7EE6-4342-B048-85BDC9FD1C3A}</a:tableStyleId>
+              </a:tblPr>
+              <a:tblGrid>
+                <a:gridCol w="2926080"/>
+                <a:gridCol w="5669280"/>
+              </a:tblGrid>
+              <a:tr h="320040">
+                <a:tc>
+                  <a:txBody>
+                    <a:bodyPr/>
+                    <a:lstStyle/>
+                    <a:p>
+                      <a:pPr>
+                        <a:defRPr b="1" sz="1000"/>
+                      </a:pPr>
+                      <a:r>
+                        <a:t>테이블명</a:t>
+                      </a:r>
+                    </a:p>
+                  </a:txBody>
+                  <a:tcPr/>
+                </a:tc>
+                <a:tc>
+                  <a:txBody>
+                    <a:bodyPr/>
+                    <a:lstStyle/>
+                    <a:p>
+                      <a:pPr>
+                        <a:defRPr b="1" sz="1000"/>
+                      </a:pPr>
+                      <a:r>
+                        <a:t>설명</a:t>
+                      </a:r>
+                    </a:p>
+                  </a:txBody>
+                  <a:tcPr/>
+                </a:tc>
+              </a:tr>
+              <a:tr h="320040">
+                <a:tc>
+                  <a:txBody>
+                    <a:bodyPr/>
+                    <a:lstStyle/>
+                    <a:p>
+                      <a:pPr>
+                        <a:defRPr sz="900"/>
+                      </a:pPr>
+                      <a:r>
+                        <a:t>T_CALL_STATE</a:t>
+                      </a:r>
+                    </a:p>
+                  </a:txBody>
+                  <a:tcPr/>
+                </a:tc>
+                <a:tc>
+                  <a:txBody>
+                    <a:bodyPr/>
+                    <a:lstStyle/>
+                    <a:p>
+                      <a:pPr>
+                        <a:defRPr sz="900"/>
+                      </a:pPr>
+                      <a:r>
+                        <a:t>콜 상태 관리</a:t>
+                      </a:r>
+                    </a:p>
+                  </a:txBody>
+                  <a:tcPr/>
+                </a:tc>
+              </a:tr>
+              <a:tr h="320040">
+                <a:tc>
+                  <a:txBody>
+                    <a:bodyPr/>
+                    <a:lstStyle/>
+                    <a:p>
+                      <a:pPr>
+                        <a:defRPr sz="900"/>
+                      </a:pPr>
+                      <a:r>
+                        <a:t>T_MENU</a:t>
+                      </a:r>
+                    </a:p>
+                  </a:txBody>
+                  <a:tcPr/>
+                </a:tc>
+                <a:tc>
+                  <a:txBody>
+                    <a:bodyPr/>
+                    <a:lstStyle/>
+                    <a:p>
+                      <a:pPr>
+                        <a:defRPr sz="900"/>
+                      </a:pPr>
+                      <a:r>
+                        <a:t>메뉴 관리</a:t>
+                      </a:r>
+                    </a:p>
+                  </a:txBody>
+                  <a:tcPr/>
+                </a:tc>
+              </a:tr>
+              <a:tr h="320040">
+                <a:tc>
+                  <a:txBody>
+                    <a:bodyPr/>
+                    <a:lstStyle/>
+                    <a:p>
+                      <a:pPr>
+                        <a:defRPr sz="900"/>
+                      </a:pPr>
+                      <a:r>
+                        <a:t>T_PHONE_AUTH</a:t>
+                      </a:r>
+                    </a:p>
+                  </a:txBody>
+                  <a:tcPr/>
+                </a:tc>
+                <a:tc>
+                  <a:txBody>
+                    <a:bodyPr/>
+                    <a:lstStyle/>
+                    <a:p>
+                      <a:pPr>
+                        <a:defRPr sz="900"/>
+                      </a:pPr>
+                      <a:r>
+                        <a:t>전화 인증</a:t>
+                      </a:r>
+                    </a:p>
+                  </a:txBody>
+                  <a:tcPr/>
+                </a:tc>
+              </a:tr>
+              <a:tr h="320040">
+                <a:tc>
+                  <a:txBody>
+                    <a:bodyPr/>
+                    <a:lstStyle/>
+                    <a:p>
+                      <a:pPr>
+                        <a:defRPr sz="900"/>
+                      </a:pPr>
+                      <a:r>
+                        <a:t>T_USER_LIST_API</a:t>
+                      </a:r>
+                    </a:p>
+                  </a:txBody>
+                  <a:tcPr/>
+                </a:tc>
+                <a:tc>
+                  <a:txBody>
+                    <a:bodyPr/>
+                    <a:lstStyle/>
+                    <a:p>
+                      <a:pPr>
+                        <a:defRPr sz="900"/>
+                      </a:pPr>
+                      <a:r>
+                        <a:t>API 사용자 목록</a:t>
+                      </a:r>
+                    </a:p>
+                  </a:txBody>
+                  <a:tcPr/>
+                </a:tc>
+              </a:tr>
+              <a:tr h="320040">
+                <a:tc>
+                  <a:txBody>
+                    <a:bodyPr/>
+                    <a:lstStyle/>
+                    <a:p>
+                      <a:pPr>
+                        <a:defRPr sz="900"/>
+                      </a:pPr>
+                      <a:r>
+                        <a:t>T_UPLOAD_FILE</a:t>
+                      </a:r>
+                    </a:p>
+                  </a:txBody>
+                  <a:tcPr/>
+                </a:tc>
+                <a:tc>
+                  <a:txBody>
+                    <a:bodyPr/>
+                    <a:lstStyle/>
+                    <a:p>
+                      <a:pPr>
+                        <a:defRPr sz="900"/>
+                      </a:pPr>
+                      <a:r>
+                        <a:t>업로드 파일</a:t>
+                      </a:r>
+                    </a:p>
+                  </a:txBody>
+                  <a:tcPr/>
+                </a:tc>
+              </a:tr>
+              <a:tr h="320040">
+                <a:tc>
+                  <a:txBody>
+                    <a:bodyPr/>
+                    <a:lstStyle/>
+                    <a:p>
+                      <a:pPr>
+                        <a:defRPr sz="900"/>
+                      </a:pPr>
+                      <a:r>
+                        <a:t>T_MODIFY_HISTORY</a:t>
+                      </a:r>
+                    </a:p>
+                  </a:txBody>
+                  <a:tcPr/>
+                </a:tc>
+                <a:tc>
+                  <a:txBody>
+                    <a:bodyPr/>
+                    <a:lstStyle/>
+                    <a:p>
+                      <a:pPr>
+                        <a:defRPr sz="900"/>
+                      </a:pPr>
+                      <a:r>
+                        <a:t>수정 이력</a:t>
+                      </a:r>
+                    </a:p>
+                  </a:txBody>
+                  <a:tcPr/>
+                </a:tc>
+              </a:tr>
+              <a:tr h="320040">
+                <a:tc>
+                  <a:txBody>
+                    <a:bodyPr/>
+                    <a:lstStyle/>
+                    <a:p>
+                      <a:pPr>
+                        <a:defRPr sz="900"/>
+                      </a:pPr>
+                      <a:r>
+                        <a:t>T_WORK_HISTORY</a:t>
+                      </a:r>
+                    </a:p>
+                  </a:txBody>
+                  <a:tcPr/>
+                </a:tc>
+                <a:tc>
+                  <a:txBody>
+                    <a:bodyPr/>
+                    <a:lstStyle/>
+                    <a:p>
+                      <a:pPr>
+                        <a:defRPr sz="900"/>
+                      </a:pPr>
+                      <a:r>
+                        <a:t>작업 이력</a:t>
+                      </a:r>
+                    </a:p>
+                  </a:txBody>
+                  <a:tcPr/>
+                </a:tc>
+              </a:tr>
+              <a:tr h="320040">
+                <a:tc>
+                  <a:txBody>
+                    <a:bodyPr/>
+                    <a:lstStyle/>
+                    <a:p>
+                      <a:pPr>
+                        <a:defRPr sz="900"/>
+                      </a:pPr>
+                      <a:r>
+                        <a:t>refresh_token</a:t>
+                      </a:r>
+                    </a:p>
+                  </a:txBody>
+                  <a:tcPr/>
+                </a:tc>
+                <a:tc>
+                  <a:txBody>
+                    <a:bodyPr/>
+                    <a:lstStyle/>
+                    <a:p>
+                      <a:pPr>
+                        <a:defRPr sz="900"/>
+                      </a:pPr>
+                      <a:r>
+                        <a:t>리프레시 토큰</a:t>
+                      </a:r>
+                    </a:p>
+                  </a:txBody>
+                  <a:tcPr/>
+                </a:tc>
+              </a:tr>
+            </a:tbl>
+          </a:graphicData>
+        </a:graphic>
+      </p:graphicFrame>
+    </p:spTree>
+  </p:cSld>
+  <p:clrMapOvr>
+    <a:masterClrMapping/>
+  </p:clrMapOvr>
+</p:sld>
+</file>
+
+<file path=ppt/slides/slide89.xml><?xml version="1.0" encoding="utf-8"?>
+<p:sld xmlns:a="http://schemas.openxmlformats.org/drawingml/2006/main" xmlns:p="http://schemas.openxmlformats.org/presentationml/2006/main" xmlns:r="http://schemas.openxmlformats.org/officeDocument/2006/relationships">
+  <p:cSld>
+    <p:spTree>
+      <p:nvGrpSpPr>
+        <p:cNvPr id="1" name=""/>
+        <p:cNvGrpSpPr/>
+        <p:nvPr/>
+      </p:nvGrpSpPr>
+      <p:grpSpPr/>
+      <p:sp>
+        <p:nvSpPr>
+          <p:cNvPr id="2" name="TextBox 1"/>
+          <p:cNvSpPr txBox="1"/>
+          <p:nvPr/>
+        </p:nvSpPr>
+        <p:spPr>
+          <a:xfrm>
+            <a:off x="274320" y="182880"/>
+            <a:ext cx="8595360" cy="457200"/>
+          </a:xfrm>
+          <a:prstGeom prst="rect">
+            <a:avLst/>
+          </a:prstGeom>
+          <a:noFill/>
+        </p:spPr>
+        <p:txBody>
+          <a:bodyPr wrap="none">
+            <a:spAutoFit/>
+          </a:bodyPr>
+          <a:lstStyle/>
+          <a:p>
+            <a:pPr>
+              <a:defRPr sz="2000" b="1"/>
+            </a:pPr>
+            <a:r>
+              <a:t>월별 파티션 테이블 (샘플)</a:t>
+            </a:r>
+          </a:p>
+        </p:txBody>
+      </p:sp>
+      <p:graphicFrame>
+        <p:nvGraphicFramePr>
+          <p:cNvPr id="3" name="Table 2"/>
+          <p:cNvGraphicFramePr>
+            <a:graphicFrameLocks noGrp="1"/>
+          </p:cNvGraphicFramePr>
+          <p:nvPr/>
+        </p:nvGraphicFramePr>
+        <p:xfrm>
+          <a:off x="274320" y="685800"/>
+          <a:ext cx="8595360" cy="2240279"/>
+        </p:xfrm>
+        <a:graphic>
+          <a:graphicData uri="http://schemas.openxmlformats.org/drawingml/2006/table">
+            <a:tbl>
+              <a:tblPr firstRow="1" bandRow="1">
+                <a:tableStyleId>{5C22544A-7EE6-4342-B048-85BDC9FD1C3A}</a:tableStyleId>
+              </a:tblPr>
+              <a:tblGrid>
+                <a:gridCol w="2926080"/>
+                <a:gridCol w="5669280"/>
+              </a:tblGrid>
+              <a:tr h="320039">
+                <a:tc>
+                  <a:txBody>
+                    <a:bodyPr/>
+                    <a:lstStyle/>
+                    <a:p>
+                      <a:pPr>
+                        <a:defRPr b="1" sz="1000"/>
+                      </a:pPr>
+                      <a:r>
+                        <a:t>테이블명</a:t>
+                      </a:r>
+                    </a:p>
+                  </a:txBody>
+                  <a:tcPr/>
+                </a:tc>
+                <a:tc>
+                  <a:txBody>
+                    <a:bodyPr/>
+                    <a:lstStyle/>
+                    <a:p>
+                      <a:pPr>
+                        <a:defRPr b="1" sz="1000"/>
+                      </a:pPr>
+                      <a:r>
+                        <a:t>설명</a:t>
+                      </a:r>
+                    </a:p>
+                  </a:txBody>
+                  <a:tcPr/>
+                </a:tc>
+              </a:tr>
+              <a:tr h="320039">
+                <a:tc>
+                  <a:txBody>
+                    <a:bodyPr/>
+                    <a:lstStyle/>
+                    <a:p>
+                      <a:pPr>
+                        <a:defRPr sz="900"/>
+                      </a:pPr>
+                      <a:r>
+                        <a:t>T_CALL_HISTORY_202602</a:t>
+                      </a:r>
+                    </a:p>
+                  </a:txBody>
+                  <a:tcPr/>
+                </a:tc>
+                <a:tc>
+                  <a:txBody>
+                    <a:bodyPr/>
+                    <a:lstStyle/>
+                    <a:p>
+                      <a:pPr>
+                        <a:defRPr sz="900"/>
+                      </a:pPr>
+                      <a:r>
+                        <a:t>콜 히스토리 (월별 파티션)</a:t>
+                      </a:r>
+                    </a:p>
+                  </a:txBody>
+                  <a:tcPr/>
+                </a:tc>
+              </a:tr>
+              <a:tr h="320039">
+                <a:tc>
+                  <a:txBody>
+                    <a:bodyPr/>
+                    <a:lstStyle/>
+                    <a:p>
+                      <a:pPr>
+                        <a:defRPr sz="900"/>
+                      </a:pPr>
+                      <a:r>
+                        <a:t>T_STATISTICS_202602</a:t>
+                      </a:r>
+                    </a:p>
+                  </a:txBody>
+                  <a:tcPr/>
+                </a:tc>
+                <a:tc>
+                  <a:txBody>
+                    <a:bodyPr/>
+                    <a:lstStyle/>
+                    <a:p>
+                      <a:pPr>
+                        <a:defRPr sz="900"/>
+                      </a:pPr>
+                      <a:r>
+                        <a:t>통계 (월별 파티션)</a:t>
+                      </a:r>
+                    </a:p>
+                  </a:txBody>
+                  <a:tcPr/>
+                </a:tc>
+              </a:tr>
+              <a:tr h="320039">
+                <a:tc>
+                  <a:txBody>
+                    <a:bodyPr/>
+                    <a:lstStyle/>
+                    <a:p>
+                      <a:pPr>
+                        <a:defRPr sz="900"/>
+                      </a:pPr>
+                      <a:r>
+                        <a:t>T_AG_STATUS_HISTORY_202602</a:t>
+                      </a:r>
+                    </a:p>
+                  </a:txBody>
+                  <a:tcPr/>
+                </a:tc>
+                <a:tc>
+                  <a:txBody>
+                    <a:bodyPr/>
+                    <a:lstStyle/>
+                    <a:p>
+                      <a:pPr>
+                        <a:defRPr sz="900"/>
+                      </a:pPr>
+                      <a:r>
+                        <a:t>상담원 상태 히스토리 (월별 파티션)</a:t>
+                      </a:r>
+                    </a:p>
+                  </a:txBody>
+                  <a:tcPr/>
+                </a:tc>
+              </a:tr>
+              <a:tr h="320039">
+                <a:tc>
+                  <a:txBody>
+                    <a:bodyPr/>
+                    <a:lstStyle/>
+                    <a:p>
+                      <a:pPr>
+                        <a:defRPr sz="900"/>
+                      </a:pPr>
+                      <a:r>
+                        <a:t>T_DAY_LOGIN_HISTORY_202602</a:t>
+                      </a:r>
+                    </a:p>
+                  </a:txBody>
+                  <a:tcPr/>
+                </a:tc>
+                <a:tc>
+                  <a:txBody>
+                    <a:bodyPr/>
+                    <a:lstStyle/>
+                    <a:p>
+                      <a:pPr>
+                        <a:defRPr sz="900"/>
+                      </a:pPr>
+                      <a:r>
+                        <a:t>일별 로그인 히스토리 (월별 파티션)</a:t>
+                      </a:r>
+                    </a:p>
+                  </a:txBody>
+                  <a:tcPr/>
+                </a:tc>
+              </a:tr>
+              <a:tr h="320039">
+                <a:tc>
+                  <a:txBody>
+                    <a:bodyPr/>
+                    <a:lstStyle/>
+                    <a:p>
+                      <a:pPr>
+                        <a:defRPr sz="900"/>
+                      </a:pPr>
+                      <a:r>
+                        <a:t>T_SVCC_HISTORY_202602</a:t>
+                      </a:r>
+                    </a:p>
+                  </a:txBody>
+                  <a:tcPr/>
+                </a:tc>
+                <a:tc>
+                  <a:txBody>
+                    <a:bodyPr/>
+                    <a:lstStyle/>
+                    <a:p>
+                      <a:pPr>
+                        <a:defRPr sz="900"/>
+                      </a:pPr>
+                      <a:r>
+                        <a:t>SVCC 히스토리 (월별 파티션)</a:t>
+                      </a:r>
+                    </a:p>
+                  </a:txBody>
+                  <a:tcPr/>
+                </a:tc>
+              </a:tr>
+              <a:tr h="320045">
+                <a:tc>
+                  <a:txBody>
+                    <a:bodyPr/>
+                    <a:lstStyle/>
+                    <a:p>
+                      <a:pPr>
+                        <a:defRPr sz="900"/>
+                      </a:pPr>
+                      <a:r>
+                        <a:t>T_SVCC_STATISTICS_202602</a:t>
+                      </a:r>
+                    </a:p>
+                  </a:txBody>
+                  <a:tcPr/>
+                </a:tc>
+                <a:tc>
+                  <a:txBody>
+                    <a:bodyPr/>
+                    <a:lstStyle/>
+                    <a:p>
+                      <a:pPr>
+                        <a:defRPr sz="900"/>
+                      </a:pPr>
+                      <a:r>
+                        <a:t>SVCC 통계 (월별 파티션)</a:t>
+                      </a:r>
+                    </a:p>
+                  </a:txBody>
+                  <a:tcPr/>
+                </a:tc>
+              </a:tr>
+            </a:tbl>
+          </a:graphicData>
+        </a:graphic>
+      </p:graphicFrame>
+    </p:spTree>
+  </p:cSld>
+  <p:clrMapOvr>
+    <a:masterClrMapping/>
+  </p:clrMapOvr>
+</p:sld>
+</file>
+
 <file path=ppt/slides/slide9.xml><?xml version="1.0" encoding="utf-8"?>
 <p:sld xmlns:a="http://schemas.openxmlformats.org/drawingml/2006/main" xmlns:p="http://schemas.openxmlformats.org/presentationml/2006/main" xmlns:r="http://schemas.openxmlformats.org/officeDocument/2006/relationships">
   <p:cSld>
@@ -30669,6 +37863,1666 @@
             </a:pPr>
             <a:r>
               <a:t>    ▸ END: T_DIRECT_TRANSFER_CALL에서 QList 조회</a:t>
+            </a:r>
+          </a:p>
+        </p:txBody>
+      </p:sp>
+    </p:spTree>
+  </p:cSld>
+  <p:clrMapOvr>
+    <a:masterClrMapping/>
+  </p:clrMapOvr>
+</p:sld>
+</file>
+
+<file path=ppt/slides/slide90.xml><?xml version="1.0" encoding="utf-8"?>
+<p:sld xmlns:a="http://schemas.openxmlformats.org/drawingml/2006/main" xmlns:p="http://schemas.openxmlformats.org/presentationml/2006/main" xmlns:r="http://schemas.openxmlformats.org/officeDocument/2006/relationships">
+  <p:cSld>
+    <p:spTree>
+      <p:nvGrpSpPr>
+        <p:cNvPr id="1" name=""/>
+        <p:cNvGrpSpPr/>
+        <p:nvPr/>
+      </p:nvGrpSpPr>
+      <p:grpSpPr/>
+      <p:sp>
+        <p:nvSpPr>
+          <p:cNvPr id="2" name="TextBox 1"/>
+          <p:cNvSpPr txBox="1"/>
+          <p:nvPr/>
+        </p:nvSpPr>
+        <p:spPr>
+          <a:xfrm>
+            <a:off x="182880" y="91440"/>
+            <a:ext cx="8778240" cy="365760"/>
+          </a:xfrm>
+          <a:prstGeom prst="rect">
+            <a:avLst/>
+          </a:prstGeom>
+          <a:noFill/>
+        </p:spPr>
+        <p:txBody>
+          <a:bodyPr wrap="none">
+            <a:spAutoFit/>
+          </a:bodyPr>
+          <a:lstStyle/>
+          <a:p>
+            <a:pPr>
+              <a:defRPr sz="1800" b="1"/>
+            </a:pPr>
+            <a:r>
+              <a:t>Table: T_PBX_CONFIG</a:t>
+            </a:r>
+          </a:p>
+        </p:txBody>
+      </p:sp>
+      <p:sp>
+        <p:nvSpPr>
+          <p:cNvPr id="3" name="TextBox 2"/>
+          <p:cNvSpPr txBox="1"/>
+          <p:nvPr/>
+        </p:nvSpPr>
+        <p:spPr>
+          <a:xfrm>
+            <a:off x="182880" y="502920"/>
+            <a:ext cx="8778240" cy="6400800"/>
+          </a:xfrm>
+          <a:prstGeom prst="rect">
+            <a:avLst/>
+          </a:prstGeom>
+          <a:noFill/>
+        </p:spPr>
+        <p:txBody>
+          <a:bodyPr wrap="square">
+            <a:spAutoFit/>
+          </a:bodyPr>
+          <a:lstStyle/>
+          <a:p>
+            <a:pPr>
+              <a:defRPr sz="800">
+                <a:latin typeface="Courier New"/>
+              </a:defRPr>
+            </a:pPr>
+            <a:r>
+              <a:t>CREATE TABLE `T_PBX_CONFIG` (</a:t>
+            </a:r>
+            <a:br/>
+            <a:r>
+              <a:t>  `seq` int(11) NOT NULL AUTO_INCREMENT,</a:t>
+            </a:r>
+            <a:br/>
+            <a:r>
+              <a:t>  `pbx_id` int(11) NOT NULL COMMENT '장비 그룹 ID (1=A장비, 2=B장비, 3=C장비)',</a:t>
+            </a:r>
+            <a:br/>
+            <a:r>
+              <a:t>  `pbx_name` varchar(50) DEFAULT NULL COMMENT '장비 이름',</a:t>
+            </a:r>
+            <a:br/>
+            <a:r>
+              <a:t>  `server_ip` varchar(15) NOT NULL COMMENT '서버 IP 주소',</a:t>
+            </a:r>
+            <a:br/>
+            <a:r>
+              <a:t>  `server_name` varchar(50) DEFAULT NULL COMMENT '서버 이름 (Primary/Secondary)',</a:t>
+            </a:r>
+            <a:br/>
+            <a:r>
+              <a:t>  `crosscall_prefix` varchar(10) NOT NULL COMMENT '크로스콜 발신 prefix',</a:t>
+            </a:r>
+            <a:br/>
+            <a:r>
+              <a:t>  `q_length` int(11) DEFAULT '3' COMMENT 'Q번호 자릿수',</a:t>
+            </a:r>
+            <a:br/>
+            <a:r>
+              <a:t>  `origin_q_length` int(11) DEFAULT '3' COMMENT 'Origin Q번호 자릿수',</a:t>
+            </a:r>
+            <a:br/>
+            <a:r>
+              <a:t>  `is_active` char(1) DEFAULT 'Y' COMMENT '활성화 여부',</a:t>
+            </a:r>
+            <a:br/>
+            <a:r>
+              <a:t>  `created_at` datetime DEFAULT NULL,</a:t>
+            </a:r>
+            <a:br/>
+            <a:r>
+              <a:t>  `updated_at` datetime DEFAULT NULL,</a:t>
+            </a:r>
+            <a:br/>
+            <a:r>
+              <a:t>  PRIMARY KEY (`seq`),</a:t>
+            </a:r>
+            <a:br/>
+            <a:r>
+              <a:t>  UNIQUE KEY `uk_server_ip` (`server_ip`),</a:t>
+            </a:r>
+            <a:br/>
+            <a:r>
+              <a:t>  KEY `idx_pbx_id` (`pbx_id`),</a:t>
+            </a:r>
+            <a:br/>
+            <a:r>
+              <a:t>  KEY `idx_is_active` (`is_active`)</a:t>
+            </a:r>
+            <a:br/>
+            <a:r>
+              <a:t>) ENGINE=InnoDB AUTO_INCREMENT=9 DEFAULT CHARSET=utf8mb4 COMMENT='PBX 장비 설정 (IP 기반 이중화 지원)';</a:t>
+            </a:r>
+          </a:p>
+        </p:txBody>
+      </p:sp>
+    </p:spTree>
+  </p:cSld>
+  <p:clrMapOvr>
+    <a:masterClrMapping/>
+  </p:clrMapOvr>
+</p:sld>
+</file>
+
+<file path=ppt/slides/slide91.xml><?xml version="1.0" encoding="utf-8"?>
+<p:sld xmlns:a="http://schemas.openxmlformats.org/drawingml/2006/main" xmlns:p="http://schemas.openxmlformats.org/presentationml/2006/main" xmlns:r="http://schemas.openxmlformats.org/officeDocument/2006/relationships">
+  <p:cSld>
+    <p:spTree>
+      <p:nvGrpSpPr>
+        <p:cNvPr id="1" name=""/>
+        <p:cNvGrpSpPr/>
+        <p:nvPr/>
+      </p:nvGrpSpPr>
+      <p:grpSpPr/>
+      <p:sp>
+        <p:nvSpPr>
+          <p:cNvPr id="2" name="TextBox 1"/>
+          <p:cNvSpPr txBox="1"/>
+          <p:nvPr/>
+        </p:nvSpPr>
+        <p:spPr>
+          <a:xfrm>
+            <a:off x="182880" y="91440"/>
+            <a:ext cx="8778240" cy="365760"/>
+          </a:xfrm>
+          <a:prstGeom prst="rect">
+            <a:avLst/>
+          </a:prstGeom>
+          <a:noFill/>
+        </p:spPr>
+        <p:txBody>
+          <a:bodyPr wrap="none">
+            <a:spAutoFit/>
+          </a:bodyPr>
+          <a:lstStyle/>
+          <a:p>
+            <a:pPr>
+              <a:defRPr sz="1800" b="1"/>
+            </a:pPr>
+            <a:r>
+              <a:t>Table: T_PBX</a:t>
+            </a:r>
+          </a:p>
+        </p:txBody>
+      </p:sp>
+      <p:sp>
+        <p:nvSpPr>
+          <p:cNvPr id="3" name="TextBox 2"/>
+          <p:cNvSpPr txBox="1"/>
+          <p:nvPr/>
+        </p:nvSpPr>
+        <p:spPr>
+          <a:xfrm>
+            <a:off x="182880" y="502920"/>
+            <a:ext cx="8778240" cy="6400800"/>
+          </a:xfrm>
+          <a:prstGeom prst="rect">
+            <a:avLst/>
+          </a:prstGeom>
+          <a:noFill/>
+        </p:spPr>
+        <p:txBody>
+          <a:bodyPr wrap="square">
+            <a:spAutoFit/>
+          </a:bodyPr>
+          <a:lstStyle/>
+          <a:p>
+            <a:pPr>
+              <a:defRPr sz="800">
+                <a:latin typeface="Courier New"/>
+              </a:defRPr>
+            </a:pPr>
+            <a:r>
+              <a:t>CREATE TABLE `T_PBX` (</a:t>
+            </a:r>
+            <a:br/>
+            <a:r>
+              <a:t>  `pbx_id` int(20) NOT NULL AUTO_INCREMENT COMMENT '교환기id-직접입력',</a:t>
+            </a:r>
+            <a:br/>
+            <a:r>
+              <a:t>  `pbx_name` varchar(64) COLLATE utf8_unicode_ci DEFAULT NULL COMMENT '교환기구분하기위한 이름',</a:t>
+            </a:r>
+            <a:br/>
+            <a:r>
+              <a:t>  `pbx_ip1` varchar(16) COLLATE utf8_unicode_ci DEFAULT NULL COMMENT '교환기ip1',</a:t>
+            </a:r>
+            <a:br/>
+            <a:r>
+              <a:t>  `pbx_ip2` varchar(16) COLLATE utf8_unicode_ci DEFAULT NULL COMMENT '교환기ip2',</a:t>
+            </a:r>
+            <a:br/>
+            <a:r>
+              <a:t>  `pbx_vip` varchar(16) COLLATE utf8_unicode_ci DEFAULT NULL COMMENT 'VIP (Service IP)',</a:t>
+            </a:r>
+            <a:br/>
+            <a:r>
+              <a:t>  `crosscall_prefix` varchar(10) COLLATE utf8_unicode_ci DEFAULT '99',</a:t>
+            </a:r>
+            <a:br/>
+            <a:r>
+              <a:t>  `q_length` int(11) DEFAULT '3',</a:t>
+            </a:r>
+            <a:br/>
+            <a:r>
+              <a:t>  `origin_q_length` int(11) DEFAULT '3' COMMENT 'Origin Q번호 자릿수 (NEXT_Q 패딩용)',</a:t>
+            </a:r>
+            <a:br/>
+            <a:r>
+              <a:t>  `description` text COLLATE utf8_unicode_ci,</a:t>
+            </a:r>
+            <a:br/>
+            <a:r>
+              <a:t>  `create_datetime` timestamp NOT NULL DEFAULT CURRENT_TIMESTAMP,</a:t>
+            </a:r>
+            <a:br/>
+            <a:r>
+              <a:t>  `mod_datetime` timestamp NULL DEFAULT NULL,</a:t>
+            </a:r>
+            <a:br/>
+            <a:r>
+              <a:t>  PRIMARY KEY (`pbx_id`)</a:t>
+            </a:r>
+            <a:br/>
+            <a:r>
+              <a:t>) ENGINE=InnoDB AUTO_INCREMENT=3 DEFAULT CHARSET=utf8 COLLATE=utf8_unicode_ci COMMENT='PBX(교환기) 정보 관리 테이블';</a:t>
+            </a:r>
+          </a:p>
+        </p:txBody>
+      </p:sp>
+    </p:spTree>
+  </p:cSld>
+  <p:clrMapOvr>
+    <a:masterClrMapping/>
+  </p:clrMapOvr>
+</p:sld>
+</file>
+
+<file path=ppt/slides/slide92.xml><?xml version="1.0" encoding="utf-8"?>
+<p:sld xmlns:a="http://schemas.openxmlformats.org/drawingml/2006/main" xmlns:p="http://schemas.openxmlformats.org/presentationml/2006/main" xmlns:r="http://schemas.openxmlformats.org/officeDocument/2006/relationships">
+  <p:cSld>
+    <p:spTree>
+      <p:nvGrpSpPr>
+        <p:cNvPr id="1" name=""/>
+        <p:cNvGrpSpPr/>
+        <p:nvPr/>
+      </p:nvGrpSpPr>
+      <p:grpSpPr/>
+      <p:sp>
+        <p:nvSpPr>
+          <p:cNvPr id="2" name="TextBox 1"/>
+          <p:cNvSpPr txBox="1"/>
+          <p:nvPr/>
+        </p:nvSpPr>
+        <p:spPr>
+          <a:xfrm>
+            <a:off x="182880" y="91440"/>
+            <a:ext cx="8778240" cy="365760"/>
+          </a:xfrm>
+          <a:prstGeom prst="rect">
+            <a:avLst/>
+          </a:prstGeom>
+          <a:noFill/>
+        </p:spPr>
+        <p:txBody>
+          <a:bodyPr wrap="none">
+            <a:spAutoFit/>
+          </a:bodyPr>
+          <a:lstStyle/>
+          <a:p>
+            <a:pPr>
+              <a:defRPr sz="1800" b="1"/>
+            </a:pPr>
+            <a:r>
+              <a:t>Table: T_COMPANY</a:t>
+            </a:r>
+          </a:p>
+        </p:txBody>
+      </p:sp>
+      <p:sp>
+        <p:nvSpPr>
+          <p:cNvPr id="3" name="TextBox 2"/>
+          <p:cNvSpPr txBox="1"/>
+          <p:nvPr/>
+        </p:nvSpPr>
+        <p:spPr>
+          <a:xfrm>
+            <a:off x="182880" y="502920"/>
+            <a:ext cx="8778240" cy="6400800"/>
+          </a:xfrm>
+          <a:prstGeom prst="rect">
+            <a:avLst/>
+          </a:prstGeom>
+          <a:noFill/>
+        </p:spPr>
+        <p:txBody>
+          <a:bodyPr wrap="square">
+            <a:spAutoFit/>
+          </a:bodyPr>
+          <a:lstStyle/>
+          <a:p>
+            <a:pPr>
+              <a:defRPr sz="800">
+                <a:latin typeface="Courier New"/>
+              </a:defRPr>
+            </a:pPr>
+            <a:r>
+              <a:t>CREATE TABLE `T_COMPANY` (</a:t>
+            </a:r>
+            <a:br/>
+            <a:r>
+              <a:t>  `id` int(10) NOT NULL AUTO_INCREMENT,</a:t>
+            </a:r>
+            <a:br/>
+            <a:r>
+              <a:t>  `company_id` int(10) NOT NULL DEFAULT '0' COMMENT 'company id',</a:t>
+            </a:r>
+            <a:br/>
+            <a:r>
+              <a:t>  `company_name` varchar(64) DEFAULT NULL COMMENT '업체이름',</a:t>
+            </a:r>
+            <a:br/>
+            <a:r>
+              <a:t>  `pbx_id` int(20) NOT NULL DEFAULT '1' COMMENT '연결된 교환기 ID',</a:t>
+            </a:r>
+            <a:br/>
+            <a:r>
+              <a:t>  `company_level` int(1) NOT NULL COMMENT '업체레벨(0:IPPBX메인,1:메인,2:지사)',</a:t>
+            </a:r>
+            <a:br/>
+            <a:r>
+              <a:t>  `did_number` varchar(32) NOT NULL DEFAULT '' COMMENT '수신용DID번호로 업체에서사용하는 070번호(대표번호와 매핑).1업체별로 1개의 070번호만 할당',</a:t>
+            </a:r>
+            <a:br/>
+            <a:r>
+              <a:t>  `call_line` varchar(32) NOT NULL DEFAULT '' COMMENT '발신번호(고객용),업체에서 고객에게 전화시 고객에게 표시되는 업체의 전화번호',</a:t>
+            </a:r>
+            <a:br/>
+            <a:r>
+              <a:t>  `call_line_rider` varchar(32) NOT NULL DEFAULT '' COMMENT '상황실발신번호(기사용),업체에서 대리기사에게 전화시 대리기사에게 표시되는 업체의 전화번호',</a:t>
+            </a:r>
+            <a:br/>
+            <a:r>
+              <a:t>  `reg_call_line` varchar(32) NOT NULL DEFAULT '' COMMENT '가입용 발신번호(고객용)가입용 정보,엔텔스에서는 가지고만 있고 발신번호(고객용) 설정시에 기본설정값으로 입력되도록 함',</a:t>
+            </a:r>
+            <a:br/>
+            <a:r>
+              <a:t>  `reg_call_line_rider` varchar(32) NOT NULL DEFAULT '' COMMENT '가입용 발신번호(기사용)가입용 정보, 엔텔스에서는 가지고만 있고 상황실발신번호(기사용) 설정시에 기본설정값으로 입력되도록 함',</a:t>
+            </a:r>
+            <a:br/>
+            <a:r>
+              <a:t>  `master_id` int(10) NOT NULL COMMENT 'IPPBX메인 업체(최상위) id',</a:t>
+            </a:r>
+            <a:br/>
+            <a:r>
+              <a:t>  `parent_id` int(10) NOT NULL DEFAULT '0' COMMENT 'IPPBX메인업체인 경우는 없음(0), 메인업체이거나 지사업체인 경우에 상위 업체ID parent id(내가 2레벨이면 parent는 1레벨)',</a:t>
+            </a:r>
+            <a:br/>
+            <a:r>
+              <a:t>  `main_didnumber_range` varchar(500) NOT NULL DEFAULT '' COMMENT 'IPPBX메인업체 사용070번호 대역, IPPBX메인업체일 경우에만 값이 있음, 업체의 DID번호(DIDNumber) 엔텔스에서 설정시 사용070번호 대역 안에 속해야지만 설정가능',</a:t>
+            </a:r>
+            <a:br/>
+            <a:r>
+              <a:t>  `main_queue` varchar(500) DEFAULT NULL COMMENT 'IPPBX메인업체 사용Queue 리스트, 엔텔스에서 지사업체에 대한 Queue할당시에 메인업체의 "사용Queue 리스트" 있어야만 설정가능(IPPBX메인업체일 경우에만 값이 있습니다.)',</a:t>
+            </a:r>
+            <a:br/>
+            <a:r>
+              <a:t>  `main_queue_line` varchar(500) DEFAULT NULL COMMENT 'IPPBX메인업체 사용Line 리스트, 엔텔스에서 지사업체에 대한 키폰Line할당시에 메인업체의 "사용Line 리스트" 있어야만 설정가능,(IPPBX메인업체일 경우에만 값이 있습니다.)',</a:t>
+            </a:r>
+            <a:br/>
+            <a:r>
+              <a:t>  `use_did_route` char(1) DEFAULT 'N' COMMENT '삭제T_DID_RANGE테이블에 있음-did routing 사용 유무(DID착신), Y : 사용, N : 미사용',</a:t>
+            </a:r>
+            <a:br/>
+            <a:r>
+              <a:t>  `use_cid_route` char(1) DEFAULT 'N' COMMENT '삭제T_DID_RANGE테이블에 있음-수신전환(cid값이 지역번호인 것,002,031) 사용 유무, Y : 사용, N : 미사용',</a:t>
+            </a:r>
+            <a:br/>
+            <a:r>
+              <a:t>  `use_db_route` char(1) DEFAULT 'N' COMMENT '삭제T_DID_RANGE테이블에 있음-지역라우팅(DB routing-010) 사용 유무, Y : 사용, N : 미사용',</a:t>
+            </a:r>
+            <a:br/>
+            <a:r>
+              <a:t>  `to_number` varchar(32) DEFAULT NULL COMMENT 'did 접속번호 입입시 routing 할 DID 착신번호',</a:t>
+            </a:r>
+            <a:br/>
+            <a:r>
+              <a:t>  `main_account_id` varchar(32) DEFAULT '' COMMENT 'IPPBX메인업체 포탈사용 ID, IPPBX메인업체일 경우에만 값이 있음',</a:t>
+            </a:r>
+            <a:br/>
+            <a:r>
+              <a:t>  `main_account_pw` varchar(512) DEFAULT '' COMMENT 'IPPBX메인업체 포탈사용 PW, IPPBX메인업체일 경우에만 값이 있음',</a:t>
+            </a:r>
+            <a:br/>
+            <a:r>
+              <a:t>  `is_active` char(1) DEFAULT 'Y' COMMENT '사용 유무 ''Y'' 사용, ''N'' 미사용',</a:t>
+            </a:r>
+            <a:br/>
+            <a:r>
+              <a:t>  `use_queue` varchar(16) DEFAULT '' COMMENT '사용하는 큐(할당된 큐그룹)',</a:t>
+            </a:r>
+            <a:br/>
+            <a:r>
+              <a:t>  `is_re_call_use` char(1) DEFAULT 'N' COMMENT '리콜 사용 유무 : ''Y'' : 사용  ''N''사용 안함',</a:t>
+            </a:r>
+            <a:br/>
+            <a:r>
+              <a:t>  `is_api_send` char(1) DEFAULT 'Y' COMMENT 'api로 업체 수정 내용 보내기(N:api보내지않았음,Y:보냈거나보낼 필요 없는 상태,F:보낸 후 적용실패=&gt;실패일 경우 웹에서 확인 후 재 발송 요청할 수 있음)',</a:t>
+            </a:r>
+            <a:br/>
+            <a:r>
+              <a:t>  `request_api_login_id` varchar(50) DEFAULT '' COMMENT 'api로 업체 수정 요청한 login id',</a:t>
+            </a:r>
+            <a:br/>
+            <a:r>
+              <a:t>  `request_api_datetime` datetime DEFAULT NULL COMMENT 'api 업체 수정 내용 요청 일시(웹(수동적용)에서 N으로 바꿀떄의 시간)',</a:t>
+            </a:r>
+            <a:br/>
+            <a:r>
+              <a:t>  `send_api_datetime` datetime DEFAULT NULL COMMENT 'api로 업체 수정 내용 보낸 일시(API데몬이 로지API로 요청할떄의 시간)',</a:t>
+            </a:r>
+            <a:br/>
+            <a:r>
+              <a:t>  `read_api_datetime` datetime DEFAULT NULL COMMENT 'api로 업체 수정 결과 받은 일시(로지로부터 응답값을 받은 시간)',</a:t>
+            </a:r>
+            <a:br/>
+            <a:r>
+              <a:t>  `result_api` varchar(500) DEFAULT NULL COMMENT 'api 보낸 결과내용',</a:t>
+            </a:r>
+            <a:br/>
+            <a:r>
+              <a:t>  `re_call_time` int(11) DEFAULT '0' COMMENT '재수신 기준 시간 설정( 설정시간안에 오면 재수신 )',</a:t>
+            </a:r>
+            <a:br/>
+            <a:r>
+              <a:t>  `re_call_time_type` char(1) DEFAULT 'S' COMMENT 'S:순차착신시간, M:내콜센터운영시간',</a:t>
+            </a:r>
+            <a:br/>
+            <a:r>
+              <a:t>  `re_call_center_1` char(1) DEFAULT 'F' COMMENT 're_call_type=C일때 F:최초착신콜센터상담내선-최초착신콜센터,M:자사콜센타',</a:t>
+            </a:r>
+            <a:br/>
+            <a:r>
+              <a:t>  `re_call_center_2` char(1) DEFAULT 'M' COMMENT 're_call_type=C일때 F:최초착신콜센터상담내선-최초착신콜센터,M:자사콜센타',</a:t>
+            </a:r>
+            <a:br/>
+            <a:r>
+              <a:t>  `re_call_use_alba_q` char(1) DEFAUL</a:t>
+            </a:r>
+            <a:br/>
+            <a:r>
+              <a:t>  ... (truncated)</a:t>
+            </a:r>
+          </a:p>
+        </p:txBody>
+      </p:sp>
+    </p:spTree>
+  </p:cSld>
+  <p:clrMapOvr>
+    <a:masterClrMapping/>
+  </p:clrMapOvr>
+</p:sld>
+</file>
+
+<file path=ppt/slides/slide93.xml><?xml version="1.0" encoding="utf-8"?>
+<p:sld xmlns:a="http://schemas.openxmlformats.org/drawingml/2006/main" xmlns:p="http://schemas.openxmlformats.org/presentationml/2006/main" xmlns:r="http://schemas.openxmlformats.org/officeDocument/2006/relationships">
+  <p:cSld>
+    <p:spTree>
+      <p:nvGrpSpPr>
+        <p:cNvPr id="1" name=""/>
+        <p:cNvGrpSpPr/>
+        <p:nvPr/>
+      </p:nvGrpSpPr>
+      <p:grpSpPr/>
+      <p:sp>
+        <p:nvSpPr>
+          <p:cNvPr id="2" name="TextBox 1"/>
+          <p:cNvSpPr txBox="1"/>
+          <p:nvPr/>
+        </p:nvSpPr>
+        <p:spPr>
+          <a:xfrm>
+            <a:off x="182880" y="91440"/>
+            <a:ext cx="8778240" cy="365760"/>
+          </a:xfrm>
+          <a:prstGeom prst="rect">
+            <a:avLst/>
+          </a:prstGeom>
+          <a:noFill/>
+        </p:spPr>
+        <p:txBody>
+          <a:bodyPr wrap="none">
+            <a:spAutoFit/>
+          </a:bodyPr>
+          <a:lstStyle/>
+          <a:p>
+            <a:pPr>
+              <a:defRPr sz="1800" b="1"/>
+            </a:pPr>
+            <a:r>
+              <a:t>Table: T_QUEUE</a:t>
+            </a:r>
+          </a:p>
+        </p:txBody>
+      </p:sp>
+      <p:sp>
+        <p:nvSpPr>
+          <p:cNvPr id="3" name="TextBox 2"/>
+          <p:cNvSpPr txBox="1"/>
+          <p:nvPr/>
+        </p:nvSpPr>
+        <p:spPr>
+          <a:xfrm>
+            <a:off x="182880" y="502920"/>
+            <a:ext cx="8778240" cy="6400800"/>
+          </a:xfrm>
+          <a:prstGeom prst="rect">
+            <a:avLst/>
+          </a:prstGeom>
+          <a:noFill/>
+        </p:spPr>
+        <p:txBody>
+          <a:bodyPr wrap="square">
+            <a:spAutoFit/>
+          </a:bodyPr>
+          <a:lstStyle/>
+          <a:p>
+            <a:pPr>
+              <a:defRPr sz="800">
+                <a:latin typeface="Courier New"/>
+              </a:defRPr>
+            </a:pPr>
+            <a:r>
+              <a:t>CREATE TABLE `T_QUEUE` (</a:t>
+            </a:r>
+            <a:br/>
+            <a:r>
+              <a:t>  `master_id` int(11) NOT NULL DEFAULT '0' COMMENT '상위(master) 업체id : Q를 관리만하며 하위 레벨 업체에 Q를 할당해준다',</a:t>
+            </a:r>
+            <a:br/>
+            <a:r>
+              <a:t>  `q_num` varchar(20) NOT NULL DEFAULT '0' COMMENT 'Q 넘버=&gt;IPBPX적용',</a:t>
+            </a:r>
+            <a:br/>
+            <a:r>
+              <a:t>  `q_name` varchar(50) DEFAULT NULL COMMENT 'Q 이름=&gt;IPBPX적용',</a:t>
+            </a:r>
+            <a:br/>
+            <a:r>
+              <a:t>  `is_use` char(1) NOT NULL DEFAULT 'Y' COMMENT '업체에서 사용 유무(N:미사용,Y:사용)',</a:t>
+            </a:r>
+            <a:br/>
+            <a:r>
+              <a:t>  `is_alba_q` char(1) DEFAULT 'N' COMMENT '알바Q 사용 플래그 ''Y'' 알바Q, ''N'' 일반Q',</a:t>
+            </a:r>
+            <a:br/>
+            <a:r>
+              <a:t>  `hunt_type` char(1) NOT NULL DEFAULT 'E' COMMENT '호 분배 방식 -&gt; E:균등분배, A:모두 울림, I:입력순서, R:무작위, P:인입비율 default=E',</a:t>
+            </a:r>
+            <a:br/>
+            <a:r>
+              <a:t>  `hunt_time` int(11) NOT NULL DEFAULT '20' COMMENT '분배 대기 시간',</a:t>
+            </a:r>
+            <a:br/>
+            <a:r>
+              <a:t>  `is_other_q` char(1) NOT NULL DEFAULT 'N' COMMENT '대기시간 이후 Y:다른 Q그룹으로 넘김, N:넘기지 않음 default=N',</a:t>
+            </a:r>
+            <a:br/>
+            <a:r>
+              <a:t>  `other_q_num` varchar(20) DEFAULT NULL COMMENT '대기시간 이후(호 연결 실패시) 다른 Q 그룹으로 넘길 Q번호',</a:t>
+            </a:r>
+            <a:br/>
+            <a:r>
+              <a:t>  `is_send_pbx` char(1) NOT NULL DEFAULT 'Y' COMMENT 'N:내용수정후 적용 안했음,Y:교환기 적용완료,F:교환기적용실패 default=Y',</a:t>
+            </a:r>
+            <a:br/>
+            <a:r>
+              <a:t>  `request_pbx_login_id` varchar(20) DEFAULT NULL COMMENT 'ipPBX 변경 요청한 login_id',</a:t>
+            </a:r>
+            <a:br/>
+            <a:r>
+              <a:t>  `request_pbx_datetime` datetime DEFAULT NULL COMMENT 'ipPBX 변경내용 적용 요청 일시-수동적용시만 사용',</a:t>
+            </a:r>
+            <a:br/>
+            <a:r>
+              <a:t>  `send_pbx_datetime` datetime DEFAULT NULL COMMENT 'ippbx에 보낸 일시',</a:t>
+            </a:r>
+            <a:br/>
+            <a:r>
+              <a:t>  `send_pbx_count` int(1) DEFAULT '0' COMMENT 'ippbx에 보낸 횟수(실패일 경우 3회까지 재전송)',</a:t>
+            </a:r>
+            <a:br/>
+            <a:r>
+              <a:t>  `read_pbx_datetime` datetime DEFAULT NULL COMMENT 'ipPBX 수정 결과 받은 일시',</a:t>
+            </a:r>
+            <a:br/>
+            <a:r>
+              <a:t>  `result_pbx` varchar(500) DEFAULT NULL COMMENT 'ipPBX 수정 결과 내용',</a:t>
+            </a:r>
+            <a:br/>
+            <a:r>
+              <a:t>  `phone_avaliable_cnt` int(11) DEFAULT NULL COMMENT 'Q 소속된 extension단말이 REGISTER완료 후 전화를 받을 수 있는 상태 갯수',</a:t>
+            </a:r>
+            <a:br/>
+            <a:r>
+              <a:t>  `phone_login_cnt` int(11) DEFAULT NULL COMMENT 'Q 소속된 extension단말이 REGISTER완료 갯수 ( 전화 중이던 아니던 REGI가완료된 단말 수 )',</a:t>
+            </a:r>
+            <a:br/>
+            <a:r>
+              <a:t>  `phone_caller_cnt` int(11) DEFAULT NULL COMMENT 'Q 소속된 extension단말이 REGISTER완료후 통화중인 단말 갯수',</a:t>
+            </a:r>
+            <a:br/>
+            <a:r>
+              <a:t>  `phone_wait_cnt` int(11) DEFAULT NULL COMMENT 'Q 소속된 extension 대기콜 수 ( Ring이 울리고있는중)',</a:t>
+            </a:r>
+            <a:br/>
+            <a:r>
+              <a:t>  `phone_hold_time` int(11) DEFAULT NULL COMMENT 'Q 소속된 extension 단말의 Rinig(Hold) 울리는 시간(초)',</a:t>
+            </a:r>
+            <a:br/>
+            <a:r>
+              <a:t>  `create_datetime` datetime DEFAULT NULL COMMENT 'Q 생성 일자',</a:t>
+            </a:r>
+            <a:br/>
+            <a:r>
+              <a:t>  `mod_datetime` timestamp NOT NULL DEFAULT CURRENT_TIMESTAMP ON UPDATE CURRENT_TIMESTAMP COMMENT '수정일시',</a:t>
+            </a:r>
+            <a:br/>
+            <a:r>
+              <a:t>  `login_id` varchar(64) DEFAULT NULL COMMENT '수정자 로그인 id',</a:t>
+            </a:r>
+            <a:br/>
+            <a:r>
+              <a:t>  PRIMARY KEY (`q_num`)</a:t>
+            </a:r>
+            <a:br/>
+            <a:r>
+              <a:t>) ENGINE=InnoDB DEFAULT CHARSET=utf8;</a:t>
+            </a:r>
+          </a:p>
+        </p:txBody>
+      </p:sp>
+    </p:spTree>
+  </p:cSld>
+  <p:clrMapOvr>
+    <a:masterClrMapping/>
+  </p:clrMapOvr>
+</p:sld>
+</file>
+
+<file path=ppt/slides/slide94.xml><?xml version="1.0" encoding="utf-8"?>
+<p:sld xmlns:a="http://schemas.openxmlformats.org/drawingml/2006/main" xmlns:p="http://schemas.openxmlformats.org/presentationml/2006/main" xmlns:r="http://schemas.openxmlformats.org/officeDocument/2006/relationships">
+  <p:cSld>
+    <p:spTree>
+      <p:nvGrpSpPr>
+        <p:cNvPr id="1" name=""/>
+        <p:cNvGrpSpPr/>
+        <p:nvPr/>
+      </p:nvGrpSpPr>
+      <p:grpSpPr/>
+      <p:sp>
+        <p:nvSpPr>
+          <p:cNvPr id="2" name="TextBox 1"/>
+          <p:cNvSpPr txBox="1"/>
+          <p:nvPr/>
+        </p:nvSpPr>
+        <p:spPr>
+          <a:xfrm>
+            <a:off x="182880" y="91440"/>
+            <a:ext cx="8778240" cy="365760"/>
+          </a:xfrm>
+          <a:prstGeom prst="rect">
+            <a:avLst/>
+          </a:prstGeom>
+          <a:noFill/>
+        </p:spPr>
+        <p:txBody>
+          <a:bodyPr wrap="none">
+            <a:spAutoFit/>
+          </a:bodyPr>
+          <a:lstStyle/>
+          <a:p>
+            <a:pPr>
+              <a:defRPr sz="1800" b="1"/>
+            </a:pPr>
+            <a:r>
+              <a:t>Table: T_Q_EXTENSION</a:t>
+            </a:r>
+          </a:p>
+        </p:txBody>
+      </p:sp>
+      <p:sp>
+        <p:nvSpPr>
+          <p:cNvPr id="3" name="TextBox 2"/>
+          <p:cNvSpPr txBox="1"/>
+          <p:nvPr/>
+        </p:nvSpPr>
+        <p:spPr>
+          <a:xfrm>
+            <a:off x="182880" y="502920"/>
+            <a:ext cx="8778240" cy="6400800"/>
+          </a:xfrm>
+          <a:prstGeom prst="rect">
+            <a:avLst/>
+          </a:prstGeom>
+          <a:noFill/>
+        </p:spPr>
+        <p:txBody>
+          <a:bodyPr wrap="square">
+            <a:spAutoFit/>
+          </a:bodyPr>
+          <a:lstStyle/>
+          <a:p>
+            <a:pPr>
+              <a:defRPr sz="800">
+                <a:latin typeface="Courier New"/>
+              </a:defRPr>
+            </a:pPr>
+            <a:r>
+              <a:t>CREATE TABLE `T_Q_EXTENSION` (</a:t>
+            </a:r>
+            <a:br/>
+            <a:r>
+              <a:t>  `q_ext_id` bigint(20) NOT NULL AUTO_INCREMENT,</a:t>
+            </a:r>
+            <a:br/>
+            <a:r>
+              <a:t>  `master_id` int(11) NOT NULL DEFAULT '0' COMMENT '업체 master_id',</a:t>
+            </a:r>
+            <a:br/>
+            <a:r>
+              <a:t>  `q_num` int(11) DEFAULT NULL COMMENT 'Q  number=&gt;IPBPX적용',</a:t>
+            </a:r>
+            <a:br/>
+            <a:r>
+              <a:t>  `ext_number` varchar(20) NOT NULL DEFAULT '' COMMENT 'extension 번호=&gt;IPBPX적용',</a:t>
+            </a:r>
+            <a:br/>
+            <a:r>
+              <a:t>  `call_order` int(11) NOT NULL DEFAULT '1' COMMENT '여러 개의 Extention(내선)을 가질 경우  콜 수신되는 우선 순위 번호',</a:t>
+            </a:r>
+            <a:br/>
+            <a:r>
+              <a:t>  `re_call_order` int(11) NOT NULL DEFAULT '1' COMMENT '재 수신 시 여러 개의 Extention(내선)을 가질 경우 콜 수신되는 우선 순위 번호',</a:t>
+            </a:r>
+            <a:br/>
+            <a:r>
+              <a:t>  `is_send_pbx` char(1) DEFAULT 'Y' COMMENT 'Q에 Extention 연결 후 ipPbx에 N:적용 안했음,Y:교환기 적용완료,F:교환기적용실패 default=Y',</a:t>
+            </a:r>
+            <a:br/>
+            <a:r>
+              <a:t>  `request_pbx_login_id` varchar(20) DEFAULT NULL COMMENT 'ipPBX 변경 요청한 login_id',</a:t>
+            </a:r>
+            <a:br/>
+            <a:r>
+              <a:t>  `request_pbx_datetime` datetime DEFAULT NULL COMMENT 'ipPBX 변경내용 적용 요청 일시',</a:t>
+            </a:r>
+            <a:br/>
+            <a:r>
+              <a:t>  `send_pbx_datetime` datetime DEFAULT NULL COMMENT 'ippbx에 보낸 일시',</a:t>
+            </a:r>
+            <a:br/>
+            <a:r>
+              <a:t>  `send_pbx_count` int(1) DEFAULT '0' COMMENT 'ippbx에 보낸 횟수(실패일 경우 3회까지 재전송)',</a:t>
+            </a:r>
+            <a:br/>
+            <a:r>
+              <a:t>  `read_pbx_datetime` datetime DEFAULT NULL COMMENT 'ipPBX 수정 결과 받은 일시',</a:t>
+            </a:r>
+            <a:br/>
+            <a:r>
+              <a:t>  `result_pbx` varchar(500) DEFAULT NULL COMMENT 'ipPBX 수정 결과 내용',</a:t>
+            </a:r>
+            <a:br/>
+            <a:r>
+              <a:t>  `create_datetime` datetime NOT NULL,</a:t>
+            </a:r>
+            <a:br/>
+            <a:r>
+              <a:t>  `mod_datetime` timestamp NOT NULL DEFAULT CURRENT_TIMESTAMP ON UPDATE CURRENT_TIMESTAMP,</a:t>
+            </a:r>
+            <a:br/>
+            <a:r>
+              <a:t>  `login_id` varchar(64) DEFAULT NULL COMMENT '수정자로그인id',</a:t>
+            </a:r>
+            <a:br/>
+            <a:r>
+              <a:t>  `company_id` bigint(20) NOT NULL COMMENT '삭제 - 업체id',</a:t>
+            </a:r>
+            <a:br/>
+            <a:r>
+              <a:t>  `company_did_number` varchar(20) DEFAULT NULL COMMENT '삭제 - 업체 did 번호',</a:t>
+            </a:r>
+            <a:br/>
+            <a:r>
+              <a:t>  `agent_id` varchar(12) DEFAULT NULL COMMENT '삭제 - 상담원id',</a:t>
+            </a:r>
+            <a:br/>
+            <a:r>
+              <a:t>  `agent_name` varchar(20) DEFAULT NULL COMMENT '삭제 - 상담원명',</a:t>
+            </a:r>
+            <a:br/>
+            <a:r>
+              <a:t>  `call_status` int(11) DEFAULT NULL COMMENT '삭제 - 0 - Idle - Related device(s) are in an idle state.\n1 - InUse - Related device(s) are in active calls but may take more calls.\n2 - Busy - Related device(s) are in active calls and may not take any more calls.\n4 - Unavailable - Related device(s) are not reachable.\n8 - Ringing - Related device(s) are currently ringing.\n9 - InUse&amp;Ringing - Related device(s) are currently ringing and in active calls.\n16 - Hold - Related device(s) are currently on hold.\n17 - InUse&amp;Hold - Related device(s) are currently on hold삭제 -  and in active calls.',</a:t>
+            </a:r>
+            <a:br/>
+            <a:r>
+              <a:t>  `mute_onoff` int(11) DEFAULT NULL COMMENT '삭제 - 0 : OFF\n1 : ON',</a:t>
+            </a:r>
+            <a:br/>
+            <a:r>
+              <a:t>  `hold_onoff` int(11) DEFAULT NULL COMMENT '삭제 - 0 : OFF\n1 : ON',</a:t>
+            </a:r>
+            <a:br/>
+            <a:r>
+              <a:t>  `call_inout` char(1) DEFAULT NULL COMMENT '삭제 - 0 : IDLE\n1 : 인바운드\n2: 아웃바운드',</a:t>
+            </a:r>
+            <a:br/>
+            <a:r>
+              <a:t>  `ring_time` int(11) DEFAULT NULL COMMENT '삭제 - ring 시간(초)',</a:t>
+            </a:r>
+            <a:br/>
+            <a:r>
+              <a:t>  `mod_status` int(1) DEFAULT '0' COMMENT '삭제 - 웹창에서 내선 상태 변경시 사용 O:미사용모드, 1:전화수신모드(로그인),2:휴식중모드, 4:로그아웃모드',</a:t>
+            </a:r>
+            <a:br/>
+            <a:r>
+              <a:t>  `is_status` char(1) DEFAULT '0' COMMENT '삭제 - extension 상태 O:미사용모드, 1:전화수신모드(로그인), 2:휴식중모드,3:다른작업모드,4:로그아웃모드',</a:t>
+            </a:r>
+            <a:br/>
+            <a:r>
+              <a:t>  `is_rec_status` char(1) DEFAULT '0' COMMENT '삭제 - nRecordPlay 상택:0:UNANSWER_RECPLAY_MODE, 1:ANSWER_RECPLAY_MODE',</a:t>
+            </a:r>
+            <a:br/>
+            <a:r>
+              <a:t>  `is_mute_status` char(1) DEFAULT '0' COMMENT '삭제 - nMute상태:0:UNMUTE_MODE,1:MUTE_MODE',</a:t>
+            </a:r>
+            <a:br/>
+            <a:r>
+              <a:t>  `is_btransfer_stauts` char(1) DEFAULT '0' COMMENT '삭제 - nBlindTransfer상태:0:UNBLINDTRANSFER_MODE , 1:BLINDTRANSFER_MODE',</a:t>
+            </a:r>
+            <a:br/>
+            <a:r>
+              <a:t>  `extension_kind` char(1) DEFAULT 'A' COMMENT '삭제 - A ;</a:t>
+            </a:r>
+          </a:p>
+        </p:txBody>
+      </p:sp>
+    </p:spTree>
+  </p:cSld>
+  <p:clrMapOvr>
+    <a:masterClrMapping/>
+  </p:clrMapOvr>
+</p:sld>
+</file>
+
+<file path=ppt/slides/slide95.xml><?xml version="1.0" encoding="utf-8"?>
+<p:sld xmlns:a="http://schemas.openxmlformats.org/drawingml/2006/main" xmlns:p="http://schemas.openxmlformats.org/presentationml/2006/main" xmlns:r="http://schemas.openxmlformats.org/officeDocument/2006/relationships">
+  <p:cSld>
+    <p:spTree>
+      <p:nvGrpSpPr>
+        <p:cNvPr id="1" name=""/>
+        <p:cNvGrpSpPr/>
+        <p:nvPr/>
+      </p:nvGrpSpPr>
+      <p:grpSpPr/>
+      <p:sp>
+        <p:nvSpPr>
+          <p:cNvPr id="2" name="TextBox 1"/>
+          <p:cNvSpPr txBox="1"/>
+          <p:nvPr/>
+        </p:nvSpPr>
+        <p:spPr>
+          <a:xfrm>
+            <a:off x="182880" y="91440"/>
+            <a:ext cx="8778240" cy="365760"/>
+          </a:xfrm>
+          <a:prstGeom prst="rect">
+            <a:avLst/>
+          </a:prstGeom>
+          <a:noFill/>
+        </p:spPr>
+        <p:txBody>
+          <a:bodyPr wrap="none">
+            <a:spAutoFit/>
+          </a:bodyPr>
+          <a:lstStyle/>
+          <a:p>
+            <a:pPr>
+              <a:defRPr sz="1800" b="1"/>
+            </a:pPr>
+            <a:r>
+              <a:t>Table: T_Q_COMPANY</a:t>
+            </a:r>
+          </a:p>
+        </p:txBody>
+      </p:sp>
+      <p:sp>
+        <p:nvSpPr>
+          <p:cNvPr id="3" name="TextBox 2"/>
+          <p:cNvSpPr txBox="1"/>
+          <p:nvPr/>
+        </p:nvSpPr>
+        <p:spPr>
+          <a:xfrm>
+            <a:off x="182880" y="502920"/>
+            <a:ext cx="8778240" cy="6400800"/>
+          </a:xfrm>
+          <a:prstGeom prst="rect">
+            <a:avLst/>
+          </a:prstGeom>
+          <a:noFill/>
+        </p:spPr>
+        <p:txBody>
+          <a:bodyPr wrap="square">
+            <a:spAutoFit/>
+          </a:bodyPr>
+          <a:lstStyle/>
+          <a:p>
+            <a:pPr>
+              <a:defRPr sz="800">
+                <a:latin typeface="Courier New"/>
+              </a:defRPr>
+            </a:pPr>
+            <a:r>
+              <a:t>CREATE TABLE `T_Q_COMPANY` (</a:t>
+            </a:r>
+            <a:br/>
+            <a:r>
+              <a:t>  `id` int(11) NOT NULL AUTO_INCREMENT COMMENT 'Q 업체 id',</a:t>
+            </a:r>
+            <a:br/>
+            <a:r>
+              <a:t>  `master_id` int(11) NOT NULL DEFAULT '0' COMMENT '상위(master) 업체id : Q 그룹을 관리만하며 하위 레벨 업체에 Q 를 할당해준다. 그 하위 업체가 q_company_id 값이다.',</a:t>
+            </a:r>
+            <a:br/>
+            <a:r>
+              <a:t>  `company_id` int(11) NOT NULL DEFAULT '0' COMMENT 'Q할당된 업체',</a:t>
+            </a:r>
+            <a:br/>
+            <a:r>
+              <a:t>  `q_num` varchar(20) NOT NULL COMMENT 'Q 넘버',</a:t>
+            </a:r>
+            <a:br/>
+            <a:r>
+              <a:t>  `did_number` varchar(20) NOT NULL DEFAULT '' COMMENT '업체 did번호',</a:t>
+            </a:r>
+            <a:br/>
+            <a:r>
+              <a:t>  `is_use` char(1) DEFAULT 'Y' COMMENT '업체에서 사용 유무(N:미사용,Y:사용)',</a:t>
+            </a:r>
+            <a:br/>
+            <a:r>
+              <a:t>  `create_datetime` datetime DEFAULT NULL COMMENT 'Q 그룹 생성 일자',</a:t>
+            </a:r>
+            <a:br/>
+            <a:r>
+              <a:t>  `mod_datetime` timestamp NOT NULL DEFAULT CURRENT_TIMESTAMP ON UPDATE CURRENT_TIMESTAMP COMMENT 'Q 그룹 수정 일자',</a:t>
+            </a:r>
+            <a:br/>
+            <a:r>
+              <a:t>  `login_id` varchar(64) DEFAULT NULL COMMENT '수정자 로그인 id',</a:t>
+            </a:r>
+            <a:br/>
+            <a:r>
+              <a:t>  PRIMARY KEY (`id`),</a:t>
+            </a:r>
+            <a:br/>
+            <a:r>
+              <a:t>  UNIQUE KEY `unique_values` (`company_id`,`did_number`,`q_num`)</a:t>
+            </a:r>
+            <a:br/>
+            <a:r>
+              <a:t>) ENGINE=InnoDB AUTO_INCREMENT=7806 DEFAULT CHARSET=utf8;</a:t>
+            </a:r>
+          </a:p>
+        </p:txBody>
+      </p:sp>
+    </p:spTree>
+  </p:cSld>
+  <p:clrMapOvr>
+    <a:masterClrMapping/>
+  </p:clrMapOvr>
+</p:sld>
+</file>
+
+<file path=ppt/slides/slide96.xml><?xml version="1.0" encoding="utf-8"?>
+<p:sld xmlns:a="http://schemas.openxmlformats.org/drawingml/2006/main" xmlns:p="http://schemas.openxmlformats.org/presentationml/2006/main" xmlns:r="http://schemas.openxmlformats.org/officeDocument/2006/relationships">
+  <p:cSld>
+    <p:spTree>
+      <p:nvGrpSpPr>
+        <p:cNvPr id="1" name=""/>
+        <p:cNvGrpSpPr/>
+        <p:nvPr/>
+      </p:nvGrpSpPr>
+      <p:grpSpPr/>
+      <p:sp>
+        <p:nvSpPr>
+          <p:cNvPr id="2" name="TextBox 1"/>
+          <p:cNvSpPr txBox="1"/>
+          <p:nvPr/>
+        </p:nvSpPr>
+        <p:spPr>
+          <a:xfrm>
+            <a:off x="182880" y="91440"/>
+            <a:ext cx="8778240" cy="365760"/>
+          </a:xfrm>
+          <a:prstGeom prst="rect">
+            <a:avLst/>
+          </a:prstGeom>
+          <a:noFill/>
+        </p:spPr>
+        <p:txBody>
+          <a:bodyPr wrap="none">
+            <a:spAutoFit/>
+          </a:bodyPr>
+          <a:lstStyle/>
+          <a:p>
+            <a:pPr>
+              <a:defRPr sz="1800" b="1"/>
+            </a:pPr>
+            <a:r>
+              <a:t>Table: T_Q_GROUP</a:t>
+            </a:r>
+          </a:p>
+        </p:txBody>
+      </p:sp>
+      <p:sp>
+        <p:nvSpPr>
+          <p:cNvPr id="3" name="TextBox 2"/>
+          <p:cNvSpPr txBox="1"/>
+          <p:nvPr/>
+        </p:nvSpPr>
+        <p:spPr>
+          <a:xfrm>
+            <a:off x="182880" y="502920"/>
+            <a:ext cx="8778240" cy="6400800"/>
+          </a:xfrm>
+          <a:prstGeom prst="rect">
+            <a:avLst/>
+          </a:prstGeom>
+          <a:noFill/>
+        </p:spPr>
+        <p:txBody>
+          <a:bodyPr wrap="square">
+            <a:spAutoFit/>
+          </a:bodyPr>
+          <a:lstStyle/>
+          <a:p>
+            <a:pPr>
+              <a:defRPr sz="800">
+                <a:latin typeface="Courier New"/>
+              </a:defRPr>
+            </a:pPr>
+            <a:r>
+              <a:t>CREATE TABLE `T_Q_GROUP` (</a:t>
+            </a:r>
+            <a:br/>
+            <a:r>
+              <a:t>  `q_group_id` bigint(20) NOT NULL AUTO_INCREMENT COMMENT 'Q 그룹 id',</a:t>
+            </a:r>
+            <a:br/>
+            <a:r>
+              <a:t>  `master_id` int(11) NOT NULL DEFAULT '0' COMMENT '상위(master) 업체id : Q 그룹을 관리만하며 하위 레벨 업체에 Q 를 할당해준다. 그 하위 업체가 q_company_id 값이다.',</a:t>
+            </a:r>
+            <a:br/>
+            <a:r>
+              <a:t>  `q_group_num` varchar(20) NOT NULL COMMENT 'Q 그룹 넘버',</a:t>
+            </a:r>
+            <a:br/>
+            <a:r>
+              <a:t>  `q_group_name` varchar(50) DEFAULT NULL COMMENT 'Q 그룹 이름',</a:t>
+            </a:r>
+            <a:br/>
+            <a:r>
+              <a:t>  `company_id` int(11) DEFAULT '0' COMMENT '삭제해야할 필드',</a:t>
+            </a:r>
+            <a:br/>
+            <a:r>
+              <a:t>  `q_company_id` int(11) DEFAULT '0' COMMENT '삭제해야할 필드',</a:t>
+            </a:r>
+            <a:br/>
+            <a:r>
+              <a:t>  `q_company_did_num` varchar(20) DEFAULT NULL COMMENT '삭제해야할 필드',</a:t>
+            </a:r>
+            <a:br/>
+            <a:r>
+              <a:t>  `is_use` char(1) DEFAULT 'Y' COMMENT '사용 유무(N:미사용,Y:사용)',</a:t>
+            </a:r>
+            <a:br/>
+            <a:r>
+              <a:t>  `call_order` int(11) DEFAULT '1' COMMENT '여러개의 Q 그룹 넘버를 가질 경우 우선 순위 번호',</a:t>
+            </a:r>
+            <a:br/>
+            <a:r>
+              <a:t>  `re_call_order` int(11) DEFAULT '1' COMMENT '재 수신 시 여러개의 Q 그룹 넘버를 가질 경우 우선 순위 번호',</a:t>
+            </a:r>
+            <a:br/>
+            <a:r>
+              <a:t>  `q_group_level` int(11) DEFAULT NULL COMMENT 'level \\\\n1 : 알바 / 재택 근무자 그룹\\\\n2 : 고용된 상담원 / 사무실 상담원 그룹',</a:t>
+            </a:r>
+            <a:br/>
+            <a:r>
+              <a:t>  `phone_avaliable_cnt` int(11) DEFAULT NULL COMMENT 'Q 소속된 extension단말이 REGISTER완료 후 전화를 받을 수 있는 상태 갯수',</a:t>
+            </a:r>
+            <a:br/>
+            <a:r>
+              <a:t>  `phone_login_cnt` int(11) DEFAULT NULL COMMENT 'Q 소속된 extension단말이 REGISTER완료 갯수 ( 전화 중이던 아니던 REGI가완료된 단말 수 )',</a:t>
+            </a:r>
+            <a:br/>
+            <a:r>
+              <a:t>  `phone_caller_cnt` int(11) DEFAULT NULL COMMENT 'Q 소속된 extension단말이 REGISTER완료후 통화중인 단말 갯수',</a:t>
+            </a:r>
+            <a:br/>
+            <a:r>
+              <a:t>  `phone_wait_cnt` int(11) DEFAULT NULL COMMENT 'Q 소속된 extension 대기콜 수 ( Ring이 울리고있는중)',</a:t>
+            </a:r>
+            <a:br/>
+            <a:r>
+              <a:t>  `phone_vip_cnt` int(11) DEFAULT '0' COMMENT 'VIP 대기 콜수',</a:t>
+            </a:r>
+            <a:br/>
+            <a:r>
+              <a:t>  `phone_hold_time` int(11) DEFAULT NULL COMMENT 'Q 소속된 extension 단말의 Rinig(Hold) 울리는 시간(초)',</a:t>
+            </a:r>
+            <a:br/>
+            <a:r>
+              <a:t>  `phone_talk_time` int(11) DEFAULT NULL COMMENT 'Q 소속된 extension단말이 연결된 통화 시간(초)',</a:t>
+            </a:r>
+            <a:br/>
+            <a:r>
+              <a:t>  `hunt_type` char(1) DEFAULT NULL COMMENT '호 분배 방식 -&gt; E:균등분배,  A:모두 울림,  I:입력순서,  R:무작위,  P:인입비율',</a:t>
+            </a:r>
+            <a:br/>
+            <a:r>
+              <a:t>  `hunt_time` int(11) DEFAULT NULL COMMENT '분배 대기 시간',</a:t>
+            </a:r>
+            <a:br/>
+            <a:r>
+              <a:t>  `other_q_group_num` varchar(20) DEFAULT NULL COMMENT '호 연결 실패시 다른 Q 그룹으로 넘김',</a:t>
+            </a:r>
+            <a:br/>
+            <a:r>
+              <a:t>  `try_datetime` datetime DEFAULT NULL COMMENT 'Q 연결 시도 시간',</a:t>
+            </a:r>
+            <a:br/>
+            <a:r>
+              <a:t>  `create_datetime` datetime DEFAULT NULL COMMENT 'Q 그룹 생성 일자',</a:t>
+            </a:r>
+            <a:br/>
+            <a:r>
+              <a:t>  `mod_datetime` datetime NOT NULL COMMENT 'Q 그룹 수정 일자',</a:t>
+            </a:r>
+            <a:br/>
+            <a:r>
+              <a:t>  `login_id` varchar(64) DEFAULT NULL COMMENT '수정자 로그인 id',</a:t>
+            </a:r>
+            <a:br/>
+            <a:r>
+              <a:t>  PRIMARY KEY (`q_group_id`,`mod_datetime`)</a:t>
+            </a:r>
+            <a:br/>
+            <a:r>
+              <a:t>) ENGINE=InnoDB DEFAULT CHARSET=utf8;</a:t>
+            </a:r>
+          </a:p>
+        </p:txBody>
+      </p:sp>
+    </p:spTree>
+  </p:cSld>
+  <p:clrMapOvr>
+    <a:masterClrMapping/>
+  </p:clrMapOvr>
+</p:sld>
+</file>
+
+<file path=ppt/slides/slide97.xml><?xml version="1.0" encoding="utf-8"?>
+<p:sld xmlns:a="http://schemas.openxmlformats.org/drawingml/2006/main" xmlns:p="http://schemas.openxmlformats.org/presentationml/2006/main" xmlns:r="http://schemas.openxmlformats.org/officeDocument/2006/relationships">
+  <p:cSld>
+    <p:spTree>
+      <p:nvGrpSpPr>
+        <p:cNvPr id="1" name=""/>
+        <p:cNvGrpSpPr/>
+        <p:nvPr/>
+      </p:nvGrpSpPr>
+      <p:grpSpPr/>
+      <p:sp>
+        <p:nvSpPr>
+          <p:cNvPr id="2" name="TextBox 1"/>
+          <p:cNvSpPr txBox="1"/>
+          <p:nvPr/>
+        </p:nvSpPr>
+        <p:spPr>
+          <a:xfrm>
+            <a:off x="182880" y="91440"/>
+            <a:ext cx="8778240" cy="365760"/>
+          </a:xfrm>
+          <a:prstGeom prst="rect">
+            <a:avLst/>
+          </a:prstGeom>
+          <a:noFill/>
+        </p:spPr>
+        <p:txBody>
+          <a:bodyPr wrap="none">
+            <a:spAutoFit/>
+          </a:bodyPr>
+          <a:lstStyle/>
+          <a:p>
+            <a:pPr>
+              <a:defRPr sz="1800" b="1"/>
+            </a:pPr>
+            <a:r>
+              <a:t>Table: T_EXTENSION</a:t>
+            </a:r>
+          </a:p>
+        </p:txBody>
+      </p:sp>
+      <p:sp>
+        <p:nvSpPr>
+          <p:cNvPr id="3" name="TextBox 2"/>
+          <p:cNvSpPr txBox="1"/>
+          <p:nvPr/>
+        </p:nvSpPr>
+        <p:spPr>
+          <a:xfrm>
+            <a:off x="182880" y="502920"/>
+            <a:ext cx="8778240" cy="6400800"/>
+          </a:xfrm>
+          <a:prstGeom prst="rect">
+            <a:avLst/>
+          </a:prstGeom>
+          <a:noFill/>
+        </p:spPr>
+        <p:txBody>
+          <a:bodyPr wrap="square">
+            <a:spAutoFit/>
+          </a:bodyPr>
+          <a:lstStyle/>
+          <a:p>
+            <a:pPr>
+              <a:defRPr sz="800">
+                <a:latin typeface="Courier New"/>
+              </a:defRPr>
+            </a:pPr>
+            <a:r>
+              <a:t>CREATE TABLE `T_EXTENSION` (</a:t>
+            </a:r>
+            <a:br/>
+            <a:r>
+              <a:t>  `ext_id` int(11) NOT NULL AUTO_INCREMENT,</a:t>
+            </a:r>
+            <a:br/>
+            <a:r>
+              <a:t>  `master_id` int(11) NOT NULL DEFAULT '0' COMMENT '업체 master_id',</a:t>
+            </a:r>
+            <a:br/>
+            <a:r>
+              <a:t>  `ext_number` varchar(20) NOT NULL COMMENT 'extension 번호, XX-&gt;00~99, X-&gt; 0~9',</a:t>
+            </a:r>
+            <a:br/>
+            <a:r>
+              <a:t>  `agent_id` varchar(12) DEFAULT NULL COMMENT '상담원id',</a:t>
+            </a:r>
+            <a:br/>
+            <a:r>
+              <a:t>  `agent_name` varchar(20) DEFAULT NULL COMMENT '상담원명',</a:t>
+            </a:r>
+            <a:br/>
+            <a:r>
+              <a:t>  `call_status` int(11) DEFAULT NULL COMMENT '100-휴식중. 101-LogOut. 0 - Idle - Related device(s) are in an idle state.\n1 - InUse - Related device(s) are in active calls but may take more calls.\n2 - Busy - Related device(s) are in active calls and may not take any more calls.\n4 - Unavailable - Related device(s) are not reachable.\n8 - Ringing - Related device(s) are currently ringing.\n9 - InUse&amp;Ringing - Related device(s) are currently ringing and in active calls.\n16 - Hold - Related device(s) are currently on hold.\n17 - InUse&amp;Hold - Related device(s) are currently on hold and in active calls.',</a:t>
+            </a:r>
+            <a:br/>
+            <a:r>
+              <a:t>  `mute_onoff` int(11) DEFAULT NULL COMMENT '0 : OFF\n1 : ON',</a:t>
+            </a:r>
+            <a:br/>
+            <a:r>
+              <a:t>  `hold_onoff` int(11) DEFAULT NULL COMMENT '0 : OFF\n1 : ON',</a:t>
+            </a:r>
+            <a:br/>
+            <a:r>
+              <a:t>  `call_inout` char(1) DEFAULT NULL COMMENT '0 : IDLE\n1 : 인바운드\n2: 아웃바운드',</a:t>
+            </a:r>
+            <a:br/>
+            <a:r>
+              <a:t>  `order_cnt` int(11) DEFAULT '1' COMMENT '우선순위 Default=1',</a:t>
+            </a:r>
+            <a:br/>
+            <a:r>
+              <a:t>  `ring_time` int(11) DEFAULT NULL COMMENT 'ring 시간(초)',</a:t>
+            </a:r>
+            <a:br/>
+            <a:r>
+              <a:t>  `mod_status` int(1) DEFAULT '-1' COMMENT '웹창에서 내선 상태 변경시 사용 -1:상태변경요청없음, O:미사용모드, 1:전화수신모드(로그인),2:휴식중모드, 4:로그아웃모드',</a:t>
+            </a:r>
+            <a:br/>
+            <a:r>
+              <a:t>  `is_status` char(1) DEFAULT '0' COMMENT 'extension 상태 O:미사용모드, 1:전화수신모드(로그인), 2:휴식중모드,3:다른작업모드,4:로그아웃모드',</a:t>
+            </a:r>
+            <a:br/>
+            <a:r>
+              <a:t>  `is_rec_status` char(1) DEFAULT '0' COMMENT 'nRecordPlay 상택:0:UNANSWER_RECPLAY_MODE, 1:ANSWER_RECPLAY_MODE',</a:t>
+            </a:r>
+            <a:br/>
+            <a:r>
+              <a:t>  `is_mute_status` char(1) DEFAULT '0' COMMENT 'nMute상태:0:UNMUTE_MODE,1:MUTE_MODE',</a:t>
+            </a:r>
+            <a:br/>
+            <a:r>
+              <a:t>  `is_btransfer_stauts` char(1) DEFAULT '0' COMMENT 'nBlindTransfer상태:0:UNBLINDTRANSFER_MODE , 1:BLINDTRANSFER_MODE',</a:t>
+            </a:r>
+            <a:br/>
+            <a:r>
+              <a:t>  `extension_kind` char(1) DEFAULT 'A' COMMENT 'A ;</a:t>
+            </a:r>
+          </a:p>
+        </p:txBody>
+      </p:sp>
+    </p:spTree>
+  </p:cSld>
+  <p:clrMapOvr>
+    <a:masterClrMapping/>
+  </p:clrMapOvr>
+</p:sld>
+</file>
+
+<file path=ppt/slides/slide98.xml><?xml version="1.0" encoding="utf-8"?>
+<p:sld xmlns:a="http://schemas.openxmlformats.org/drawingml/2006/main" xmlns:p="http://schemas.openxmlformats.org/presentationml/2006/main" xmlns:r="http://schemas.openxmlformats.org/officeDocument/2006/relationships">
+  <p:cSld>
+    <p:spTree>
+      <p:nvGrpSpPr>
+        <p:cNvPr id="1" name=""/>
+        <p:cNvGrpSpPr/>
+        <p:nvPr/>
+      </p:nvGrpSpPr>
+      <p:grpSpPr/>
+      <p:sp>
+        <p:nvSpPr>
+          <p:cNvPr id="2" name="TextBox 1"/>
+          <p:cNvSpPr txBox="1"/>
+          <p:nvPr/>
+        </p:nvSpPr>
+        <p:spPr>
+          <a:xfrm>
+            <a:off x="182880" y="91440"/>
+            <a:ext cx="8778240" cy="365760"/>
+          </a:xfrm>
+          <a:prstGeom prst="rect">
+            <a:avLst/>
+          </a:prstGeom>
+          <a:noFill/>
+        </p:spPr>
+        <p:txBody>
+          <a:bodyPr wrap="none">
+            <a:spAutoFit/>
+          </a:bodyPr>
+          <a:lstStyle/>
+          <a:p>
+            <a:pPr>
+              <a:defRPr sz="1800" b="1"/>
+            </a:pPr>
+            <a:r>
+              <a:t>Table: T_CUSTOMER</a:t>
+            </a:r>
+          </a:p>
+        </p:txBody>
+      </p:sp>
+      <p:sp>
+        <p:nvSpPr>
+          <p:cNvPr id="3" name="TextBox 2"/>
+          <p:cNvSpPr txBox="1"/>
+          <p:nvPr/>
+        </p:nvSpPr>
+        <p:spPr>
+          <a:xfrm>
+            <a:off x="182880" y="502920"/>
+            <a:ext cx="8778240" cy="6400800"/>
+          </a:xfrm>
+          <a:prstGeom prst="rect">
+            <a:avLst/>
+          </a:prstGeom>
+          <a:noFill/>
+        </p:spPr>
+        <p:txBody>
+          <a:bodyPr wrap="square">
+            <a:spAutoFit/>
+          </a:bodyPr>
+          <a:lstStyle/>
+          <a:p>
+            <a:pPr>
+              <a:defRPr sz="800">
+                <a:latin typeface="Courier New"/>
+              </a:defRPr>
+            </a:pPr>
+            <a:r>
+              <a:t>CREATE TABLE `T_CUSTOMER` (</a:t>
+            </a:r>
+            <a:br/>
+            <a:r>
+              <a:t>  `seq` int(11) NOT NULL AUTO_INCREMENT COMMENT '자동증가',</a:t>
+            </a:r>
+            <a:br/>
+            <a:r>
+              <a:t>  `master_id` int(11) NOT NULL DEFAULT '0' COMMENT '마스타id:c_level=B(거부고객)일경우 master_id에 값넣고 comp_id=0값으로하여 동일한 master_id일 경우 모두 거부고객으로 함',</a:t>
+            </a:r>
+            <a:br/>
+            <a:r>
+              <a:t>  `company_id` int(11) NOT NULL DEFAULT '0' COMMENT '지사 id',</a:t>
+            </a:r>
+            <a:br/>
+            <a:r>
+              <a:t>  `c_phone` varchar(20) DEFAULT '' COMMENT '고객전화번호',</a:t>
+            </a:r>
+            <a:br/>
+            <a:r>
+              <a:t>  `c_name` varchar(20) DEFAULT NULL COMMENT '고객이름',</a:t>
+            </a:r>
+            <a:br/>
+            <a:r>
+              <a:t>  `c_level` char(1) NOT NULL DEFAULT 'V' COMMENT '고객 level V:VIP, B:BlackList',</a:t>
+            </a:r>
+            <a:br/>
+            <a:r>
+              <a:t>  `save_kind` char(1) DEFAULT 'A' COMMENT '등록방법(A:자동저장,M:수동저장)',</a:t>
+            </a:r>
+            <a:br/>
+            <a:r>
+              <a:t>  `duration_day` int(11) DEFAULT '0' COMMENT '유지,지속일(VIP나 거부고객 지속일자)',</a:t>
+            </a:r>
+            <a:br/>
+            <a:r>
+              <a:t>  `start_datetime` char(19) DEFAULT NULL COMMENT 'YYYY-MM-DD hh:mm:ss 등록일시',</a:t>
+            </a:r>
+            <a:br/>
+            <a:r>
+              <a:t>  `end_datetime` char(19) DEFAULT NULL COMMENT 'YYYY-MM-DD hh:mm:ss VIP나 블랙리스트 등록해제 일시',</a:t>
+            </a:r>
+            <a:br/>
+            <a:r>
+              <a:t>  `create_datetime` char(19) DEFAULT NULL COMMENT '등록일시 YYYY-MM-DD hh:mm:ss',</a:t>
+            </a:r>
+            <a:br/>
+            <a:r>
+              <a:t>  `blocking_time` int(11) DEFAULT '0' COMMENT '차단지속시간(분)',</a:t>
+            </a:r>
+            <a:br/>
+            <a:r>
+              <a:t>  `b_stime` char(5) DEFAULT NULL COMMENT '블랙리스트 작동 시간 hh:mm',</a:t>
+            </a:r>
+            <a:br/>
+            <a:r>
+              <a:t>  `b_etime` char(5) DEFAULT NULL COMMENT '블랙리스트 해제 시간 hh:mm',</a:t>
+            </a:r>
+            <a:br/>
+            <a:r>
+              <a:t>  `b_reg_user_id` int(11) DEFAULT '0' COMMENT '블랙리스트 등록한 사람 사원코드',</a:t>
+            </a:r>
+            <a:br/>
+            <a:r>
+              <a:t>  `b_reg_user_name` varchar(20) DEFAULT 'NULL' COMMENT '블랙리스트 등록한 사람',</a:t>
+            </a:r>
+            <a:br/>
+            <a:r>
+              <a:t>  `b_memo` text COMMENT '블랙리스트 등록이유',</a:t>
+            </a:r>
+            <a:br/>
+            <a:r>
+              <a:t>  `mod_datetime` timestamp NOT NULL DEFAULT CURRENT_TIMESTAMP,</a:t>
+            </a:r>
+            <a:br/>
+            <a:r>
+              <a:t>  PRIMARY KEY (`seq`)</a:t>
+            </a:r>
+            <a:br/>
+            <a:r>
+              <a:t>) ENGINE=InnoDB AUTO_INCREMENT=5377 DEFAULT CHARSET=utf8;</a:t>
+            </a:r>
+          </a:p>
+        </p:txBody>
+      </p:sp>
+    </p:spTree>
+  </p:cSld>
+  <p:clrMapOvr>
+    <a:masterClrMapping/>
+  </p:clrMapOvr>
+</p:sld>
+</file>
+
+<file path=ppt/slides/slide99.xml><?xml version="1.0" encoding="utf-8"?>
+<p:sld xmlns:a="http://schemas.openxmlformats.org/drawingml/2006/main" xmlns:p="http://schemas.openxmlformats.org/presentationml/2006/main" xmlns:r="http://schemas.openxmlformats.org/officeDocument/2006/relationships">
+  <p:cSld>
+    <p:spTree>
+      <p:nvGrpSpPr>
+        <p:cNvPr id="1" name=""/>
+        <p:cNvGrpSpPr/>
+        <p:nvPr/>
+      </p:nvGrpSpPr>
+      <p:grpSpPr/>
+      <p:sp>
+        <p:nvSpPr>
+          <p:cNvPr id="2" name="TextBox 1"/>
+          <p:cNvSpPr txBox="1"/>
+          <p:nvPr/>
+        </p:nvSpPr>
+        <p:spPr>
+          <a:xfrm>
+            <a:off x="182880" y="91440"/>
+            <a:ext cx="8778240" cy="365760"/>
+          </a:xfrm>
+          <a:prstGeom prst="rect">
+            <a:avLst/>
+          </a:prstGeom>
+          <a:noFill/>
+        </p:spPr>
+        <p:txBody>
+          <a:bodyPr wrap="none">
+            <a:spAutoFit/>
+          </a:bodyPr>
+          <a:lstStyle/>
+          <a:p>
+            <a:pPr>
+              <a:defRPr sz="1800" b="1"/>
+            </a:pPr>
+            <a:r>
+              <a:t>Table: T_MY_TRANSFER_CALL</a:t>
+            </a:r>
+          </a:p>
+        </p:txBody>
+      </p:sp>
+      <p:sp>
+        <p:nvSpPr>
+          <p:cNvPr id="3" name="TextBox 2"/>
+          <p:cNvSpPr txBox="1"/>
+          <p:nvPr/>
+        </p:nvSpPr>
+        <p:spPr>
+          <a:xfrm>
+            <a:off x="182880" y="502920"/>
+            <a:ext cx="8778240" cy="6400800"/>
+          </a:xfrm>
+          <a:prstGeom prst="rect">
+            <a:avLst/>
+          </a:prstGeom>
+          <a:noFill/>
+        </p:spPr>
+        <p:txBody>
+          <a:bodyPr wrap="square">
+            <a:spAutoFit/>
+          </a:bodyPr>
+          <a:lstStyle/>
+          <a:p>
+            <a:pPr>
+              <a:defRPr sz="800">
+                <a:latin typeface="Courier New"/>
+              </a:defRPr>
+            </a:pPr>
+            <a:r>
+              <a:t>CREATE TABLE `T_MY_TRANSFER_CALL` (</a:t>
+            </a:r>
+            <a:br/>
+            <a:r>
+              <a:t>  `transfer_id` bigint(20) NOT NULL AUTO_INCREMENT,</a:t>
+            </a:r>
+            <a:br/>
+            <a:r>
+              <a:t>  `company_id` bigint(20) NOT NULL COMMENT '업체id',</a:t>
+            </a:r>
+            <a:br/>
+            <a:r>
+              <a:t>  `transfer_company_id` bigint(20) NOT NULL COMMENT 'transfer 업체 ID',</a:t>
+            </a:r>
+            <a:br/>
+            <a:r>
+              <a:t>  `transfer_did_number` varchar(20) NOT NULL COMMENT '업체 DID 번호',</a:t>
+            </a:r>
+            <a:br/>
+            <a:r>
+              <a:t>  `transfer_q_number` varchar(20) DEFAULT NULL COMMENT 'transfer 업체 Q',</a:t>
+            </a:r>
+            <a:br/>
+            <a:r>
+              <a:t>  `transfer_company_name` varchar(20) NOT NULL COMMENT '업체 이름',</a:t>
+            </a:r>
+            <a:br/>
+            <a:r>
+              <a:t>  `transfer_order_num` int(1) NOT NULL DEFAULT '1' COMMENT '착신 순서',</a:t>
+            </a:r>
+            <a:br/>
+            <a:r>
+              <a:t>  `memo` text COMMENT '설명',</a:t>
+            </a:r>
+            <a:br/>
+            <a:r>
+              <a:t>  `mod_datetime` datetime DEFAULT NULL,</a:t>
+            </a:r>
+            <a:br/>
+            <a:r>
+              <a:t>  `login_id` varchar(64) DEFAULT NULL COMMENT '수정자로그인id',</a:t>
+            </a:r>
+            <a:br/>
+            <a:r>
+              <a:t>  PRIMARY KEY (`transfer_id`)</a:t>
+            </a:r>
+            <a:br/>
+            <a:r>
+              <a:t>) ENGINE=InnoDB AUTO_INCREMENT=36686 DEFAULT CHARSET=utf8;</a:t>
             </a:r>
           </a:p>
         </p:txBody>
